--- a/SmartLocker.pptx
+++ b/SmartLocker.pptx
@@ -1,9 +1,12 @@
 
 <file path=ppt/presentation.xml><?xml version="1.0" encoding="utf-8"?>
-<p:presentation xmlns:a="http://schemas.openxmlformats.org/drawingml/2006/main" xmlns:r="http://schemas.openxmlformats.org/officeDocument/2006/relationships" xmlns:p="http://schemas.openxmlformats.org/presentationml/2006/main" saveSubsetFonts="1" autoCompressPictures="0">
+<p:presentation xmlns:a="http://schemas.openxmlformats.org/drawingml/2006/main" xmlns:r="http://schemas.openxmlformats.org/officeDocument/2006/relationships" xmlns:p="http://schemas.openxmlformats.org/presentationml/2006/main" showSpecialPlsOnTitleSld="0" saveSubsetFonts="1" autoCompressPictures="0">
   <p:sldMasterIdLst>
     <p:sldMasterId id="2147483648" r:id="rId1"/>
   </p:sldMasterIdLst>
+  <p:notesMasterIdLst>
+    <p:notesMasterId r:id="rId22"/>
+  </p:notesMasterIdLst>
   <p:sldIdLst>
     <p:sldId id="256" r:id="rId2"/>
     <p:sldId id="257" r:id="rId3"/>
@@ -17,11 +20,14 @@
     <p:sldId id="265" r:id="rId11"/>
     <p:sldId id="266" r:id="rId12"/>
     <p:sldId id="267" r:id="rId13"/>
-    <p:sldId id="268" r:id="rId14"/>
-    <p:sldId id="269" r:id="rId15"/>
-    <p:sldId id="270" r:id="rId16"/>
-    <p:sldId id="271" r:id="rId17"/>
-    <p:sldId id="272" r:id="rId18"/>
+    <p:sldId id="274" r:id="rId14"/>
+    <p:sldId id="273" r:id="rId15"/>
+    <p:sldId id="275" r:id="rId16"/>
+    <p:sldId id="269" r:id="rId17"/>
+    <p:sldId id="270" r:id="rId18"/>
+    <p:sldId id="271" r:id="rId19"/>
+    <p:sldId id="272" r:id="rId20"/>
+    <p:sldId id="276" r:id="rId21"/>
   </p:sldIdLst>
   <p:sldSz cx="12192000" cy="6858000"/>
   <p:notesSz cx="6858000" cy="9144000"/>
@@ -120,7 +126,474 @@
       </a:defRPr>
     </a:lvl9pPr>
   </p:defaultTextStyle>
+  <p:extLst>
+    <p:ext uri="{EFAFB233-063F-42B5-8137-9DF3F51BA10A}">
+      <p15:sldGuideLst xmlns:p15="http://schemas.microsoft.com/office/powerpoint/2012/main"/>
+    </p:ext>
+  </p:extLst>
 </p:presentation>
+</file>
+
+<file path=ppt/notesMasters/notesMaster1.xml><?xml version="1.0" encoding="utf-8"?>
+<p:notesMaster xmlns:a="http://schemas.openxmlformats.org/drawingml/2006/main" xmlns:r="http://schemas.openxmlformats.org/officeDocument/2006/relationships" xmlns:p="http://schemas.openxmlformats.org/presentationml/2006/main">
+  <p:cSld>
+    <p:bg>
+      <p:bgRef idx="1001">
+        <a:schemeClr val="bg1"/>
+      </p:bgRef>
+    </p:bg>
+    <p:spTree>
+      <p:nvGrpSpPr>
+        <p:cNvPr id="1" name=""/>
+        <p:cNvGrpSpPr/>
+        <p:nvPr/>
+      </p:nvGrpSpPr>
+      <p:grpSpPr>
+        <a:xfrm>
+          <a:off x="0" y="0"/>
+          <a:ext cx="0" cy="0"/>
+          <a:chOff x="0" y="0"/>
+          <a:chExt cx="0" cy="0"/>
+        </a:xfrm>
+      </p:grpSpPr>
+      <p:sp>
+        <p:nvSpPr>
+          <p:cNvPr id="2" name="Header Placeholder 1"/>
+          <p:cNvSpPr>
+            <a:spLocks noGrp="1"/>
+          </p:cNvSpPr>
+          <p:nvPr>
+            <p:ph type="hdr" sz="quarter"/>
+          </p:nvPr>
+        </p:nvSpPr>
+        <p:spPr>
+          <a:xfrm>
+            <a:off x="0" y="0"/>
+            <a:ext cx="2971800" cy="458788"/>
+          </a:xfrm>
+          <a:prstGeom prst="rect">
+            <a:avLst/>
+          </a:prstGeom>
+        </p:spPr>
+        <p:txBody>
+          <a:bodyPr vert="horz" lIns="91440" tIns="45720" rIns="91440" bIns="45720" rtlCol="0"/>
+          <a:lstStyle>
+            <a:lvl1pPr algn="l">
+              <a:defRPr sz="1200"/>
+            </a:lvl1pPr>
+          </a:lstStyle>
+          <a:p>
+            <a:endParaRPr lang="en-CA"/>
+          </a:p>
+        </p:txBody>
+      </p:sp>
+      <p:sp>
+        <p:nvSpPr>
+          <p:cNvPr id="3" name="Date Placeholder 2"/>
+          <p:cNvSpPr>
+            <a:spLocks noGrp="1"/>
+          </p:cNvSpPr>
+          <p:nvPr>
+            <p:ph type="dt" idx="1"/>
+          </p:nvPr>
+        </p:nvSpPr>
+        <p:spPr>
+          <a:xfrm>
+            <a:off x="3884613" y="0"/>
+            <a:ext cx="2971800" cy="458788"/>
+          </a:xfrm>
+          <a:prstGeom prst="rect">
+            <a:avLst/>
+          </a:prstGeom>
+        </p:spPr>
+        <p:txBody>
+          <a:bodyPr vert="horz" lIns="91440" tIns="45720" rIns="91440" bIns="45720" rtlCol="0"/>
+          <a:lstStyle>
+            <a:lvl1pPr algn="r">
+              <a:defRPr sz="1200"/>
+            </a:lvl1pPr>
+          </a:lstStyle>
+          <a:p>
+            <a:fld id="{49ECEA03-AE2F-4576-8568-ACA2CAE51CB2}" type="datetimeFigureOut">
+              <a:rPr lang="en-CA" smtClean="0"/>
+              <a:t>2019-11-17</a:t>
+            </a:fld>
+            <a:endParaRPr lang="en-CA"/>
+          </a:p>
+        </p:txBody>
+      </p:sp>
+      <p:sp>
+        <p:nvSpPr>
+          <p:cNvPr id="4" name="Slide Image Placeholder 3"/>
+          <p:cNvSpPr>
+            <a:spLocks noGrp="1" noRot="1" noChangeAspect="1"/>
+          </p:cNvSpPr>
+          <p:nvPr>
+            <p:ph type="sldImg" idx="2"/>
+          </p:nvPr>
+        </p:nvSpPr>
+        <p:spPr>
+          <a:xfrm>
+            <a:off x="685800" y="1143000"/>
+            <a:ext cx="5486400" cy="3086100"/>
+          </a:xfrm>
+          <a:prstGeom prst="rect">
+            <a:avLst/>
+          </a:prstGeom>
+          <a:noFill/>
+          <a:ln w="12700">
+            <a:solidFill>
+              <a:prstClr val="black"/>
+            </a:solidFill>
+          </a:ln>
+        </p:spPr>
+        <p:txBody>
+          <a:bodyPr vert="horz" lIns="91440" tIns="45720" rIns="91440" bIns="45720" rtlCol="0" anchor="ctr"/>
+          <a:lstStyle/>
+          <a:p>
+            <a:endParaRPr lang="en-CA"/>
+          </a:p>
+        </p:txBody>
+      </p:sp>
+      <p:sp>
+        <p:nvSpPr>
+          <p:cNvPr id="5" name="Notes Placeholder 4"/>
+          <p:cNvSpPr>
+            <a:spLocks noGrp="1"/>
+          </p:cNvSpPr>
+          <p:nvPr>
+            <p:ph type="body" sz="quarter" idx="3"/>
+          </p:nvPr>
+        </p:nvSpPr>
+        <p:spPr>
+          <a:xfrm>
+            <a:off x="685800" y="4400550"/>
+            <a:ext cx="5486400" cy="3600450"/>
+          </a:xfrm>
+          <a:prstGeom prst="rect">
+            <a:avLst/>
+          </a:prstGeom>
+        </p:spPr>
+        <p:txBody>
+          <a:bodyPr vert="horz" lIns="91440" tIns="45720" rIns="91440" bIns="45720" rtlCol="0"/>
+          <a:lstStyle/>
+          <a:p>
+            <a:pPr lvl="0"/>
+            <a:r>
+              <a:rPr lang="en-US"/>
+              <a:t>Click to edit Master text styles</a:t>
+            </a:r>
+          </a:p>
+          <a:p>
+            <a:pPr lvl="1"/>
+            <a:r>
+              <a:rPr lang="en-US"/>
+              <a:t>Second level</a:t>
+            </a:r>
+          </a:p>
+          <a:p>
+            <a:pPr lvl="2"/>
+            <a:r>
+              <a:rPr lang="en-US"/>
+              <a:t>Third level</a:t>
+            </a:r>
+          </a:p>
+          <a:p>
+            <a:pPr lvl="3"/>
+            <a:r>
+              <a:rPr lang="en-US"/>
+              <a:t>Fourth level</a:t>
+            </a:r>
+          </a:p>
+          <a:p>
+            <a:pPr lvl="4"/>
+            <a:r>
+              <a:rPr lang="en-US"/>
+              <a:t>Fifth level</a:t>
+            </a:r>
+            <a:endParaRPr lang="en-CA"/>
+          </a:p>
+        </p:txBody>
+      </p:sp>
+      <p:sp>
+        <p:nvSpPr>
+          <p:cNvPr id="6" name="Footer Placeholder 5"/>
+          <p:cNvSpPr>
+            <a:spLocks noGrp="1"/>
+          </p:cNvSpPr>
+          <p:nvPr>
+            <p:ph type="ftr" sz="quarter" idx="4"/>
+          </p:nvPr>
+        </p:nvSpPr>
+        <p:spPr>
+          <a:xfrm>
+            <a:off x="0" y="8685213"/>
+            <a:ext cx="2971800" cy="458787"/>
+          </a:xfrm>
+          <a:prstGeom prst="rect">
+            <a:avLst/>
+          </a:prstGeom>
+        </p:spPr>
+        <p:txBody>
+          <a:bodyPr vert="horz" lIns="91440" tIns="45720" rIns="91440" bIns="45720" rtlCol="0" anchor="b"/>
+          <a:lstStyle>
+            <a:lvl1pPr algn="l">
+              <a:defRPr sz="1200"/>
+            </a:lvl1pPr>
+          </a:lstStyle>
+          <a:p>
+            <a:endParaRPr lang="en-CA"/>
+          </a:p>
+        </p:txBody>
+      </p:sp>
+      <p:sp>
+        <p:nvSpPr>
+          <p:cNvPr id="7" name="Slide Number Placeholder 6"/>
+          <p:cNvSpPr>
+            <a:spLocks noGrp="1"/>
+          </p:cNvSpPr>
+          <p:nvPr>
+            <p:ph type="sldNum" sz="quarter" idx="5"/>
+          </p:nvPr>
+        </p:nvSpPr>
+        <p:spPr>
+          <a:xfrm>
+            <a:off x="3884613" y="8685213"/>
+            <a:ext cx="2971800" cy="458787"/>
+          </a:xfrm>
+          <a:prstGeom prst="rect">
+            <a:avLst/>
+          </a:prstGeom>
+        </p:spPr>
+        <p:txBody>
+          <a:bodyPr vert="horz" lIns="91440" tIns="45720" rIns="91440" bIns="45720" rtlCol="0" anchor="b"/>
+          <a:lstStyle>
+            <a:lvl1pPr algn="r">
+              <a:defRPr sz="1200"/>
+            </a:lvl1pPr>
+          </a:lstStyle>
+          <a:p>
+            <a:fld id="{6FBA7304-F9A4-4F37-909E-86467093F237}" type="slidenum">
+              <a:rPr lang="en-CA" smtClean="0"/>
+              <a:t>‹#›</a:t>
+            </a:fld>
+            <a:endParaRPr lang="en-CA"/>
+          </a:p>
+        </p:txBody>
+      </p:sp>
+    </p:spTree>
+    <p:extLst>
+      <p:ext uri="{BB962C8B-B14F-4D97-AF65-F5344CB8AC3E}">
+        <p14:creationId xmlns:p14="http://schemas.microsoft.com/office/powerpoint/2010/main" val="2800054801"/>
+      </p:ext>
+    </p:extLst>
+  </p:cSld>
+  <p:clrMap bg1="lt1" tx1="dk1" bg2="lt2" tx2="dk2" accent1="accent1" accent2="accent2" accent3="accent3" accent4="accent4" accent5="accent5" accent6="accent6" hlink="hlink" folHlink="folHlink"/>
+  <p:notesStyle>
+    <a:lvl1pPr marL="0" algn="l" defTabSz="914400" rtl="0" eaLnBrk="1" latinLnBrk="0" hangingPunct="1">
+      <a:defRPr sz="1200" kern="1200">
+        <a:solidFill>
+          <a:schemeClr val="tx1"/>
+        </a:solidFill>
+        <a:latin typeface="+mn-lt"/>
+        <a:ea typeface="+mn-ea"/>
+        <a:cs typeface="+mn-cs"/>
+      </a:defRPr>
+    </a:lvl1pPr>
+    <a:lvl2pPr marL="457200" algn="l" defTabSz="914400" rtl="0" eaLnBrk="1" latinLnBrk="0" hangingPunct="1">
+      <a:defRPr sz="1200" kern="1200">
+        <a:solidFill>
+          <a:schemeClr val="tx1"/>
+        </a:solidFill>
+        <a:latin typeface="+mn-lt"/>
+        <a:ea typeface="+mn-ea"/>
+        <a:cs typeface="+mn-cs"/>
+      </a:defRPr>
+    </a:lvl2pPr>
+    <a:lvl3pPr marL="914400" algn="l" defTabSz="914400" rtl="0" eaLnBrk="1" latinLnBrk="0" hangingPunct="1">
+      <a:defRPr sz="1200" kern="1200">
+        <a:solidFill>
+          <a:schemeClr val="tx1"/>
+        </a:solidFill>
+        <a:latin typeface="+mn-lt"/>
+        <a:ea typeface="+mn-ea"/>
+        <a:cs typeface="+mn-cs"/>
+      </a:defRPr>
+    </a:lvl3pPr>
+    <a:lvl4pPr marL="1371600" algn="l" defTabSz="914400" rtl="0" eaLnBrk="1" latinLnBrk="0" hangingPunct="1">
+      <a:defRPr sz="1200" kern="1200">
+        <a:solidFill>
+          <a:schemeClr val="tx1"/>
+        </a:solidFill>
+        <a:latin typeface="+mn-lt"/>
+        <a:ea typeface="+mn-ea"/>
+        <a:cs typeface="+mn-cs"/>
+      </a:defRPr>
+    </a:lvl4pPr>
+    <a:lvl5pPr marL="1828800" algn="l" defTabSz="914400" rtl="0" eaLnBrk="1" latinLnBrk="0" hangingPunct="1">
+      <a:defRPr sz="1200" kern="1200">
+        <a:solidFill>
+          <a:schemeClr val="tx1"/>
+        </a:solidFill>
+        <a:latin typeface="+mn-lt"/>
+        <a:ea typeface="+mn-ea"/>
+        <a:cs typeface="+mn-cs"/>
+      </a:defRPr>
+    </a:lvl5pPr>
+    <a:lvl6pPr marL="2286000" algn="l" defTabSz="914400" rtl="0" eaLnBrk="1" latinLnBrk="0" hangingPunct="1">
+      <a:defRPr sz="1200" kern="1200">
+        <a:solidFill>
+          <a:schemeClr val="tx1"/>
+        </a:solidFill>
+        <a:latin typeface="+mn-lt"/>
+        <a:ea typeface="+mn-ea"/>
+        <a:cs typeface="+mn-cs"/>
+      </a:defRPr>
+    </a:lvl6pPr>
+    <a:lvl7pPr marL="2743200" algn="l" defTabSz="914400" rtl="0" eaLnBrk="1" latinLnBrk="0" hangingPunct="1">
+      <a:defRPr sz="1200" kern="1200">
+        <a:solidFill>
+          <a:schemeClr val="tx1"/>
+        </a:solidFill>
+        <a:latin typeface="+mn-lt"/>
+        <a:ea typeface="+mn-ea"/>
+        <a:cs typeface="+mn-cs"/>
+      </a:defRPr>
+    </a:lvl7pPr>
+    <a:lvl8pPr marL="3200400" algn="l" defTabSz="914400" rtl="0" eaLnBrk="1" latinLnBrk="0" hangingPunct="1">
+      <a:defRPr sz="1200" kern="1200">
+        <a:solidFill>
+          <a:schemeClr val="tx1"/>
+        </a:solidFill>
+        <a:latin typeface="+mn-lt"/>
+        <a:ea typeface="+mn-ea"/>
+        <a:cs typeface="+mn-cs"/>
+      </a:defRPr>
+    </a:lvl8pPr>
+    <a:lvl9pPr marL="3657600" algn="l" defTabSz="914400" rtl="0" eaLnBrk="1" latinLnBrk="0" hangingPunct="1">
+      <a:defRPr sz="1200" kern="1200">
+        <a:solidFill>
+          <a:schemeClr val="tx1"/>
+        </a:solidFill>
+        <a:latin typeface="+mn-lt"/>
+        <a:ea typeface="+mn-ea"/>
+        <a:cs typeface="+mn-cs"/>
+      </a:defRPr>
+    </a:lvl9pPr>
+  </p:notesStyle>
+</p:notesMaster>
+</file>
+
+<file path=ppt/notesSlides/notesSlide1.xml><?xml version="1.0" encoding="utf-8"?>
+<p:notes xmlns:a="http://schemas.openxmlformats.org/drawingml/2006/main" xmlns:r="http://schemas.openxmlformats.org/officeDocument/2006/relationships" xmlns:p="http://schemas.openxmlformats.org/presentationml/2006/main">
+  <p:cSld>
+    <p:spTree>
+      <p:nvGrpSpPr>
+        <p:cNvPr id="1" name=""/>
+        <p:cNvGrpSpPr/>
+        <p:nvPr/>
+      </p:nvGrpSpPr>
+      <p:grpSpPr>
+        <a:xfrm>
+          <a:off x="0" y="0"/>
+          <a:ext cx="0" cy="0"/>
+          <a:chOff x="0" y="0"/>
+          <a:chExt cx="0" cy="0"/>
+        </a:xfrm>
+      </p:grpSpPr>
+      <p:sp>
+        <p:nvSpPr>
+          <p:cNvPr id="2" name="Slide Image Placeholder 1"/>
+          <p:cNvSpPr>
+            <a:spLocks noGrp="1" noRot="1" noChangeAspect="1"/>
+          </p:cNvSpPr>
+          <p:nvPr>
+            <p:ph type="sldImg"/>
+          </p:nvPr>
+        </p:nvSpPr>
+        <p:spPr/>
+      </p:sp>
+      <p:sp>
+        <p:nvSpPr>
+          <p:cNvPr id="3" name="Notes Placeholder 2"/>
+          <p:cNvSpPr>
+            <a:spLocks noGrp="1"/>
+          </p:cNvSpPr>
+          <p:nvPr>
+            <p:ph type="body" idx="1"/>
+          </p:nvPr>
+        </p:nvSpPr>
+        <p:spPr/>
+        <p:txBody>
+          <a:bodyPr/>
+          <a:lstStyle/>
+          <a:p>
+            <a:r>
+              <a:rPr lang="zh-CN" altLang="en-US" dirty="0"/>
+              <a:t>市场对于智能快递柜的验证在</a:t>
+            </a:r>
+            <a:r>
+              <a:rPr lang="en-US" altLang="zh-CN" dirty="0"/>
+              <a:t>2014</a:t>
+            </a:r>
+            <a:r>
+              <a:rPr lang="zh-CN" altLang="en-US" dirty="0"/>
+              <a:t>年左右开始，时至今日已经是一个成熟的行业。但是在欧美，这是一个清澈的浅水区。没有太多的直接竞争对手。亚马逊的</a:t>
+            </a:r>
+            <a:r>
+              <a:rPr lang="en-US" altLang="zh-CN" dirty="0"/>
+              <a:t>hub</a:t>
+            </a:r>
+            <a:r>
+              <a:rPr lang="zh-CN" altLang="en-US" dirty="0"/>
+              <a:t> </a:t>
+            </a:r>
+            <a:r>
+              <a:rPr lang="en-US" altLang="zh-CN" dirty="0"/>
+              <a:t>locker</a:t>
+            </a:r>
+            <a:r>
+              <a:rPr lang="zh-CN" altLang="en-US" dirty="0"/>
+              <a:t>，加拿大邮政的传统快递柜</a:t>
+            </a:r>
+            <a:endParaRPr lang="en-US" dirty="0"/>
+          </a:p>
+        </p:txBody>
+      </p:sp>
+      <p:sp>
+        <p:nvSpPr>
+          <p:cNvPr id="4" name="Slide Number Placeholder 3"/>
+          <p:cNvSpPr>
+            <a:spLocks noGrp="1"/>
+          </p:cNvSpPr>
+          <p:nvPr>
+            <p:ph type="sldNum" sz="quarter" idx="5"/>
+          </p:nvPr>
+        </p:nvSpPr>
+        <p:spPr/>
+        <p:txBody>
+          <a:bodyPr/>
+          <a:lstStyle/>
+          <a:p>
+            <a:fld id="{573E00DB-8491-2847-B6D5-BBE9026170DE}" type="slidenum">
+              <a:rPr lang="en-US" smtClean="0"/>
+              <a:t>15</a:t>
+            </a:fld>
+            <a:endParaRPr lang="en-US"/>
+          </a:p>
+        </p:txBody>
+      </p:sp>
+    </p:spTree>
+    <p:extLst>
+      <p:ext uri="{BB962C8B-B14F-4D97-AF65-F5344CB8AC3E}">
+        <p14:creationId xmlns:p14="http://schemas.microsoft.com/office/powerpoint/2010/main" val="2722805783"/>
+      </p:ext>
+    </p:extLst>
+  </p:cSld>
+  <p:clrMapOvr>
+    <a:masterClrMapping/>
+  </p:clrMapOvr>
+</p:notes>
 </file>
 
 <file path=ppt/slideLayouts/slideLayout1.xml><?xml version="1.0" encoding="utf-8"?>
@@ -268,9 +741,9 @@
           <a:bodyPr/>
           <a:lstStyle/>
           <a:p>
-            <a:fld id="{CC3A7F2E-B253-324F-8E58-2E7EFB4EEAED}" type="datetimeFigureOut">
+            <a:fld id="{F04C4F80-C90B-4C3C-AC24-5BC3D53BDD5C}" type="datetime1">
               <a:rPr lang="en-US" smtClean="0"/>
-              <a:t>11/16/19</a:t>
+              <a:t>11/17/2019</a:t>
             </a:fld>
             <a:endParaRPr lang="en-US"/>
           </a:p>
@@ -297,7 +770,10 @@
           <a:bodyPr/>
           <a:lstStyle/>
           <a:p>
-            <a:endParaRPr lang="en-US"/>
+            <a:r>
+              <a:rPr lang="en-US"/>
+              <a:t>Zyanzoom Inc.</a:t>
+            </a:r>
           </a:p>
         </p:txBody>
       </p:sp>
@@ -466,9 +942,9 @@
           <a:bodyPr/>
           <a:lstStyle/>
           <a:p>
-            <a:fld id="{CC3A7F2E-B253-324F-8E58-2E7EFB4EEAED}" type="datetimeFigureOut">
+            <a:fld id="{0C5E390C-F36F-412B-8903-47F8F3AC4ABB}" type="datetime1">
               <a:rPr lang="en-US" smtClean="0"/>
-              <a:t>11/16/19</a:t>
+              <a:t>11/17/2019</a:t>
             </a:fld>
             <a:endParaRPr lang="en-US"/>
           </a:p>
@@ -495,7 +971,10 @@
           <a:bodyPr/>
           <a:lstStyle/>
           <a:p>
-            <a:endParaRPr lang="en-US"/>
+            <a:r>
+              <a:rPr lang="en-US"/>
+              <a:t>Zyanzoom Inc.</a:t>
+            </a:r>
           </a:p>
         </p:txBody>
       </p:sp>
@@ -674,9 +1153,9 @@
           <a:bodyPr/>
           <a:lstStyle/>
           <a:p>
-            <a:fld id="{CC3A7F2E-B253-324F-8E58-2E7EFB4EEAED}" type="datetimeFigureOut">
+            <a:fld id="{662F1776-499C-470D-97B2-29DF9A58B311}" type="datetime1">
               <a:rPr lang="en-US" smtClean="0"/>
-              <a:t>11/16/19</a:t>
+              <a:t>11/17/2019</a:t>
             </a:fld>
             <a:endParaRPr lang="en-US"/>
           </a:p>
@@ -703,7 +1182,10 @@
           <a:bodyPr/>
           <a:lstStyle/>
           <a:p>
-            <a:endParaRPr lang="en-US"/>
+            <a:r>
+              <a:rPr lang="en-US"/>
+              <a:t>Zyanzoom Inc.</a:t>
+            </a:r>
           </a:p>
         </p:txBody>
       </p:sp>
@@ -872,9 +1354,9 @@
           <a:bodyPr/>
           <a:lstStyle/>
           <a:p>
-            <a:fld id="{CC3A7F2E-B253-324F-8E58-2E7EFB4EEAED}" type="datetimeFigureOut">
+            <a:fld id="{D1D65D00-D08E-487A-89D7-BA6C31F675C0}" type="datetime1">
               <a:rPr lang="en-US" smtClean="0"/>
-              <a:t>11/16/19</a:t>
+              <a:t>11/17/2019</a:t>
             </a:fld>
             <a:endParaRPr lang="en-US"/>
           </a:p>
@@ -901,7 +1383,10 @@
           <a:bodyPr/>
           <a:lstStyle/>
           <a:p>
-            <a:endParaRPr lang="en-US"/>
+            <a:r>
+              <a:rPr lang="en-US"/>
+              <a:t>Zyanzoom Inc.</a:t>
+            </a:r>
           </a:p>
         </p:txBody>
       </p:sp>
@@ -1147,9 +1632,9 @@
           <a:bodyPr/>
           <a:lstStyle/>
           <a:p>
-            <a:fld id="{CC3A7F2E-B253-324F-8E58-2E7EFB4EEAED}" type="datetimeFigureOut">
+            <a:fld id="{76468B94-4688-4174-8964-2DDA54322854}" type="datetime1">
               <a:rPr lang="en-US" smtClean="0"/>
-              <a:t>11/16/19</a:t>
+              <a:t>11/17/2019</a:t>
             </a:fld>
             <a:endParaRPr lang="en-US"/>
           </a:p>
@@ -1176,7 +1661,10 @@
           <a:bodyPr/>
           <a:lstStyle/>
           <a:p>
-            <a:endParaRPr lang="en-US"/>
+            <a:r>
+              <a:rPr lang="en-US"/>
+              <a:t>Zyanzoom Inc.</a:t>
+            </a:r>
           </a:p>
         </p:txBody>
       </p:sp>
@@ -1412,9 +1900,9 @@
           <a:bodyPr/>
           <a:lstStyle/>
           <a:p>
-            <a:fld id="{CC3A7F2E-B253-324F-8E58-2E7EFB4EEAED}" type="datetimeFigureOut">
+            <a:fld id="{E220864D-A796-4884-A1CC-3EF609BBAC93}" type="datetime1">
               <a:rPr lang="en-US" smtClean="0"/>
-              <a:t>11/16/19</a:t>
+              <a:t>11/17/2019</a:t>
             </a:fld>
             <a:endParaRPr lang="en-US"/>
           </a:p>
@@ -1441,7 +1929,10 @@
           <a:bodyPr/>
           <a:lstStyle/>
           <a:p>
-            <a:endParaRPr lang="en-US"/>
+            <a:r>
+              <a:rPr lang="en-US"/>
+              <a:t>Zyanzoom Inc.</a:t>
+            </a:r>
           </a:p>
         </p:txBody>
       </p:sp>
@@ -1824,9 +2315,9 @@
           <a:bodyPr/>
           <a:lstStyle/>
           <a:p>
-            <a:fld id="{CC3A7F2E-B253-324F-8E58-2E7EFB4EEAED}" type="datetimeFigureOut">
+            <a:fld id="{F007D1E3-8A09-4F6D-A956-6EB1DAAF7FCF}" type="datetime1">
               <a:rPr lang="en-US" smtClean="0"/>
-              <a:t>11/16/19</a:t>
+              <a:t>11/17/2019</a:t>
             </a:fld>
             <a:endParaRPr lang="en-US"/>
           </a:p>
@@ -1853,7 +2344,10 @@
           <a:bodyPr/>
           <a:lstStyle/>
           <a:p>
-            <a:endParaRPr lang="en-US"/>
+            <a:r>
+              <a:rPr lang="en-US"/>
+              <a:t>Zyanzoom Inc.</a:t>
+            </a:r>
           </a:p>
         </p:txBody>
       </p:sp>
@@ -1965,9 +2459,9 @@
           <a:bodyPr/>
           <a:lstStyle/>
           <a:p>
-            <a:fld id="{CC3A7F2E-B253-324F-8E58-2E7EFB4EEAED}" type="datetimeFigureOut">
+            <a:fld id="{CB108C07-33C1-44B1-B1B3-81671B8937A3}" type="datetime1">
               <a:rPr lang="en-US" smtClean="0"/>
-              <a:t>11/16/19</a:t>
+              <a:t>11/17/2019</a:t>
             </a:fld>
             <a:endParaRPr lang="en-US"/>
           </a:p>
@@ -1994,7 +2488,10 @@
           <a:bodyPr/>
           <a:lstStyle/>
           <a:p>
-            <a:endParaRPr lang="en-US"/>
+            <a:r>
+              <a:rPr lang="en-US"/>
+              <a:t>Zyanzoom Inc.</a:t>
+            </a:r>
           </a:p>
         </p:txBody>
       </p:sp>
@@ -2078,9 +2575,9 @@
           <a:bodyPr/>
           <a:lstStyle/>
           <a:p>
-            <a:fld id="{CC3A7F2E-B253-324F-8E58-2E7EFB4EEAED}" type="datetimeFigureOut">
+            <a:fld id="{EDD73641-E065-4EF5-B903-45E109014422}" type="datetime1">
               <a:rPr lang="en-US" smtClean="0"/>
-              <a:t>11/16/19</a:t>
+              <a:t>11/17/2019</a:t>
             </a:fld>
             <a:endParaRPr lang="en-US"/>
           </a:p>
@@ -2107,7 +2604,10 @@
           <a:bodyPr/>
           <a:lstStyle/>
           <a:p>
-            <a:endParaRPr lang="en-US"/>
+            <a:r>
+              <a:rPr lang="en-US"/>
+              <a:t>Zyanzoom Inc.</a:t>
+            </a:r>
           </a:p>
         </p:txBody>
       </p:sp>
@@ -2389,9 +2889,9 @@
           <a:bodyPr/>
           <a:lstStyle/>
           <a:p>
-            <a:fld id="{CC3A7F2E-B253-324F-8E58-2E7EFB4EEAED}" type="datetimeFigureOut">
+            <a:fld id="{9FD49B57-5C99-48FA-A967-3CA3FD0489B8}" type="datetime1">
               <a:rPr lang="en-US" smtClean="0"/>
-              <a:t>11/16/19</a:t>
+              <a:t>11/17/2019</a:t>
             </a:fld>
             <a:endParaRPr lang="en-US"/>
           </a:p>
@@ -2418,7 +2918,10 @@
           <a:bodyPr/>
           <a:lstStyle/>
           <a:p>
-            <a:endParaRPr lang="en-US"/>
+            <a:r>
+              <a:rPr lang="en-US"/>
+              <a:t>Zyanzoom Inc.</a:t>
+            </a:r>
           </a:p>
         </p:txBody>
       </p:sp>
@@ -2677,9 +3180,9 @@
           <a:bodyPr/>
           <a:lstStyle/>
           <a:p>
-            <a:fld id="{CC3A7F2E-B253-324F-8E58-2E7EFB4EEAED}" type="datetimeFigureOut">
+            <a:fld id="{60A96E27-0F25-485D-8857-8937B9601DE4}" type="datetime1">
               <a:rPr lang="en-US" smtClean="0"/>
-              <a:t>11/16/19</a:t>
+              <a:t>11/17/2019</a:t>
             </a:fld>
             <a:endParaRPr lang="en-US"/>
           </a:p>
@@ -2706,7 +3209,10 @@
           <a:bodyPr/>
           <a:lstStyle/>
           <a:p>
-            <a:endParaRPr lang="en-US"/>
+            <a:r>
+              <a:rPr lang="en-US"/>
+              <a:t>Zyanzoom Inc.</a:t>
+            </a:r>
           </a:p>
         </p:txBody>
       </p:sp>
@@ -2918,9 +3424,9 @@
             </a:lvl1pPr>
           </a:lstStyle>
           <a:p>
-            <a:fld id="{CC3A7F2E-B253-324F-8E58-2E7EFB4EEAED}" type="datetimeFigureOut">
+            <a:fld id="{F4DDB43C-7B20-4BE9-9C9C-1F73A3F6F737}" type="datetime1">
               <a:rPr lang="en-US" smtClean="0"/>
-              <a:t>11/16/19</a:t>
+              <a:t>11/17/2019</a:t>
             </a:fld>
             <a:endParaRPr lang="en-US"/>
           </a:p>
@@ -2965,7 +3471,10 @@
             </a:lvl1pPr>
           </a:lstStyle>
           <a:p>
-            <a:endParaRPr lang="en-US"/>
+            <a:r>
+              <a:rPr lang="en-US"/>
+              <a:t>Zyanzoom Inc.</a:t>
+            </a:r>
           </a:p>
         </p:txBody>
       </p:sp>
@@ -3037,6 +3546,7 @@
     <p:sldLayoutId id="2147483658" r:id="rId10"/>
     <p:sldLayoutId id="2147483659" r:id="rId11"/>
   </p:sldLayoutIdLst>
+  <p:hf sldNum="0" hdr="0" dt="0"/>
   <p:txStyles>
     <p:titleStyle>
       <a:lvl1pPr algn="l" defTabSz="914400" rtl="0" eaLnBrk="1" latinLnBrk="0" hangingPunct="1">
@@ -3822,6 +4332,34 @@
           </a:p>
         </p:txBody>
       </p:sp>
+      <p:sp>
+        <p:nvSpPr>
+          <p:cNvPr id="2" name="Footer Placeholder 1">
+            <a:extLst>
+              <a:ext uri="{FF2B5EF4-FFF2-40B4-BE49-F238E27FC236}">
+                <a16:creationId xmlns:a16="http://schemas.microsoft.com/office/drawing/2014/main" id="{37B88DCF-C240-4F53-B88A-7331026E79E6}"/>
+              </a:ext>
+            </a:extLst>
+          </p:cNvPr>
+          <p:cNvSpPr>
+            <a:spLocks noGrp="1"/>
+          </p:cNvSpPr>
+          <p:nvPr>
+            <p:ph type="ftr" sz="quarter" idx="11"/>
+          </p:nvPr>
+        </p:nvSpPr>
+        <p:spPr/>
+        <p:txBody>
+          <a:bodyPr/>
+          <a:lstStyle/>
+          <a:p>
+            <a:r>
+              <a:rPr lang="en-US"/>
+              <a:t>Zyanzoom Inc.</a:t>
+            </a:r>
+          </a:p>
+        </p:txBody>
+      </p:sp>
     </p:spTree>
     <p:extLst>
       <p:ext uri="{BB962C8B-B14F-4D97-AF65-F5344CB8AC3E}">
@@ -3902,6 +4440,34 @@
           </a:p>
         </p:txBody>
       </p:sp>
+      <p:sp>
+        <p:nvSpPr>
+          <p:cNvPr id="4" name="Footer Placeholder 3">
+            <a:extLst>
+              <a:ext uri="{FF2B5EF4-FFF2-40B4-BE49-F238E27FC236}">
+                <a16:creationId xmlns:a16="http://schemas.microsoft.com/office/drawing/2014/main" id="{5817372F-D362-4930-BC96-F40A43AF5B51}"/>
+              </a:ext>
+            </a:extLst>
+          </p:cNvPr>
+          <p:cNvSpPr>
+            <a:spLocks noGrp="1"/>
+          </p:cNvSpPr>
+          <p:nvPr>
+            <p:ph type="ftr" sz="quarter" idx="11"/>
+          </p:nvPr>
+        </p:nvSpPr>
+        <p:spPr/>
+        <p:txBody>
+          <a:bodyPr/>
+          <a:lstStyle/>
+          <a:p>
+            <a:r>
+              <a:rPr lang="en-US"/>
+              <a:t>Zyanzoom Inc.</a:t>
+            </a:r>
+          </a:p>
+        </p:txBody>
+      </p:sp>
     </p:spTree>
     <p:extLst>
       <p:ext uri="{BB962C8B-B14F-4D97-AF65-F5344CB8AC3E}">
@@ -4464,6 +5030,34 @@
           </a:p>
         </p:txBody>
       </p:sp>
+      <p:sp>
+        <p:nvSpPr>
+          <p:cNvPr id="2" name="Footer Placeholder 1">
+            <a:extLst>
+              <a:ext uri="{FF2B5EF4-FFF2-40B4-BE49-F238E27FC236}">
+                <a16:creationId xmlns:a16="http://schemas.microsoft.com/office/drawing/2014/main" id="{5BD1EC6B-D8DA-4BB6-9B6C-67DC1EDCBF42}"/>
+              </a:ext>
+            </a:extLst>
+          </p:cNvPr>
+          <p:cNvSpPr>
+            <a:spLocks noGrp="1"/>
+          </p:cNvSpPr>
+          <p:nvPr>
+            <p:ph type="ftr" sz="quarter" idx="11"/>
+          </p:nvPr>
+        </p:nvSpPr>
+        <p:spPr/>
+        <p:txBody>
+          <a:bodyPr/>
+          <a:lstStyle/>
+          <a:p>
+            <a:r>
+              <a:rPr lang="en-US"/>
+              <a:t>Zyanzoom Inc.</a:t>
+            </a:r>
+          </a:p>
+        </p:txBody>
+      </p:sp>
     </p:spTree>
     <p:extLst>
       <p:ext uri="{BB962C8B-B14F-4D97-AF65-F5344CB8AC3E}">
@@ -4512,7 +5106,7 @@
         </p:nvSpPr>
         <p:spPr>
           <a:xfrm>
-            <a:off x="838200" y="2766217"/>
+            <a:off x="620921" y="599354"/>
             <a:ext cx="5411161" cy="1325563"/>
           </a:xfrm>
         </p:spPr>
@@ -4546,10 +5140,535 @@
       </p:sp>
       <p:sp>
         <p:nvSpPr>
-          <p:cNvPr id="5" name="TextBox 4">
-            <a:extLst>
-              <a:ext uri="{FF2B5EF4-FFF2-40B4-BE49-F238E27FC236}">
-                <a16:creationId xmlns:a16="http://schemas.microsoft.com/office/drawing/2014/main" id="{0BDB2E65-C65A-1945-AEB0-0801375606DD}"/>
+          <p:cNvPr id="10" name="Rectangle 9">
+            <a:extLst>
+              <a:ext uri="{FF2B5EF4-FFF2-40B4-BE49-F238E27FC236}">
+                <a16:creationId xmlns:a16="http://schemas.microsoft.com/office/drawing/2014/main" id="{DD2C0DC1-5138-4386-BDFB-5C37520794C9}"/>
+              </a:ext>
+            </a:extLst>
+          </p:cNvPr>
+          <p:cNvSpPr/>
+          <p:nvPr/>
+        </p:nvSpPr>
+        <p:spPr>
+          <a:xfrm>
+            <a:off x="5206582" y="3247626"/>
+            <a:ext cx="1549400" cy="677333"/>
+          </a:xfrm>
+          <a:prstGeom prst="rect">
+            <a:avLst/>
+          </a:prstGeom>
+        </p:spPr>
+        <p:style>
+          <a:lnRef idx="2">
+            <a:schemeClr val="accent1">
+              <a:shade val="50000"/>
+            </a:schemeClr>
+          </a:lnRef>
+          <a:fillRef idx="1">
+            <a:schemeClr val="accent1"/>
+          </a:fillRef>
+          <a:effectRef idx="0">
+            <a:schemeClr val="accent1"/>
+          </a:effectRef>
+          <a:fontRef idx="minor">
+            <a:schemeClr val="lt1"/>
+          </a:fontRef>
+        </p:style>
+        <p:txBody>
+          <a:bodyPr rtlCol="0" anchor="ctr"/>
+          <a:lstStyle/>
+          <a:p>
+            <a:pPr algn="ctr"/>
+            <a:endParaRPr lang="en-CA"/>
+          </a:p>
+        </p:txBody>
+      </p:sp>
+      <p:grpSp>
+        <p:nvGrpSpPr>
+          <p:cNvPr id="11" name="Group 10">
+            <a:extLst>
+              <a:ext uri="{FF2B5EF4-FFF2-40B4-BE49-F238E27FC236}">
+                <a16:creationId xmlns:a16="http://schemas.microsoft.com/office/drawing/2014/main" id="{1B62FA07-E797-4CFF-984F-9504170E335F}"/>
+              </a:ext>
+            </a:extLst>
+          </p:cNvPr>
+          <p:cNvGrpSpPr/>
+          <p:nvPr/>
+        </p:nvGrpSpPr>
+        <p:grpSpPr>
+          <a:xfrm>
+            <a:off x="2022896" y="2287508"/>
+            <a:ext cx="2997837" cy="2790369"/>
+            <a:chOff x="2022896" y="2287508"/>
+            <a:chExt cx="2997837" cy="2790369"/>
+          </a:xfrm>
+        </p:grpSpPr>
+        <p:sp>
+          <p:nvSpPr>
+            <p:cNvPr id="12" name="TextBox 11">
+              <a:extLst>
+                <a:ext uri="{FF2B5EF4-FFF2-40B4-BE49-F238E27FC236}">
+                  <a16:creationId xmlns:a16="http://schemas.microsoft.com/office/drawing/2014/main" id="{82FB83A3-22CE-4FCD-AFBF-E9A819BB78A1}"/>
+                </a:ext>
+              </a:extLst>
+            </p:cNvPr>
+            <p:cNvSpPr txBox="1"/>
+            <p:nvPr/>
+          </p:nvSpPr>
+          <p:spPr>
+            <a:xfrm>
+              <a:off x="2022896" y="2287508"/>
+              <a:ext cx="997645" cy="369332"/>
+            </a:xfrm>
+            <a:prstGeom prst="rect">
+              <a:avLst/>
+            </a:prstGeom>
+            <a:noFill/>
+          </p:spPr>
+          <p:txBody>
+            <a:bodyPr wrap="none" rtlCol="0">
+              <a:spAutoFit/>
+            </a:bodyPr>
+            <a:lstStyle/>
+            <a:p>
+              <a:r>
+                <a:rPr lang="en-US" dirty="0"/>
+                <a:t>Resident</a:t>
+              </a:r>
+              <a:endParaRPr lang="en-CA" dirty="0"/>
+            </a:p>
+          </p:txBody>
+        </p:sp>
+        <p:sp>
+          <p:nvSpPr>
+            <p:cNvPr id="13" name="TextBox 12">
+              <a:extLst>
+                <a:ext uri="{FF2B5EF4-FFF2-40B4-BE49-F238E27FC236}">
+                  <a16:creationId xmlns:a16="http://schemas.microsoft.com/office/drawing/2014/main" id="{C16B727A-6B5A-409E-B760-0F593B43FAC0}"/>
+                </a:ext>
+              </a:extLst>
+            </p:cNvPr>
+            <p:cNvSpPr txBox="1"/>
+            <p:nvPr/>
+          </p:nvSpPr>
+          <p:spPr>
+            <a:xfrm>
+              <a:off x="2022896" y="2752235"/>
+              <a:ext cx="1888081" cy="369332"/>
+            </a:xfrm>
+            <a:prstGeom prst="rect">
+              <a:avLst/>
+            </a:prstGeom>
+            <a:noFill/>
+          </p:spPr>
+          <p:txBody>
+            <a:bodyPr wrap="none" rtlCol="0">
+              <a:spAutoFit/>
+            </a:bodyPr>
+            <a:lstStyle/>
+            <a:p>
+              <a:r>
+                <a:rPr lang="en-US" altLang="zh-CN" dirty="0"/>
+                <a:t>Delivery Company</a:t>
+              </a:r>
+              <a:endParaRPr lang="en-CA" dirty="0"/>
+            </a:p>
+          </p:txBody>
+        </p:sp>
+        <p:sp>
+          <p:nvSpPr>
+            <p:cNvPr id="14" name="TextBox 13">
+              <a:extLst>
+                <a:ext uri="{FF2B5EF4-FFF2-40B4-BE49-F238E27FC236}">
+                  <a16:creationId xmlns:a16="http://schemas.microsoft.com/office/drawing/2014/main" id="{D6DBF749-844F-4A4E-920B-BD75BF01C935}"/>
+                </a:ext>
+              </a:extLst>
+            </p:cNvPr>
+            <p:cNvSpPr txBox="1"/>
+            <p:nvPr/>
+          </p:nvSpPr>
+          <p:spPr>
+            <a:xfrm>
+              <a:off x="2022896" y="3216962"/>
+              <a:ext cx="1359155" cy="369332"/>
+            </a:xfrm>
+            <a:prstGeom prst="rect">
+              <a:avLst/>
+            </a:prstGeom>
+            <a:noFill/>
+          </p:spPr>
+          <p:txBody>
+            <a:bodyPr wrap="none" rtlCol="0">
+              <a:spAutoFit/>
+            </a:bodyPr>
+            <a:lstStyle/>
+            <a:p>
+              <a:r>
+                <a:rPr lang="en-US" altLang="zh-CN" dirty="0"/>
+                <a:t>E-commerce</a:t>
+              </a:r>
+              <a:endParaRPr lang="en-CA" dirty="0"/>
+            </a:p>
+          </p:txBody>
+        </p:sp>
+        <p:sp>
+          <p:nvSpPr>
+            <p:cNvPr id="15" name="TextBox 14">
+              <a:extLst>
+                <a:ext uri="{FF2B5EF4-FFF2-40B4-BE49-F238E27FC236}">
+                  <a16:creationId xmlns:a16="http://schemas.microsoft.com/office/drawing/2014/main" id="{F801B4A3-CA76-47D3-8622-50CCBF432F7E}"/>
+                </a:ext>
+              </a:extLst>
+            </p:cNvPr>
+            <p:cNvSpPr txBox="1"/>
+            <p:nvPr/>
+          </p:nvSpPr>
+          <p:spPr>
+            <a:xfrm>
+              <a:off x="2022896" y="3681689"/>
+              <a:ext cx="1472454" cy="369332"/>
+            </a:xfrm>
+            <a:prstGeom prst="rect">
+              <a:avLst/>
+            </a:prstGeom>
+            <a:noFill/>
+          </p:spPr>
+          <p:txBody>
+            <a:bodyPr wrap="none" rtlCol="0">
+              <a:spAutoFit/>
+            </a:bodyPr>
+            <a:lstStyle/>
+            <a:p>
+              <a:r>
+                <a:rPr lang="en-US" altLang="zh-CN" dirty="0"/>
+                <a:t>Food Delivery</a:t>
+              </a:r>
+              <a:endParaRPr lang="en-CA" dirty="0"/>
+            </a:p>
+          </p:txBody>
+        </p:sp>
+        <p:sp>
+          <p:nvSpPr>
+            <p:cNvPr id="16" name="TextBox 15">
+              <a:extLst>
+                <a:ext uri="{FF2B5EF4-FFF2-40B4-BE49-F238E27FC236}">
+                  <a16:creationId xmlns:a16="http://schemas.microsoft.com/office/drawing/2014/main" id="{6E84B6B5-63B5-41B3-A4A1-994171EE2F5D}"/>
+                </a:ext>
+              </a:extLst>
+            </p:cNvPr>
+            <p:cNvSpPr txBox="1"/>
+            <p:nvPr/>
+          </p:nvSpPr>
+          <p:spPr>
+            <a:xfrm>
+              <a:off x="2022896" y="4146417"/>
+              <a:ext cx="1826141" cy="369332"/>
+            </a:xfrm>
+            <a:prstGeom prst="rect">
+              <a:avLst/>
+            </a:prstGeom>
+            <a:noFill/>
+          </p:spPr>
+          <p:txBody>
+            <a:bodyPr wrap="none" rtlCol="0">
+              <a:spAutoFit/>
+            </a:bodyPr>
+            <a:lstStyle/>
+            <a:p>
+              <a:r>
+                <a:rPr lang="en-US" dirty="0"/>
+                <a:t>Other Companies</a:t>
+              </a:r>
+              <a:endParaRPr lang="en-CA" dirty="0"/>
+            </a:p>
+          </p:txBody>
+        </p:sp>
+        <p:sp>
+          <p:nvSpPr>
+            <p:cNvPr id="17" name="TextBox 16">
+              <a:extLst>
+                <a:ext uri="{FF2B5EF4-FFF2-40B4-BE49-F238E27FC236}">
+                  <a16:creationId xmlns:a16="http://schemas.microsoft.com/office/drawing/2014/main" id="{788E1864-5723-4B07-BB1B-AC51A34A87A9}"/>
+                </a:ext>
+              </a:extLst>
+            </p:cNvPr>
+            <p:cNvSpPr txBox="1"/>
+            <p:nvPr/>
+          </p:nvSpPr>
+          <p:spPr>
+            <a:xfrm>
+              <a:off x="2515679" y="4668149"/>
+              <a:ext cx="513410" cy="409728"/>
+            </a:xfrm>
+            <a:prstGeom prst="rect">
+              <a:avLst/>
+            </a:prstGeom>
+            <a:noFill/>
+          </p:spPr>
+          <p:txBody>
+            <a:bodyPr vert="wordArtVert" wrap="none" rtlCol="0">
+              <a:spAutoFit/>
+            </a:bodyPr>
+            <a:lstStyle/>
+            <a:p>
+              <a:r>
+                <a:rPr lang="en-US" altLang="zh-CN" dirty="0"/>
+                <a:t>……</a:t>
+              </a:r>
+              <a:endParaRPr lang="en-CA" dirty="0"/>
+            </a:p>
+          </p:txBody>
+        </p:sp>
+        <p:cxnSp>
+          <p:nvCxnSpPr>
+            <p:cNvPr id="18" name="Connector: Elbow 17">
+              <a:extLst>
+                <a:ext uri="{FF2B5EF4-FFF2-40B4-BE49-F238E27FC236}">
+                  <a16:creationId xmlns:a16="http://schemas.microsoft.com/office/drawing/2014/main" id="{240C5D7D-5071-46DD-83F9-5B0E30D930A9}"/>
+                </a:ext>
+              </a:extLst>
+            </p:cNvPr>
+            <p:cNvCxnSpPr>
+              <a:cxnSpLocks/>
+              <a:stCxn id="12" idx="3"/>
+            </p:cNvCxnSpPr>
+            <p:nvPr/>
+          </p:nvCxnSpPr>
+          <p:spPr>
+            <a:xfrm>
+              <a:off x="3020541" y="2472174"/>
+              <a:ext cx="2000192" cy="1114120"/>
+            </a:xfrm>
+            <a:prstGeom prst="bentConnector3">
+              <a:avLst/>
+            </a:prstGeom>
+            <a:ln>
+              <a:tailEnd type="triangle"/>
+            </a:ln>
+          </p:spPr>
+          <p:style>
+            <a:lnRef idx="1">
+              <a:schemeClr val="accent1"/>
+            </a:lnRef>
+            <a:fillRef idx="0">
+              <a:schemeClr val="accent1"/>
+            </a:fillRef>
+            <a:effectRef idx="0">
+              <a:schemeClr val="accent1"/>
+            </a:effectRef>
+            <a:fontRef idx="minor">
+              <a:schemeClr val="tx1"/>
+            </a:fontRef>
+          </p:style>
+        </p:cxnSp>
+        <p:cxnSp>
+          <p:nvCxnSpPr>
+            <p:cNvPr id="19" name="Connector: Elbow 18">
+              <a:extLst>
+                <a:ext uri="{FF2B5EF4-FFF2-40B4-BE49-F238E27FC236}">
+                  <a16:creationId xmlns:a16="http://schemas.microsoft.com/office/drawing/2014/main" id="{846416F7-C90F-4A6B-91A5-31BDD942C0AD}"/>
+                </a:ext>
+              </a:extLst>
+            </p:cNvPr>
+            <p:cNvCxnSpPr>
+              <a:cxnSpLocks/>
+              <a:stCxn id="13" idx="3"/>
+            </p:cNvCxnSpPr>
+            <p:nvPr/>
+          </p:nvCxnSpPr>
+          <p:spPr>
+            <a:xfrm>
+              <a:off x="3910977" y="2936901"/>
+              <a:ext cx="398556" cy="649391"/>
+            </a:xfrm>
+            <a:prstGeom prst="bentConnector2">
+              <a:avLst/>
+            </a:prstGeom>
+          </p:spPr>
+          <p:style>
+            <a:lnRef idx="1">
+              <a:schemeClr val="accent1"/>
+            </a:lnRef>
+            <a:fillRef idx="0">
+              <a:schemeClr val="accent1"/>
+            </a:fillRef>
+            <a:effectRef idx="0">
+              <a:schemeClr val="accent1"/>
+            </a:effectRef>
+            <a:fontRef idx="minor">
+              <a:schemeClr val="tx1"/>
+            </a:fontRef>
+          </p:style>
+        </p:cxnSp>
+        <p:cxnSp>
+          <p:nvCxnSpPr>
+            <p:cNvPr id="20" name="Connector: Elbow 19">
+              <a:extLst>
+                <a:ext uri="{FF2B5EF4-FFF2-40B4-BE49-F238E27FC236}">
+                  <a16:creationId xmlns:a16="http://schemas.microsoft.com/office/drawing/2014/main" id="{DD08E87B-22EE-4939-AF9E-07C37320FAD7}"/>
+                </a:ext>
+              </a:extLst>
+            </p:cNvPr>
+            <p:cNvCxnSpPr>
+              <a:cxnSpLocks/>
+              <a:stCxn id="14" idx="3"/>
+            </p:cNvCxnSpPr>
+            <p:nvPr/>
+          </p:nvCxnSpPr>
+          <p:spPr>
+            <a:xfrm>
+              <a:off x="3382051" y="3401628"/>
+              <a:ext cx="1580474" cy="184667"/>
+            </a:xfrm>
+            <a:prstGeom prst="bentConnector3">
+              <a:avLst/>
+            </a:prstGeom>
+          </p:spPr>
+          <p:style>
+            <a:lnRef idx="1">
+              <a:schemeClr val="accent1"/>
+            </a:lnRef>
+            <a:fillRef idx="0">
+              <a:schemeClr val="accent1"/>
+            </a:fillRef>
+            <a:effectRef idx="0">
+              <a:schemeClr val="accent1"/>
+            </a:effectRef>
+            <a:fontRef idx="minor">
+              <a:schemeClr val="tx1"/>
+            </a:fontRef>
+          </p:style>
+        </p:cxnSp>
+        <p:cxnSp>
+          <p:nvCxnSpPr>
+            <p:cNvPr id="21" name="Connector: Elbow 20">
+              <a:extLst>
+                <a:ext uri="{FF2B5EF4-FFF2-40B4-BE49-F238E27FC236}">
+                  <a16:creationId xmlns:a16="http://schemas.microsoft.com/office/drawing/2014/main" id="{AFEA5B0A-3966-4632-9630-16674D9FCD22}"/>
+                </a:ext>
+              </a:extLst>
+            </p:cNvPr>
+            <p:cNvCxnSpPr>
+              <a:cxnSpLocks/>
+              <a:stCxn id="15" idx="3"/>
+            </p:cNvCxnSpPr>
+            <p:nvPr/>
+          </p:nvCxnSpPr>
+          <p:spPr>
+            <a:xfrm flipV="1">
+              <a:off x="3495350" y="3586292"/>
+              <a:ext cx="1467175" cy="280063"/>
+            </a:xfrm>
+            <a:prstGeom prst="bentConnector3">
+              <a:avLst/>
+            </a:prstGeom>
+          </p:spPr>
+          <p:style>
+            <a:lnRef idx="1">
+              <a:schemeClr val="accent1"/>
+            </a:lnRef>
+            <a:fillRef idx="0">
+              <a:schemeClr val="accent1"/>
+            </a:fillRef>
+            <a:effectRef idx="0">
+              <a:schemeClr val="accent1"/>
+            </a:effectRef>
+            <a:fontRef idx="minor">
+              <a:schemeClr val="tx1"/>
+            </a:fontRef>
+          </p:style>
+        </p:cxnSp>
+        <p:cxnSp>
+          <p:nvCxnSpPr>
+            <p:cNvPr id="22" name="Connector: Elbow 21">
+              <a:extLst>
+                <a:ext uri="{FF2B5EF4-FFF2-40B4-BE49-F238E27FC236}">
+                  <a16:creationId xmlns:a16="http://schemas.microsoft.com/office/drawing/2014/main" id="{B57C59D7-F389-4410-B9BD-209D73003E72}"/>
+                </a:ext>
+              </a:extLst>
+            </p:cNvPr>
+            <p:cNvCxnSpPr>
+              <a:cxnSpLocks/>
+              <a:stCxn id="16" idx="3"/>
+            </p:cNvCxnSpPr>
+            <p:nvPr/>
+          </p:nvCxnSpPr>
+          <p:spPr>
+            <a:xfrm flipV="1">
+              <a:off x="3849037" y="3586295"/>
+              <a:ext cx="460496" cy="744788"/>
+            </a:xfrm>
+            <a:prstGeom prst="bentConnector2">
+              <a:avLst/>
+            </a:prstGeom>
+          </p:spPr>
+          <p:style>
+            <a:lnRef idx="1">
+              <a:schemeClr val="accent1"/>
+            </a:lnRef>
+            <a:fillRef idx="0">
+              <a:schemeClr val="accent1"/>
+            </a:fillRef>
+            <a:effectRef idx="0">
+              <a:schemeClr val="accent1"/>
+            </a:effectRef>
+            <a:fontRef idx="minor">
+              <a:schemeClr val="tx1"/>
+            </a:fontRef>
+          </p:style>
+        </p:cxnSp>
+        <p:cxnSp>
+          <p:nvCxnSpPr>
+            <p:cNvPr id="23" name="Connector: Elbow 22">
+              <a:extLst>
+                <a:ext uri="{FF2B5EF4-FFF2-40B4-BE49-F238E27FC236}">
+                  <a16:creationId xmlns:a16="http://schemas.microsoft.com/office/drawing/2014/main" id="{D9493DFC-2C53-43DA-921B-2DAD8E0792EB}"/>
+                </a:ext>
+              </a:extLst>
+            </p:cNvPr>
+            <p:cNvCxnSpPr>
+              <a:cxnSpLocks/>
+              <a:stCxn id="17" idx="3"/>
+            </p:cNvCxnSpPr>
+            <p:nvPr/>
+          </p:nvCxnSpPr>
+          <p:spPr>
+            <a:xfrm flipV="1">
+              <a:off x="3029089" y="3586295"/>
+              <a:ext cx="1990687" cy="1286718"/>
+            </a:xfrm>
+            <a:prstGeom prst="bentConnector3">
+              <a:avLst>
+                <a:gd name="adj1" fmla="val 40430"/>
+              </a:avLst>
+            </a:prstGeom>
+            <a:ln>
+              <a:tailEnd type="triangle"/>
+            </a:ln>
+          </p:spPr>
+          <p:style>
+            <a:lnRef idx="1">
+              <a:schemeClr val="accent1"/>
+            </a:lnRef>
+            <a:fillRef idx="0">
+              <a:schemeClr val="accent1"/>
+            </a:fillRef>
+            <a:effectRef idx="0">
+              <a:schemeClr val="accent1"/>
+            </a:effectRef>
+            <a:fontRef idx="minor">
+              <a:schemeClr val="tx1"/>
+            </a:fontRef>
+          </p:style>
+        </p:cxnSp>
+      </p:grpSp>
+      <p:sp>
+        <p:nvSpPr>
+          <p:cNvPr id="24" name="TextBox 23">
+            <a:extLst>
+              <a:ext uri="{FF2B5EF4-FFF2-40B4-BE49-F238E27FC236}">
+                <a16:creationId xmlns:a16="http://schemas.microsoft.com/office/drawing/2014/main" id="{9BAD9F76-F016-472B-98C7-54BC51E4AC8A}"/>
               </a:ext>
             </a:extLst>
           </p:cNvPr>
@@ -4558,8 +5677,8 @@
         </p:nvSpPr>
         <p:spPr>
           <a:xfrm>
-            <a:off x="6249361" y="3198167"/>
-            <a:ext cx="3291478" cy="461665"/>
+            <a:off x="8501693" y="2847630"/>
+            <a:ext cx="997645" cy="369332"/>
           </a:xfrm>
           <a:prstGeom prst="rect">
             <a:avLst/>
@@ -4573,27 +5692,19 @@
           <a:lstStyle/>
           <a:p>
             <a:r>
-              <a:rPr lang="en-US" altLang="zh-CN" sz="2400" dirty="0"/>
-              <a:t>Recipient</a:t>
-            </a:r>
-            <a:r>
-              <a:rPr lang="zh-CN" altLang="en-US" sz="2400" dirty="0"/>
-              <a:t> </a:t>
-            </a:r>
-            <a:r>
-              <a:rPr lang="en-US" altLang="zh-CN" sz="2400" dirty="0"/>
-              <a:t>Representative</a:t>
-            </a:r>
-            <a:endParaRPr lang="en-US" sz="2400" dirty="0"/>
-          </a:p>
-        </p:txBody>
-      </p:sp>
-      <p:sp>
-        <p:nvSpPr>
-          <p:cNvPr id="6" name="TextBox 5">
-            <a:extLst>
-              <a:ext uri="{FF2B5EF4-FFF2-40B4-BE49-F238E27FC236}">
-                <a16:creationId xmlns:a16="http://schemas.microsoft.com/office/drawing/2014/main" id="{80D643C2-6D02-1240-8AC3-6676387E9A90}"/>
+              <a:rPr lang="en-US" altLang="zh-CN" dirty="0"/>
+              <a:t>Resident</a:t>
+            </a:r>
+            <a:endParaRPr lang="en-CA" dirty="0"/>
+          </a:p>
+        </p:txBody>
+      </p:sp>
+      <p:sp>
+        <p:nvSpPr>
+          <p:cNvPr id="25" name="TextBox 24">
+            <a:extLst>
+              <a:ext uri="{FF2B5EF4-FFF2-40B4-BE49-F238E27FC236}">
+                <a16:creationId xmlns:a16="http://schemas.microsoft.com/office/drawing/2014/main" id="{6EC08C61-2D81-4C03-9D40-913C6F52E582}"/>
               </a:ext>
             </a:extLst>
           </p:cNvPr>
@@ -4602,8 +5713,8 @@
         </p:nvSpPr>
         <p:spPr>
           <a:xfrm>
-            <a:off x="6669059" y="1469240"/>
-            <a:ext cx="2452082" cy="461665"/>
+            <a:off x="8501693" y="3706210"/>
+            <a:ext cx="1888081" cy="369332"/>
           </a:xfrm>
           <a:prstGeom prst="rect">
             <a:avLst/>
@@ -4617,27 +5728,19 @@
           <a:lstStyle/>
           <a:p>
             <a:r>
-              <a:rPr lang="en-US" altLang="zh-CN" sz="2400" dirty="0"/>
-              <a:t>Delivery</a:t>
-            </a:r>
-            <a:r>
-              <a:rPr lang="zh-CN" altLang="en-US" sz="2400" dirty="0"/>
-              <a:t> </a:t>
-            </a:r>
-            <a:r>
-              <a:rPr lang="en-US" altLang="zh-CN" sz="2400" dirty="0"/>
-              <a:t>Company</a:t>
-            </a:r>
-            <a:endParaRPr lang="en-US" sz="2400" dirty="0"/>
-          </a:p>
-        </p:txBody>
-      </p:sp>
-      <p:sp>
-        <p:nvSpPr>
-          <p:cNvPr id="7" name="TextBox 6">
-            <a:extLst>
-              <a:ext uri="{FF2B5EF4-FFF2-40B4-BE49-F238E27FC236}">
-                <a16:creationId xmlns:a16="http://schemas.microsoft.com/office/drawing/2014/main" id="{DBAADD4A-4325-DA43-B954-EF5432001B1D}"/>
+              <a:rPr lang="en-US" altLang="zh-CN" dirty="0"/>
+              <a:t>Delivery Company</a:t>
+            </a:r>
+            <a:endParaRPr lang="en-CA" dirty="0"/>
+          </a:p>
+        </p:txBody>
+      </p:sp>
+      <p:sp>
+        <p:nvSpPr>
+          <p:cNvPr id="26" name="TextBox 25">
+            <a:extLst>
+              <a:ext uri="{FF2B5EF4-FFF2-40B4-BE49-F238E27FC236}">
+                <a16:creationId xmlns:a16="http://schemas.microsoft.com/office/drawing/2014/main" id="{D0A925C2-029D-4551-A065-DAC596261F00}"/>
               </a:ext>
             </a:extLst>
           </p:cNvPr>
@@ -4646,8 +5749,8 @@
         </p:nvSpPr>
         <p:spPr>
           <a:xfrm>
-            <a:off x="7022041" y="4927092"/>
-            <a:ext cx="1746119" cy="461665"/>
+            <a:off x="8994476" y="4375910"/>
+            <a:ext cx="513410" cy="409728"/>
           </a:xfrm>
           <a:prstGeom prst="rect">
             <a:avLst/>
@@ -4655,48 +5758,46 @@
           <a:noFill/>
         </p:spPr>
         <p:txBody>
-          <a:bodyPr wrap="none" rtlCol="0">
+          <a:bodyPr vert="wordArtVert" wrap="none" rtlCol="0">
             <a:spAutoFit/>
           </a:bodyPr>
           <a:lstStyle/>
           <a:p>
             <a:r>
-              <a:rPr lang="en-US" altLang="zh-CN" sz="2400" dirty="0"/>
-              <a:t>E-commerce</a:t>
-            </a:r>
-            <a:endParaRPr lang="en-US" sz="2400" dirty="0"/>
+              <a:rPr lang="en-US" altLang="zh-CN" dirty="0"/>
+              <a:t>……</a:t>
+            </a:r>
+            <a:endParaRPr lang="en-CA" dirty="0"/>
           </a:p>
         </p:txBody>
       </p:sp>
       <p:cxnSp>
         <p:nvCxnSpPr>
-          <p:cNvPr id="8" name="Straight Arrow Connector 7">
-            <a:extLst>
-              <a:ext uri="{FF2B5EF4-FFF2-40B4-BE49-F238E27FC236}">
-                <a16:creationId xmlns:a16="http://schemas.microsoft.com/office/drawing/2014/main" id="{60743C56-E05C-E645-A8CD-405EBF0AF165}"/>
-              </a:ext>
-            </a:extLst>
-          </p:cNvPr>
-          <p:cNvCxnSpPr/>
+          <p:cNvPr id="27" name="Connector: Elbow 26">
+            <a:extLst>
+              <a:ext uri="{FF2B5EF4-FFF2-40B4-BE49-F238E27FC236}">
+                <a16:creationId xmlns:a16="http://schemas.microsoft.com/office/drawing/2014/main" id="{9AF9A356-A259-4849-8A33-801DF577DD12}"/>
+              </a:ext>
+            </a:extLst>
+          </p:cNvPr>
+          <p:cNvCxnSpPr>
+            <a:cxnSpLocks/>
+            <a:stCxn id="10" idx="3"/>
+            <a:endCxn id="24" idx="1"/>
+          </p:cNvCxnSpPr>
           <p:nvPr/>
         </p:nvCxnSpPr>
         <p:spPr>
-          <a:xfrm>
-            <a:off x="7692733" y="4293462"/>
-            <a:ext cx="404735" cy="0"/>
-          </a:xfrm>
-          <a:prstGeom prst="straightConnector1">
+          <a:xfrm flipV="1">
+            <a:off x="6755982" y="3032296"/>
+            <a:ext cx="1745711" cy="553997"/>
+          </a:xfrm>
+          <a:prstGeom prst="bentConnector3">
             <a:avLst/>
           </a:prstGeom>
           <a:ln>
             <a:tailEnd type="triangle"/>
           </a:ln>
-          <a:scene3d>
-            <a:camera prst="orthographicFront">
-              <a:rot lat="0" lon="0" rev="16200000"/>
-            </a:camera>
-            <a:lightRig rig="threePt" dir="t"/>
-          </a:scene3d>
         </p:spPr>
         <p:style>
           <a:lnRef idx="1">
@@ -4715,33 +5816,31 @@
       </p:cxnSp>
       <p:cxnSp>
         <p:nvCxnSpPr>
-          <p:cNvPr id="9" name="Straight Arrow Connector 8">
-            <a:extLst>
-              <a:ext uri="{FF2B5EF4-FFF2-40B4-BE49-F238E27FC236}">
-                <a16:creationId xmlns:a16="http://schemas.microsoft.com/office/drawing/2014/main" id="{1C09D14F-B118-E345-BE32-2A5FFDC7F099}"/>
-              </a:ext>
-            </a:extLst>
-          </p:cNvPr>
-          <p:cNvCxnSpPr/>
+          <p:cNvPr id="28" name="Connector: Elbow 27">
+            <a:extLst>
+              <a:ext uri="{FF2B5EF4-FFF2-40B4-BE49-F238E27FC236}">
+                <a16:creationId xmlns:a16="http://schemas.microsoft.com/office/drawing/2014/main" id="{7CAB8195-7EF7-422C-9966-AAB661FF69F2}"/>
+              </a:ext>
+            </a:extLst>
+          </p:cNvPr>
+          <p:cNvCxnSpPr>
+            <a:cxnSpLocks/>
+            <a:stCxn id="10" idx="3"/>
+            <a:endCxn id="25" idx="1"/>
+          </p:cNvCxnSpPr>
           <p:nvPr/>
         </p:nvCxnSpPr>
         <p:spPr>
           <a:xfrm>
-            <a:off x="7692733" y="2564536"/>
-            <a:ext cx="404735" cy="0"/>
-          </a:xfrm>
-          <a:prstGeom prst="straightConnector1">
+            <a:off x="6755982" y="3586293"/>
+            <a:ext cx="1745711" cy="304583"/>
+          </a:xfrm>
+          <a:prstGeom prst="bentConnector3">
             <a:avLst/>
           </a:prstGeom>
           <a:ln>
             <a:tailEnd type="triangle"/>
           </a:ln>
-          <a:scene3d>
-            <a:camera prst="orthographicFront">
-              <a:rot lat="0" lon="0" rev="16200000"/>
-            </a:camera>
-            <a:lightRig rig="threePt" dir="t"/>
-          </a:scene3d>
         </p:spPr>
         <p:style>
           <a:lnRef idx="1">
@@ -4758,10 +5857,119 @@
           </a:fontRef>
         </p:style>
       </p:cxnSp>
+      <p:sp>
+        <p:nvSpPr>
+          <p:cNvPr id="29" name="TextBox 28">
+            <a:extLst>
+              <a:ext uri="{FF2B5EF4-FFF2-40B4-BE49-F238E27FC236}">
+                <a16:creationId xmlns:a16="http://schemas.microsoft.com/office/drawing/2014/main" id="{5BEE1EB9-8F7B-4095-AE3A-25458CAF3EA9}"/>
+              </a:ext>
+            </a:extLst>
+          </p:cNvPr>
+          <p:cNvSpPr txBox="1"/>
+          <p:nvPr/>
+        </p:nvSpPr>
+        <p:spPr>
+          <a:xfrm>
+            <a:off x="5233463" y="2549220"/>
+            <a:ext cx="1485791" cy="369332"/>
+          </a:xfrm>
+          <a:prstGeom prst="rect">
+            <a:avLst/>
+          </a:prstGeom>
+          <a:noFill/>
+        </p:spPr>
+        <p:txBody>
+          <a:bodyPr wrap="none" rtlCol="0">
+            <a:spAutoFit/>
+          </a:bodyPr>
+          <a:lstStyle/>
+          <a:p>
+            <a:r>
+              <a:rPr lang="en-CA" altLang="zh-CN" dirty="0"/>
+              <a:t>Choking point</a:t>
+            </a:r>
+            <a:endParaRPr lang="en-CA" dirty="0"/>
+          </a:p>
+        </p:txBody>
+      </p:sp>
+      <p:cxnSp>
+        <p:nvCxnSpPr>
+          <p:cNvPr id="30" name="Connector: Elbow 29">
+            <a:extLst>
+              <a:ext uri="{FF2B5EF4-FFF2-40B4-BE49-F238E27FC236}">
+                <a16:creationId xmlns:a16="http://schemas.microsoft.com/office/drawing/2014/main" id="{6E27062B-FBDA-470A-B1FD-6C2601C136CD}"/>
+              </a:ext>
+            </a:extLst>
+          </p:cNvPr>
+          <p:cNvCxnSpPr>
+            <a:cxnSpLocks/>
+            <a:stCxn id="10" idx="3"/>
+            <a:endCxn id="26" idx="1"/>
+          </p:cNvCxnSpPr>
+          <p:nvPr/>
+        </p:nvCxnSpPr>
+        <p:spPr>
+          <a:xfrm>
+            <a:off x="6755982" y="3586293"/>
+            <a:ext cx="2238494" cy="994481"/>
+          </a:xfrm>
+          <a:prstGeom prst="bentConnector3">
+            <a:avLst>
+              <a:gd name="adj1" fmla="val 38653"/>
+            </a:avLst>
+          </a:prstGeom>
+          <a:ln>
+            <a:tailEnd type="triangle"/>
+          </a:ln>
+        </p:spPr>
+        <p:style>
+          <a:lnRef idx="1">
+            <a:schemeClr val="accent1"/>
+          </a:lnRef>
+          <a:fillRef idx="0">
+            <a:schemeClr val="accent1"/>
+          </a:fillRef>
+          <a:effectRef idx="0">
+            <a:schemeClr val="accent1"/>
+          </a:effectRef>
+          <a:fontRef idx="minor">
+            <a:schemeClr val="tx1"/>
+          </a:fontRef>
+        </p:style>
+      </p:cxnSp>
+      <p:sp>
+        <p:nvSpPr>
+          <p:cNvPr id="2" name="Footer Placeholder 1">
+            <a:extLst>
+              <a:ext uri="{FF2B5EF4-FFF2-40B4-BE49-F238E27FC236}">
+                <a16:creationId xmlns:a16="http://schemas.microsoft.com/office/drawing/2014/main" id="{E6111CB3-786D-4C76-A007-E22567FCD25C}"/>
+              </a:ext>
+            </a:extLst>
+          </p:cNvPr>
+          <p:cNvSpPr>
+            <a:spLocks noGrp="1"/>
+          </p:cNvSpPr>
+          <p:nvPr>
+            <p:ph type="ftr" sz="quarter" idx="11"/>
+          </p:nvPr>
+        </p:nvSpPr>
+        <p:spPr/>
+        <p:txBody>
+          <a:bodyPr/>
+          <a:lstStyle/>
+          <a:p>
+            <a:r>
+              <a:rPr lang="en-US"/>
+              <a:t>Zyanzoom Inc.</a:t>
+            </a:r>
+          </a:p>
+        </p:txBody>
+      </p:sp>
     </p:spTree>
     <p:extLst>
       <p:ext uri="{BB962C8B-B14F-4D97-AF65-F5344CB8AC3E}">
-        <p14:creationId xmlns:p14="http://schemas.microsoft.com/office/powerpoint/2010/main" val="3113995391"/>
+        <p14:creationId xmlns:p14="http://schemas.microsoft.com/office/powerpoint/2010/main" val="3611504379"/>
       </p:ext>
     </p:extLst>
   </p:cSld>
@@ -4790,10 +5998,10 @@
       </p:grpSpPr>
       <p:sp>
         <p:nvSpPr>
-          <p:cNvPr id="2" name="Title 1">
-            <a:extLst>
-              <a:ext uri="{FF2B5EF4-FFF2-40B4-BE49-F238E27FC236}">
-                <a16:creationId xmlns:a16="http://schemas.microsoft.com/office/drawing/2014/main" id="{566604A8-3D8C-BC42-B40D-B61A6B2D03E4}"/>
+          <p:cNvPr id="4" name="Title 1">
+            <a:extLst>
+              <a:ext uri="{FF2B5EF4-FFF2-40B4-BE49-F238E27FC236}">
+                <a16:creationId xmlns:a16="http://schemas.microsoft.com/office/drawing/2014/main" id="{DC2BF97A-6668-A543-93FD-FDE95704CCBD}"/>
               </a:ext>
             </a:extLst>
           </p:cNvPr>
@@ -4804,14 +6012,19 @@
             <p:ph type="title"/>
           </p:nvPr>
         </p:nvSpPr>
-        <p:spPr/>
+        <p:spPr>
+          <a:xfrm>
+            <a:off x="838200" y="2766217"/>
+            <a:ext cx="5411161" cy="1325563"/>
+          </a:xfrm>
+        </p:spPr>
         <p:txBody>
           <a:bodyPr/>
           <a:lstStyle/>
           <a:p>
             <a:r>
               <a:rPr lang="en-US" altLang="zh-CN" dirty="0"/>
-              <a:t>Why</a:t>
+              <a:t>Critical</a:t>
             </a:r>
             <a:r>
               <a:rPr lang="zh-CN" altLang="en-US" dirty="0"/>
@@ -4819,42 +6032,7 @@
             </a:r>
             <a:r>
               <a:rPr lang="en-US" altLang="zh-CN" dirty="0"/>
-              <a:t>us</a:t>
-            </a:r>
-            <a:endParaRPr lang="en-US" dirty="0"/>
-          </a:p>
-        </p:txBody>
-      </p:sp>
-      <p:sp>
-        <p:nvSpPr>
-          <p:cNvPr id="3" name="Content Placeholder 2">
-            <a:extLst>
-              <a:ext uri="{FF2B5EF4-FFF2-40B4-BE49-F238E27FC236}">
-                <a16:creationId xmlns:a16="http://schemas.microsoft.com/office/drawing/2014/main" id="{D300F68D-1353-7847-927D-A538E5276CC9}"/>
-              </a:ext>
-            </a:extLst>
-          </p:cNvPr>
-          <p:cNvSpPr>
-            <a:spLocks noGrp="1"/>
-          </p:cNvSpPr>
-          <p:nvPr>
-            <p:ph idx="1"/>
-          </p:nvPr>
-        </p:nvSpPr>
-        <p:spPr/>
-        <p:txBody>
-          <a:bodyPr/>
-          <a:lstStyle/>
-          <a:p>
-            <a:r>
-              <a:rPr lang="en-US" altLang="zh-CN" dirty="0"/>
-              <a:t>Experience</a:t>
-            </a:r>
-          </a:p>
-          <a:p>
-            <a:r>
-              <a:rPr lang="en-US" altLang="zh-CN" dirty="0"/>
-              <a:t>Skill</a:t>
+              <a:t>tactic</a:t>
             </a:r>
             <a:r>
               <a:rPr lang="zh-CN" altLang="en-US" dirty="0"/>
@@ -4862,38 +6040,258 @@
             </a:r>
             <a:r>
               <a:rPr lang="en-US" altLang="zh-CN" dirty="0"/>
-              <a:t>set</a:t>
-            </a:r>
-          </a:p>
-          <a:p>
-            <a:r>
-              <a:rPr lang="en-US" dirty="0"/>
-              <a:t>Problem</a:t>
-            </a:r>
-            <a:r>
-              <a:rPr lang="zh-CN" altLang="en-US" dirty="0"/>
+              <a:t>value</a:t>
+            </a:r>
+            <a:endParaRPr lang="en-US" dirty="0"/>
+          </a:p>
+        </p:txBody>
+      </p:sp>
+      <p:sp>
+        <p:nvSpPr>
+          <p:cNvPr id="5" name="TextBox 4">
+            <a:extLst>
+              <a:ext uri="{FF2B5EF4-FFF2-40B4-BE49-F238E27FC236}">
+                <a16:creationId xmlns:a16="http://schemas.microsoft.com/office/drawing/2014/main" id="{0BDB2E65-C65A-1945-AEB0-0801375606DD}"/>
+              </a:ext>
+            </a:extLst>
+          </p:cNvPr>
+          <p:cNvSpPr txBox="1"/>
+          <p:nvPr/>
+        </p:nvSpPr>
+        <p:spPr>
+          <a:xfrm>
+            <a:off x="6249361" y="3198167"/>
+            <a:ext cx="3291478" cy="461665"/>
+          </a:xfrm>
+          <a:prstGeom prst="rect">
+            <a:avLst/>
+          </a:prstGeom>
+          <a:noFill/>
+        </p:spPr>
+        <p:txBody>
+          <a:bodyPr wrap="none" rtlCol="0">
+            <a:spAutoFit/>
+          </a:bodyPr>
+          <a:lstStyle/>
+          <a:p>
+            <a:r>
+              <a:rPr lang="en-US" altLang="zh-CN" sz="2400" dirty="0"/>
+              <a:t>Recipient</a:t>
+            </a:r>
+            <a:r>
+              <a:rPr lang="zh-CN" altLang="en-US" sz="2400" dirty="0"/>
               <a:t> </a:t>
             </a:r>
             <a:r>
-              <a:rPr lang="en-US" altLang="zh-CN" dirty="0"/>
-              <a:t>Solving</a:t>
-            </a:r>
-            <a:r>
-              <a:rPr lang="zh-CN" altLang="en-US" dirty="0"/>
+              <a:rPr lang="en-US" altLang="zh-CN" sz="2400" dirty="0"/>
+              <a:t>Representative</a:t>
+            </a:r>
+            <a:endParaRPr lang="en-US" sz="2400" dirty="0"/>
+          </a:p>
+        </p:txBody>
+      </p:sp>
+      <p:sp>
+        <p:nvSpPr>
+          <p:cNvPr id="6" name="TextBox 5">
+            <a:extLst>
+              <a:ext uri="{FF2B5EF4-FFF2-40B4-BE49-F238E27FC236}">
+                <a16:creationId xmlns:a16="http://schemas.microsoft.com/office/drawing/2014/main" id="{80D643C2-6D02-1240-8AC3-6676387E9A90}"/>
+              </a:ext>
+            </a:extLst>
+          </p:cNvPr>
+          <p:cNvSpPr txBox="1"/>
+          <p:nvPr/>
+        </p:nvSpPr>
+        <p:spPr>
+          <a:xfrm>
+            <a:off x="6669059" y="1469240"/>
+            <a:ext cx="2452082" cy="461665"/>
+          </a:xfrm>
+          <a:prstGeom prst="rect">
+            <a:avLst/>
+          </a:prstGeom>
+          <a:noFill/>
+        </p:spPr>
+        <p:txBody>
+          <a:bodyPr wrap="none" rtlCol="0">
+            <a:spAutoFit/>
+          </a:bodyPr>
+          <a:lstStyle/>
+          <a:p>
+            <a:r>
+              <a:rPr lang="en-US" altLang="zh-CN" sz="2400" dirty="0"/>
+              <a:t>Delivery</a:t>
+            </a:r>
+            <a:r>
+              <a:rPr lang="zh-CN" altLang="en-US" sz="2400" dirty="0"/>
               <a:t> </a:t>
             </a:r>
             <a:r>
-              <a:rPr lang="en-US" altLang="zh-CN" dirty="0"/>
-              <a:t>skills</a:t>
-            </a:r>
-            <a:endParaRPr lang="en-US" dirty="0"/>
+              <a:rPr lang="en-US" altLang="zh-CN" sz="2400" dirty="0"/>
+              <a:t>Company</a:t>
+            </a:r>
+            <a:endParaRPr lang="en-US" sz="2400" dirty="0"/>
+          </a:p>
+        </p:txBody>
+      </p:sp>
+      <p:sp>
+        <p:nvSpPr>
+          <p:cNvPr id="7" name="TextBox 6">
+            <a:extLst>
+              <a:ext uri="{FF2B5EF4-FFF2-40B4-BE49-F238E27FC236}">
+                <a16:creationId xmlns:a16="http://schemas.microsoft.com/office/drawing/2014/main" id="{DBAADD4A-4325-DA43-B954-EF5432001B1D}"/>
+              </a:ext>
+            </a:extLst>
+          </p:cNvPr>
+          <p:cNvSpPr txBox="1"/>
+          <p:nvPr/>
+        </p:nvSpPr>
+        <p:spPr>
+          <a:xfrm>
+            <a:off x="7022041" y="4927092"/>
+            <a:ext cx="1746119" cy="461665"/>
+          </a:xfrm>
+          <a:prstGeom prst="rect">
+            <a:avLst/>
+          </a:prstGeom>
+          <a:noFill/>
+        </p:spPr>
+        <p:txBody>
+          <a:bodyPr wrap="none" rtlCol="0">
+            <a:spAutoFit/>
+          </a:bodyPr>
+          <a:lstStyle/>
+          <a:p>
+            <a:r>
+              <a:rPr lang="en-US" altLang="zh-CN" sz="2400" dirty="0"/>
+              <a:t>E-commerce</a:t>
+            </a:r>
+            <a:endParaRPr lang="en-US" sz="2400" dirty="0"/>
+          </a:p>
+        </p:txBody>
+      </p:sp>
+      <p:cxnSp>
+        <p:nvCxnSpPr>
+          <p:cNvPr id="8" name="Straight Arrow Connector 7">
+            <a:extLst>
+              <a:ext uri="{FF2B5EF4-FFF2-40B4-BE49-F238E27FC236}">
+                <a16:creationId xmlns:a16="http://schemas.microsoft.com/office/drawing/2014/main" id="{60743C56-E05C-E645-A8CD-405EBF0AF165}"/>
+              </a:ext>
+            </a:extLst>
+          </p:cNvPr>
+          <p:cNvCxnSpPr/>
+          <p:nvPr/>
+        </p:nvCxnSpPr>
+        <p:spPr>
+          <a:xfrm>
+            <a:off x="7692733" y="4293462"/>
+            <a:ext cx="404735" cy="0"/>
+          </a:xfrm>
+          <a:prstGeom prst="straightConnector1">
+            <a:avLst/>
+          </a:prstGeom>
+          <a:ln>
+            <a:tailEnd type="triangle"/>
+          </a:ln>
+          <a:scene3d>
+            <a:camera prst="orthographicFront">
+              <a:rot lat="0" lon="0" rev="16200000"/>
+            </a:camera>
+            <a:lightRig rig="threePt" dir="t"/>
+          </a:scene3d>
+        </p:spPr>
+        <p:style>
+          <a:lnRef idx="1">
+            <a:schemeClr val="accent1"/>
+          </a:lnRef>
+          <a:fillRef idx="0">
+            <a:schemeClr val="accent1"/>
+          </a:fillRef>
+          <a:effectRef idx="0">
+            <a:schemeClr val="accent1"/>
+          </a:effectRef>
+          <a:fontRef idx="minor">
+            <a:schemeClr val="tx1"/>
+          </a:fontRef>
+        </p:style>
+      </p:cxnSp>
+      <p:cxnSp>
+        <p:nvCxnSpPr>
+          <p:cNvPr id="9" name="Straight Arrow Connector 8">
+            <a:extLst>
+              <a:ext uri="{FF2B5EF4-FFF2-40B4-BE49-F238E27FC236}">
+                <a16:creationId xmlns:a16="http://schemas.microsoft.com/office/drawing/2014/main" id="{1C09D14F-B118-E345-BE32-2A5FFDC7F099}"/>
+              </a:ext>
+            </a:extLst>
+          </p:cNvPr>
+          <p:cNvCxnSpPr/>
+          <p:nvPr/>
+        </p:nvCxnSpPr>
+        <p:spPr>
+          <a:xfrm>
+            <a:off x="7692733" y="2564536"/>
+            <a:ext cx="404735" cy="0"/>
+          </a:xfrm>
+          <a:prstGeom prst="straightConnector1">
+            <a:avLst/>
+          </a:prstGeom>
+          <a:ln>
+            <a:tailEnd type="triangle"/>
+          </a:ln>
+          <a:scene3d>
+            <a:camera prst="orthographicFront">
+              <a:rot lat="0" lon="0" rev="16200000"/>
+            </a:camera>
+            <a:lightRig rig="threePt" dir="t"/>
+          </a:scene3d>
+        </p:spPr>
+        <p:style>
+          <a:lnRef idx="1">
+            <a:schemeClr val="accent1"/>
+          </a:lnRef>
+          <a:fillRef idx="0">
+            <a:schemeClr val="accent1"/>
+          </a:fillRef>
+          <a:effectRef idx="0">
+            <a:schemeClr val="accent1"/>
+          </a:effectRef>
+          <a:fontRef idx="minor">
+            <a:schemeClr val="tx1"/>
+          </a:fontRef>
+        </p:style>
+      </p:cxnSp>
+      <p:sp>
+        <p:nvSpPr>
+          <p:cNvPr id="2" name="Footer Placeholder 1">
+            <a:extLst>
+              <a:ext uri="{FF2B5EF4-FFF2-40B4-BE49-F238E27FC236}">
+                <a16:creationId xmlns:a16="http://schemas.microsoft.com/office/drawing/2014/main" id="{FA68B34E-24A3-4837-B654-EF4D44A386D0}"/>
+              </a:ext>
+            </a:extLst>
+          </p:cNvPr>
+          <p:cNvSpPr>
+            <a:spLocks noGrp="1"/>
+          </p:cNvSpPr>
+          <p:nvPr>
+            <p:ph type="ftr" sz="quarter" idx="11"/>
+          </p:nvPr>
+        </p:nvSpPr>
+        <p:spPr/>
+        <p:txBody>
+          <a:bodyPr/>
+          <a:lstStyle/>
+          <a:p>
+            <a:r>
+              <a:rPr lang="en-US"/>
+              <a:t>Zyanzoom Inc.</a:t>
+            </a:r>
           </a:p>
         </p:txBody>
       </p:sp>
     </p:spTree>
     <p:extLst>
       <p:ext uri="{BB962C8B-B14F-4D97-AF65-F5344CB8AC3E}">
-        <p14:creationId xmlns:p14="http://schemas.microsoft.com/office/powerpoint/2010/main" val="1768983473"/>
+        <p14:creationId xmlns:p14="http://schemas.microsoft.com/office/powerpoint/2010/main" val="2035662622"/>
       </p:ext>
     </p:extLst>
   </p:cSld>
@@ -4925,7 +6323,7 @@
           <p:cNvPr id="2" name="Title 1">
             <a:extLst>
               <a:ext uri="{FF2B5EF4-FFF2-40B4-BE49-F238E27FC236}">
-                <a16:creationId xmlns:a16="http://schemas.microsoft.com/office/drawing/2014/main" id="{45E30AB7-F504-0E45-BA5B-C41B9CD5278D}"/>
+                <a16:creationId xmlns:a16="http://schemas.microsoft.com/office/drawing/2014/main" id="{74D1C97C-FB57-D446-BD7F-D371A204F438}"/>
               </a:ext>
             </a:extLst>
           </p:cNvPr>
@@ -4936,19 +6334,14 @@
             <p:ph type="title"/>
           </p:nvPr>
         </p:nvSpPr>
-        <p:spPr>
-          <a:xfrm>
-            <a:off x="838200" y="365125"/>
-            <a:ext cx="10515600" cy="1325563"/>
-          </a:xfrm>
-        </p:spPr>
+        <p:spPr/>
         <p:txBody>
           <a:bodyPr/>
           <a:lstStyle/>
           <a:p>
             <a:r>
-              <a:rPr lang="en-US" altLang="zh-CN" dirty="0"/>
-              <a:t>Team</a:t>
+              <a:rPr lang="en-CA" altLang="zh-CN" dirty="0"/>
+              <a:t>Competitor Analysis</a:t>
             </a:r>
             <a:endParaRPr lang="en-US" dirty="0"/>
           </a:p>
@@ -4959,7 +6352,7 @@
           <p:cNvPr id="4" name="TextBox 3">
             <a:extLst>
               <a:ext uri="{FF2B5EF4-FFF2-40B4-BE49-F238E27FC236}">
-                <a16:creationId xmlns:a16="http://schemas.microsoft.com/office/drawing/2014/main" id="{1EC8930C-24BD-1648-A3EE-2E66E5D5278B}"/>
+                <a16:creationId xmlns:a16="http://schemas.microsoft.com/office/drawing/2014/main" id="{777A76A4-B382-BB42-A046-1E32C7893C96}"/>
               </a:ext>
             </a:extLst>
           </p:cNvPr>
@@ -4968,8 +6361,8 @@
         </p:nvSpPr>
         <p:spPr>
           <a:xfrm>
-            <a:off x="1766727" y="2468430"/>
-            <a:ext cx="1038169" cy="461665"/>
+            <a:off x="1978702" y="2248525"/>
+            <a:ext cx="3269741" cy="369332"/>
           </a:xfrm>
           <a:prstGeom prst="rect">
             <a:avLst/>
@@ -4983,18 +6376,42 @@
           <a:lstStyle/>
           <a:p>
             <a:r>
-              <a:rPr lang="en-US" altLang="zh-CN" sz="2400" dirty="0"/>
-              <a:t>Yang</a:t>
-            </a:r>
-            <a:r>
-              <a:rPr lang="zh-CN" altLang="en-US" sz="2400" dirty="0"/>
+              <a:rPr lang="en-US" dirty="0"/>
+              <a:t>Smart</a:t>
+            </a:r>
+            <a:r>
+              <a:rPr lang="zh-CN" altLang="en-US" dirty="0"/>
               <a:t> </a:t>
             </a:r>
             <a:r>
-              <a:rPr lang="en-US" altLang="zh-CN" sz="2400" dirty="0"/>
-              <a:t>Li</a:t>
-            </a:r>
-            <a:endParaRPr lang="en-US" sz="2400" dirty="0"/>
+              <a:rPr lang="en-US" altLang="zh-CN" dirty="0"/>
+              <a:t>locker:</a:t>
+            </a:r>
+            <a:r>
+              <a:rPr lang="zh-CN" altLang="en-US" dirty="0"/>
+              <a:t> </a:t>
+            </a:r>
+            <a:r>
+              <a:rPr lang="en-US" altLang="zh-CN" dirty="0"/>
+              <a:t>Amazon</a:t>
+            </a:r>
+            <a:r>
+              <a:rPr lang="zh-CN" altLang="en-US" dirty="0"/>
+              <a:t> </a:t>
+            </a:r>
+            <a:r>
+              <a:rPr lang="en-US" altLang="zh-CN" dirty="0"/>
+              <a:t>hub</a:t>
+            </a:r>
+            <a:r>
+              <a:rPr lang="zh-CN" altLang="en-US" dirty="0"/>
+              <a:t> </a:t>
+            </a:r>
+            <a:r>
+              <a:rPr lang="en-US" altLang="zh-CN" dirty="0"/>
+              <a:t>locker</a:t>
+            </a:r>
+            <a:endParaRPr lang="en-US" dirty="0"/>
           </a:p>
         </p:txBody>
       </p:sp>
@@ -5003,7 +6420,7 @@
           <p:cNvPr id="5" name="TextBox 4">
             <a:extLst>
               <a:ext uri="{FF2B5EF4-FFF2-40B4-BE49-F238E27FC236}">
-                <a16:creationId xmlns:a16="http://schemas.microsoft.com/office/drawing/2014/main" id="{6A6707E6-2B5D-4843-9C9F-771CCCC9FFD9}"/>
+                <a16:creationId xmlns:a16="http://schemas.microsoft.com/office/drawing/2014/main" id="{AB462E8D-4229-A448-B456-05C27185E847}"/>
               </a:ext>
             </a:extLst>
           </p:cNvPr>
@@ -5012,8 +6429,8 @@
         </p:nvSpPr>
         <p:spPr>
           <a:xfrm>
-            <a:off x="1766727" y="3158304"/>
-            <a:ext cx="1964127" cy="461665"/>
+            <a:off x="1978702" y="3059668"/>
+            <a:ext cx="4092723" cy="369332"/>
           </a:xfrm>
           <a:prstGeom prst="rect">
             <a:avLst/>
@@ -5027,221 +6444,85 @@
           <a:lstStyle/>
           <a:p>
             <a:r>
-              <a:rPr lang="en-US" altLang="zh-CN" sz="2400" dirty="0" err="1"/>
-              <a:t>Lingyan</a:t>
-            </a:r>
-            <a:r>
-              <a:rPr lang="zh-CN" altLang="en-US" sz="2400" dirty="0"/>
+              <a:rPr lang="en-US" altLang="zh-CN" dirty="0"/>
+              <a:t>Traditional</a:t>
+            </a:r>
+            <a:r>
+              <a:rPr lang="zh-CN" altLang="en-US" dirty="0"/>
               <a:t> </a:t>
             </a:r>
             <a:r>
-              <a:rPr lang="en-US" altLang="zh-CN" sz="2400" dirty="0"/>
-              <a:t>Zhang</a:t>
-            </a:r>
-            <a:endParaRPr lang="en-US" sz="2400" dirty="0"/>
-          </a:p>
-        </p:txBody>
-      </p:sp>
-      <p:sp>
-        <p:nvSpPr>
-          <p:cNvPr id="6" name="TextBox 5">
-            <a:extLst>
-              <a:ext uri="{FF2B5EF4-FFF2-40B4-BE49-F238E27FC236}">
-                <a16:creationId xmlns:a16="http://schemas.microsoft.com/office/drawing/2014/main" id="{4353E80A-1D02-D548-BE58-96C22B372898}"/>
-              </a:ext>
-            </a:extLst>
-          </p:cNvPr>
-          <p:cNvSpPr txBox="1"/>
-          <p:nvPr/>
-        </p:nvSpPr>
-        <p:spPr>
-          <a:xfrm>
-            <a:off x="1766727" y="1778556"/>
-            <a:ext cx="1959896" cy="461665"/>
-          </a:xfrm>
-          <a:prstGeom prst="rect">
-            <a:avLst/>
-          </a:prstGeom>
-          <a:noFill/>
-        </p:spPr>
-        <p:txBody>
-          <a:bodyPr wrap="none" rtlCol="0">
-            <a:spAutoFit/>
-          </a:bodyPr>
-          <a:lstStyle/>
-          <a:p>
-            <a:r>
-              <a:rPr lang="en-US" altLang="zh-CN" sz="2400" dirty="0"/>
-              <a:t>Xudong</a:t>
-            </a:r>
-            <a:r>
-              <a:rPr lang="zh-CN" altLang="en-US" sz="2400" dirty="0"/>
+              <a:rPr lang="en-US" altLang="zh-CN" dirty="0"/>
+              <a:t>locker:</a:t>
+            </a:r>
+            <a:r>
+              <a:rPr lang="zh-CN" altLang="en-US" dirty="0"/>
               <a:t> </a:t>
             </a:r>
             <a:r>
-              <a:rPr lang="en-US" altLang="zh-CN" sz="2400" dirty="0"/>
-              <a:t>Zhang</a:t>
-            </a:r>
-            <a:endParaRPr lang="en-US" sz="2400" dirty="0"/>
-          </a:p>
-        </p:txBody>
-      </p:sp>
-      <p:sp>
-        <p:nvSpPr>
-          <p:cNvPr id="9" name="TextBox 8">
-            <a:extLst>
-              <a:ext uri="{FF2B5EF4-FFF2-40B4-BE49-F238E27FC236}">
-                <a16:creationId xmlns:a16="http://schemas.microsoft.com/office/drawing/2014/main" id="{B450E0E8-062C-744C-B386-328D8E489764}"/>
-              </a:ext>
-            </a:extLst>
-          </p:cNvPr>
-          <p:cNvSpPr txBox="1"/>
-          <p:nvPr/>
-        </p:nvSpPr>
-        <p:spPr>
-          <a:xfrm>
-            <a:off x="4772561" y="3158304"/>
-            <a:ext cx="2646878" cy="461665"/>
-          </a:xfrm>
-          <a:prstGeom prst="rect">
-            <a:avLst/>
-          </a:prstGeom>
-          <a:noFill/>
-        </p:spPr>
-        <p:txBody>
-          <a:bodyPr wrap="none" rtlCol="0">
-            <a:spAutoFit/>
-          </a:bodyPr>
-          <a:lstStyle/>
-          <a:p>
-            <a:r>
-              <a:rPr lang="zh-CN" altLang="en-US" sz="2400" dirty="0"/>
-              <a:t>前诺基亚销售经理</a:t>
-            </a:r>
-            <a:endParaRPr lang="en-US" sz="2400" dirty="0"/>
-          </a:p>
-        </p:txBody>
-      </p:sp>
-      <p:sp>
-        <p:nvSpPr>
-          <p:cNvPr id="10" name="TextBox 9">
-            <a:extLst>
-              <a:ext uri="{FF2B5EF4-FFF2-40B4-BE49-F238E27FC236}">
-                <a16:creationId xmlns:a16="http://schemas.microsoft.com/office/drawing/2014/main" id="{D548B07C-4538-8342-9E78-DDD5389B8EE5}"/>
-              </a:ext>
-            </a:extLst>
-          </p:cNvPr>
-          <p:cNvSpPr txBox="1"/>
-          <p:nvPr/>
-        </p:nvSpPr>
-        <p:spPr>
-          <a:xfrm>
-            <a:off x="4772561" y="2468429"/>
-            <a:ext cx="3626506" cy="461665"/>
-          </a:xfrm>
-          <a:prstGeom prst="rect">
-            <a:avLst/>
-          </a:prstGeom>
-          <a:noFill/>
-        </p:spPr>
-        <p:txBody>
-          <a:bodyPr wrap="none" rtlCol="0">
-            <a:spAutoFit/>
-          </a:bodyPr>
-          <a:lstStyle/>
-          <a:p>
-            <a:r>
-              <a:rPr lang="en-US" altLang="zh-CN" sz="2400" dirty="0"/>
-              <a:t>Amazon</a:t>
-            </a:r>
-            <a:r>
-              <a:rPr lang="zh-CN" altLang="en-US" sz="2400" dirty="0"/>
+              <a:rPr lang="en-US" altLang="zh-CN" dirty="0"/>
+              <a:t>Canada</a:t>
+            </a:r>
+            <a:r>
+              <a:rPr lang="zh-CN" altLang="en-US" dirty="0"/>
               <a:t> </a:t>
             </a:r>
             <a:r>
-              <a:rPr lang="en-US" altLang="zh-CN" sz="2400" dirty="0"/>
-              <a:t>Software</a:t>
-            </a:r>
-            <a:r>
-              <a:rPr lang="zh-CN" altLang="en-US" sz="2400" dirty="0"/>
+              <a:rPr lang="en-US" altLang="zh-CN" dirty="0"/>
+              <a:t>post</a:t>
+            </a:r>
+            <a:r>
+              <a:rPr lang="zh-CN" altLang="en-US" dirty="0"/>
               <a:t> </a:t>
             </a:r>
             <a:r>
-              <a:rPr lang="en-US" altLang="zh-CN" sz="2400" dirty="0"/>
-              <a:t>Engineer</a:t>
-            </a:r>
-            <a:r>
-              <a:rPr lang="zh-CN" altLang="en-US" sz="2400" dirty="0"/>
+              <a:rPr lang="en-US" altLang="zh-CN" dirty="0"/>
+              <a:t>parcel</a:t>
+            </a:r>
+            <a:r>
+              <a:rPr lang="zh-CN" altLang="en-US" dirty="0"/>
               <a:t> </a:t>
             </a:r>
-            <a:endParaRPr lang="en-US" sz="2400" dirty="0"/>
-          </a:p>
-        </p:txBody>
-      </p:sp>
-      <p:sp>
-        <p:nvSpPr>
-          <p:cNvPr id="11" name="TextBox 10">
-            <a:extLst>
-              <a:ext uri="{FF2B5EF4-FFF2-40B4-BE49-F238E27FC236}">
-                <a16:creationId xmlns:a16="http://schemas.microsoft.com/office/drawing/2014/main" id="{73AA1193-178B-1541-882F-50E79AFDF42B}"/>
-              </a:ext>
-            </a:extLst>
-          </p:cNvPr>
-          <p:cNvSpPr txBox="1"/>
-          <p:nvPr/>
-        </p:nvSpPr>
-        <p:spPr>
-          <a:xfrm>
-            <a:off x="4772561" y="1778554"/>
-            <a:ext cx="4814651" cy="461665"/>
-          </a:xfrm>
-          <a:prstGeom prst="rect">
-            <a:avLst/>
-          </a:prstGeom>
-          <a:noFill/>
-        </p:spPr>
-        <p:txBody>
-          <a:bodyPr wrap="none" rtlCol="0">
-            <a:spAutoFit/>
-          </a:bodyPr>
-          <a:lstStyle/>
-          <a:p>
-            <a:r>
-              <a:rPr lang="en-US" sz="2400" dirty="0"/>
-              <a:t>Moody’s</a:t>
-            </a:r>
-            <a:r>
-              <a:rPr lang="zh-CN" altLang="en-US" sz="2400" dirty="0"/>
-              <a:t> </a:t>
-            </a:r>
-            <a:r>
-              <a:rPr lang="en-US" altLang="zh-CN" sz="2400" dirty="0"/>
-              <a:t>Analytics</a:t>
-            </a:r>
-            <a:r>
-              <a:rPr lang="zh-CN" altLang="en-US" sz="2400" dirty="0"/>
-              <a:t> </a:t>
-            </a:r>
-            <a:r>
-              <a:rPr lang="en-US" altLang="zh-CN" sz="2400" dirty="0"/>
-              <a:t>Software</a:t>
-            </a:r>
-            <a:r>
-              <a:rPr lang="zh-CN" altLang="en-US" sz="2400" dirty="0"/>
-              <a:t> </a:t>
-            </a:r>
-            <a:r>
-              <a:rPr lang="en-US" altLang="zh-CN" sz="2400" dirty="0"/>
-              <a:t>Engineer</a:t>
-            </a:r>
-            <a:endParaRPr lang="en-US" sz="2400" dirty="0"/>
+            <a:r>
+              <a:rPr lang="en-US" altLang="zh-CN" dirty="0"/>
+              <a:t>box</a:t>
+            </a:r>
+            <a:endParaRPr lang="en-US" dirty="0"/>
+          </a:p>
+        </p:txBody>
+      </p:sp>
+      <p:sp>
+        <p:nvSpPr>
+          <p:cNvPr id="3" name="Footer Placeholder 2">
+            <a:extLst>
+              <a:ext uri="{FF2B5EF4-FFF2-40B4-BE49-F238E27FC236}">
+                <a16:creationId xmlns:a16="http://schemas.microsoft.com/office/drawing/2014/main" id="{12E6747E-4084-4F78-B8A5-1202C5DC6AD0}"/>
+              </a:ext>
+            </a:extLst>
+          </p:cNvPr>
+          <p:cNvSpPr>
+            <a:spLocks noGrp="1"/>
+          </p:cNvSpPr>
+          <p:nvPr>
+            <p:ph type="ftr" sz="quarter" idx="11"/>
+          </p:nvPr>
+        </p:nvSpPr>
+        <p:spPr/>
+        <p:txBody>
+          <a:bodyPr/>
+          <a:lstStyle/>
+          <a:p>
+            <a:r>
+              <a:rPr lang="en-US"/>
+              <a:t>Zyanzoom Inc.</a:t>
+            </a:r>
           </a:p>
         </p:txBody>
       </p:sp>
     </p:spTree>
     <p:extLst>
       <p:ext uri="{BB962C8B-B14F-4D97-AF65-F5344CB8AC3E}">
-        <p14:creationId xmlns:p14="http://schemas.microsoft.com/office/powerpoint/2010/main" val="3596459377"/>
+        <p14:creationId xmlns:p14="http://schemas.microsoft.com/office/powerpoint/2010/main" val="340897898"/>
       </p:ext>
     </p:extLst>
   </p:cSld>
@@ -5273,7 +6554,7 @@
           <p:cNvPr id="2" name="Title 1">
             <a:extLst>
               <a:ext uri="{FF2B5EF4-FFF2-40B4-BE49-F238E27FC236}">
-                <a16:creationId xmlns:a16="http://schemas.microsoft.com/office/drawing/2014/main" id="{FC6C5C9A-2A8A-C141-83F6-449B5157BA45}"/>
+                <a16:creationId xmlns:a16="http://schemas.microsoft.com/office/drawing/2014/main" id="{566604A8-3D8C-BC42-B40D-B61A6B2D03E4}"/>
               </a:ext>
             </a:extLst>
           </p:cNvPr>
@@ -5291,7 +6572,7 @@
           <a:p>
             <a:r>
               <a:rPr lang="en-US" altLang="zh-CN" dirty="0"/>
-              <a:t>Project</a:t>
+              <a:t>Why</a:t>
             </a:r>
             <a:r>
               <a:rPr lang="zh-CN" altLang="en-US" dirty="0"/>
@@ -5299,7 +6580,7 @@
             </a:r>
             <a:r>
               <a:rPr lang="en-US" altLang="zh-CN" dirty="0"/>
-              <a:t>Valuation</a:t>
+              <a:t>us</a:t>
             </a:r>
             <a:endParaRPr lang="en-US" dirty="0"/>
           </a:p>
@@ -5310,7 +6591,7 @@
           <p:cNvPr id="3" name="Content Placeholder 2">
             <a:extLst>
               <a:ext uri="{FF2B5EF4-FFF2-40B4-BE49-F238E27FC236}">
-                <a16:creationId xmlns:a16="http://schemas.microsoft.com/office/drawing/2014/main" id="{4AFCA991-9DD3-8444-958A-8BB8DF0F6665}"/>
+                <a16:creationId xmlns:a16="http://schemas.microsoft.com/office/drawing/2014/main" id="{D300F68D-1353-7847-927D-A538E5276CC9}"/>
               </a:ext>
             </a:extLst>
           </p:cNvPr>
@@ -5328,16 +6609,80 @@
           <a:p>
             <a:r>
               <a:rPr lang="en-US" altLang="zh-CN" dirty="0"/>
-              <a:t>$20,000,000</a:t>
+              <a:t>Experience</a:t>
+            </a:r>
+          </a:p>
+          <a:p>
+            <a:r>
+              <a:rPr lang="en-US" altLang="zh-CN" dirty="0"/>
+              <a:t>Skill</a:t>
+            </a:r>
+            <a:r>
+              <a:rPr lang="zh-CN" altLang="en-US" dirty="0"/>
+              <a:t> </a:t>
+            </a:r>
+            <a:r>
+              <a:rPr lang="en-US" altLang="zh-CN" dirty="0"/>
+              <a:t>set</a:t>
+            </a:r>
+          </a:p>
+          <a:p>
+            <a:r>
+              <a:rPr lang="en-US" dirty="0"/>
+              <a:t>Problem</a:t>
+            </a:r>
+            <a:r>
+              <a:rPr lang="zh-CN" altLang="en-US" dirty="0"/>
+              <a:t> </a:t>
+            </a:r>
+            <a:r>
+              <a:rPr lang="en-US" altLang="zh-CN" dirty="0"/>
+              <a:t>Solving</a:t>
+            </a:r>
+            <a:r>
+              <a:rPr lang="zh-CN" altLang="en-US" dirty="0"/>
+              <a:t> </a:t>
+            </a:r>
+            <a:r>
+              <a:rPr lang="en-US" altLang="zh-CN" dirty="0"/>
+              <a:t>skills</a:t>
             </a:r>
             <a:endParaRPr lang="en-US" dirty="0"/>
+          </a:p>
+        </p:txBody>
+      </p:sp>
+      <p:sp>
+        <p:nvSpPr>
+          <p:cNvPr id="4" name="Footer Placeholder 3">
+            <a:extLst>
+              <a:ext uri="{FF2B5EF4-FFF2-40B4-BE49-F238E27FC236}">
+                <a16:creationId xmlns:a16="http://schemas.microsoft.com/office/drawing/2014/main" id="{DF4724A3-A9A9-4CB9-8585-09BB7AF2F39F}"/>
+              </a:ext>
+            </a:extLst>
+          </p:cNvPr>
+          <p:cNvSpPr>
+            <a:spLocks noGrp="1"/>
+          </p:cNvSpPr>
+          <p:nvPr>
+            <p:ph type="ftr" sz="quarter" idx="11"/>
+          </p:nvPr>
+        </p:nvSpPr>
+        <p:spPr/>
+        <p:txBody>
+          <a:bodyPr/>
+          <a:lstStyle/>
+          <a:p>
+            <a:r>
+              <a:rPr lang="en-US"/>
+              <a:t>Zyanzoom Inc.</a:t>
+            </a:r>
           </a:p>
         </p:txBody>
       </p:sp>
     </p:spTree>
     <p:extLst>
       <p:ext uri="{BB962C8B-B14F-4D97-AF65-F5344CB8AC3E}">
-        <p14:creationId xmlns:p14="http://schemas.microsoft.com/office/powerpoint/2010/main" val="1798639833"/>
+        <p14:creationId xmlns:p14="http://schemas.microsoft.com/office/powerpoint/2010/main" val="1768983473"/>
       </p:ext>
     </p:extLst>
   </p:cSld>
@@ -5369,6 +6714,506 @@
           <p:cNvPr id="2" name="Title 1">
             <a:extLst>
               <a:ext uri="{FF2B5EF4-FFF2-40B4-BE49-F238E27FC236}">
+                <a16:creationId xmlns:a16="http://schemas.microsoft.com/office/drawing/2014/main" id="{45E30AB7-F504-0E45-BA5B-C41B9CD5278D}"/>
+              </a:ext>
+            </a:extLst>
+          </p:cNvPr>
+          <p:cNvSpPr>
+            <a:spLocks noGrp="1"/>
+          </p:cNvSpPr>
+          <p:nvPr>
+            <p:ph type="title"/>
+          </p:nvPr>
+        </p:nvSpPr>
+        <p:spPr>
+          <a:xfrm>
+            <a:off x="838200" y="365125"/>
+            <a:ext cx="10515600" cy="1325563"/>
+          </a:xfrm>
+        </p:spPr>
+        <p:txBody>
+          <a:bodyPr/>
+          <a:lstStyle/>
+          <a:p>
+            <a:r>
+              <a:rPr lang="en-US" altLang="zh-CN" dirty="0"/>
+              <a:t>Team</a:t>
+            </a:r>
+            <a:endParaRPr lang="en-US" dirty="0"/>
+          </a:p>
+        </p:txBody>
+      </p:sp>
+      <p:sp>
+        <p:nvSpPr>
+          <p:cNvPr id="4" name="TextBox 3">
+            <a:extLst>
+              <a:ext uri="{FF2B5EF4-FFF2-40B4-BE49-F238E27FC236}">
+                <a16:creationId xmlns:a16="http://schemas.microsoft.com/office/drawing/2014/main" id="{1EC8930C-24BD-1648-A3EE-2E66E5D5278B}"/>
+              </a:ext>
+            </a:extLst>
+          </p:cNvPr>
+          <p:cNvSpPr txBox="1"/>
+          <p:nvPr/>
+        </p:nvSpPr>
+        <p:spPr>
+          <a:xfrm>
+            <a:off x="1766727" y="2468430"/>
+            <a:ext cx="1038169" cy="461665"/>
+          </a:xfrm>
+          <a:prstGeom prst="rect">
+            <a:avLst/>
+          </a:prstGeom>
+          <a:noFill/>
+        </p:spPr>
+        <p:txBody>
+          <a:bodyPr wrap="none" rtlCol="0">
+            <a:spAutoFit/>
+          </a:bodyPr>
+          <a:lstStyle/>
+          <a:p>
+            <a:r>
+              <a:rPr lang="en-US" altLang="zh-CN" sz="2400" dirty="0"/>
+              <a:t>Yang</a:t>
+            </a:r>
+            <a:r>
+              <a:rPr lang="zh-CN" altLang="en-US" sz="2400" dirty="0"/>
+              <a:t> </a:t>
+            </a:r>
+            <a:r>
+              <a:rPr lang="en-US" altLang="zh-CN" sz="2400" dirty="0"/>
+              <a:t>Li</a:t>
+            </a:r>
+            <a:endParaRPr lang="en-US" sz="2400" dirty="0"/>
+          </a:p>
+        </p:txBody>
+      </p:sp>
+      <p:sp>
+        <p:nvSpPr>
+          <p:cNvPr id="5" name="TextBox 4">
+            <a:extLst>
+              <a:ext uri="{FF2B5EF4-FFF2-40B4-BE49-F238E27FC236}">
+                <a16:creationId xmlns:a16="http://schemas.microsoft.com/office/drawing/2014/main" id="{6A6707E6-2B5D-4843-9C9F-771CCCC9FFD9}"/>
+              </a:ext>
+            </a:extLst>
+          </p:cNvPr>
+          <p:cNvSpPr txBox="1"/>
+          <p:nvPr/>
+        </p:nvSpPr>
+        <p:spPr>
+          <a:xfrm>
+            <a:off x="1766727" y="3158304"/>
+            <a:ext cx="1964127" cy="461665"/>
+          </a:xfrm>
+          <a:prstGeom prst="rect">
+            <a:avLst/>
+          </a:prstGeom>
+          <a:noFill/>
+        </p:spPr>
+        <p:txBody>
+          <a:bodyPr wrap="none" rtlCol="0">
+            <a:spAutoFit/>
+          </a:bodyPr>
+          <a:lstStyle/>
+          <a:p>
+            <a:r>
+              <a:rPr lang="en-US" altLang="zh-CN" sz="2400" dirty="0" err="1"/>
+              <a:t>Lingyan</a:t>
+            </a:r>
+            <a:r>
+              <a:rPr lang="zh-CN" altLang="en-US" sz="2400" dirty="0"/>
+              <a:t> </a:t>
+            </a:r>
+            <a:r>
+              <a:rPr lang="en-US" altLang="zh-CN" sz="2400" dirty="0"/>
+              <a:t>Zhang</a:t>
+            </a:r>
+            <a:endParaRPr lang="en-US" sz="2400" dirty="0"/>
+          </a:p>
+        </p:txBody>
+      </p:sp>
+      <p:sp>
+        <p:nvSpPr>
+          <p:cNvPr id="6" name="TextBox 5">
+            <a:extLst>
+              <a:ext uri="{FF2B5EF4-FFF2-40B4-BE49-F238E27FC236}">
+                <a16:creationId xmlns:a16="http://schemas.microsoft.com/office/drawing/2014/main" id="{4353E80A-1D02-D548-BE58-96C22B372898}"/>
+              </a:ext>
+            </a:extLst>
+          </p:cNvPr>
+          <p:cNvSpPr txBox="1"/>
+          <p:nvPr/>
+        </p:nvSpPr>
+        <p:spPr>
+          <a:xfrm>
+            <a:off x="1766727" y="1778556"/>
+            <a:ext cx="1959896" cy="461665"/>
+          </a:xfrm>
+          <a:prstGeom prst="rect">
+            <a:avLst/>
+          </a:prstGeom>
+          <a:noFill/>
+        </p:spPr>
+        <p:txBody>
+          <a:bodyPr wrap="none" rtlCol="0">
+            <a:spAutoFit/>
+          </a:bodyPr>
+          <a:lstStyle/>
+          <a:p>
+            <a:r>
+              <a:rPr lang="en-US" altLang="zh-CN" sz="2400" dirty="0"/>
+              <a:t>Xudong</a:t>
+            </a:r>
+            <a:r>
+              <a:rPr lang="zh-CN" altLang="en-US" sz="2400" dirty="0"/>
+              <a:t> </a:t>
+            </a:r>
+            <a:r>
+              <a:rPr lang="en-US" altLang="zh-CN" sz="2400" dirty="0"/>
+              <a:t>Zhang</a:t>
+            </a:r>
+            <a:endParaRPr lang="en-US" sz="2400" dirty="0"/>
+          </a:p>
+        </p:txBody>
+      </p:sp>
+      <p:sp>
+        <p:nvSpPr>
+          <p:cNvPr id="9" name="TextBox 8">
+            <a:extLst>
+              <a:ext uri="{FF2B5EF4-FFF2-40B4-BE49-F238E27FC236}">
+                <a16:creationId xmlns:a16="http://schemas.microsoft.com/office/drawing/2014/main" id="{B450E0E8-062C-744C-B386-328D8E489764}"/>
+              </a:ext>
+            </a:extLst>
+          </p:cNvPr>
+          <p:cNvSpPr txBox="1"/>
+          <p:nvPr/>
+        </p:nvSpPr>
+        <p:spPr>
+          <a:xfrm>
+            <a:off x="4772561" y="3158304"/>
+            <a:ext cx="2646878" cy="461665"/>
+          </a:xfrm>
+          <a:prstGeom prst="rect">
+            <a:avLst/>
+          </a:prstGeom>
+          <a:noFill/>
+        </p:spPr>
+        <p:txBody>
+          <a:bodyPr wrap="none" rtlCol="0">
+            <a:spAutoFit/>
+          </a:bodyPr>
+          <a:lstStyle/>
+          <a:p>
+            <a:r>
+              <a:rPr lang="zh-CN" altLang="en-US" sz="2400" dirty="0"/>
+              <a:t>前诺基亚销售经理</a:t>
+            </a:r>
+            <a:endParaRPr lang="en-US" sz="2400" dirty="0"/>
+          </a:p>
+        </p:txBody>
+      </p:sp>
+      <p:sp>
+        <p:nvSpPr>
+          <p:cNvPr id="10" name="TextBox 9">
+            <a:extLst>
+              <a:ext uri="{FF2B5EF4-FFF2-40B4-BE49-F238E27FC236}">
+                <a16:creationId xmlns:a16="http://schemas.microsoft.com/office/drawing/2014/main" id="{D548B07C-4538-8342-9E78-DDD5389B8EE5}"/>
+              </a:ext>
+            </a:extLst>
+          </p:cNvPr>
+          <p:cNvSpPr txBox="1"/>
+          <p:nvPr/>
+        </p:nvSpPr>
+        <p:spPr>
+          <a:xfrm>
+            <a:off x="4772561" y="2468429"/>
+            <a:ext cx="3626506" cy="461665"/>
+          </a:xfrm>
+          <a:prstGeom prst="rect">
+            <a:avLst/>
+          </a:prstGeom>
+          <a:noFill/>
+        </p:spPr>
+        <p:txBody>
+          <a:bodyPr wrap="none" rtlCol="0">
+            <a:spAutoFit/>
+          </a:bodyPr>
+          <a:lstStyle/>
+          <a:p>
+            <a:r>
+              <a:rPr lang="en-US" altLang="zh-CN" sz="2400" dirty="0"/>
+              <a:t>Amazon</a:t>
+            </a:r>
+            <a:r>
+              <a:rPr lang="zh-CN" altLang="en-US" sz="2400" dirty="0"/>
+              <a:t> </a:t>
+            </a:r>
+            <a:r>
+              <a:rPr lang="en-US" altLang="zh-CN" sz="2400" dirty="0"/>
+              <a:t>Software</a:t>
+            </a:r>
+            <a:r>
+              <a:rPr lang="zh-CN" altLang="en-US" sz="2400" dirty="0"/>
+              <a:t> </a:t>
+            </a:r>
+            <a:r>
+              <a:rPr lang="en-US" altLang="zh-CN" sz="2400" dirty="0"/>
+              <a:t>Engineer</a:t>
+            </a:r>
+            <a:r>
+              <a:rPr lang="zh-CN" altLang="en-US" sz="2400" dirty="0"/>
+              <a:t> </a:t>
+            </a:r>
+            <a:endParaRPr lang="en-US" sz="2400" dirty="0"/>
+          </a:p>
+        </p:txBody>
+      </p:sp>
+      <p:sp>
+        <p:nvSpPr>
+          <p:cNvPr id="11" name="TextBox 10">
+            <a:extLst>
+              <a:ext uri="{FF2B5EF4-FFF2-40B4-BE49-F238E27FC236}">
+                <a16:creationId xmlns:a16="http://schemas.microsoft.com/office/drawing/2014/main" id="{73AA1193-178B-1541-882F-50E79AFDF42B}"/>
+              </a:ext>
+            </a:extLst>
+          </p:cNvPr>
+          <p:cNvSpPr txBox="1"/>
+          <p:nvPr/>
+        </p:nvSpPr>
+        <p:spPr>
+          <a:xfrm>
+            <a:off x="4772561" y="1778554"/>
+            <a:ext cx="4814651" cy="461665"/>
+          </a:xfrm>
+          <a:prstGeom prst="rect">
+            <a:avLst/>
+          </a:prstGeom>
+          <a:noFill/>
+        </p:spPr>
+        <p:txBody>
+          <a:bodyPr wrap="none" rtlCol="0">
+            <a:spAutoFit/>
+          </a:bodyPr>
+          <a:lstStyle/>
+          <a:p>
+            <a:r>
+              <a:rPr lang="en-US" sz="2400" dirty="0"/>
+              <a:t>Moody’s</a:t>
+            </a:r>
+            <a:r>
+              <a:rPr lang="zh-CN" altLang="en-US" sz="2400" dirty="0"/>
+              <a:t> </a:t>
+            </a:r>
+            <a:r>
+              <a:rPr lang="en-US" altLang="zh-CN" sz="2400" dirty="0"/>
+              <a:t>Analytics</a:t>
+            </a:r>
+            <a:r>
+              <a:rPr lang="zh-CN" altLang="en-US" sz="2400" dirty="0"/>
+              <a:t> </a:t>
+            </a:r>
+            <a:r>
+              <a:rPr lang="en-US" altLang="zh-CN" sz="2400" dirty="0"/>
+              <a:t>Software</a:t>
+            </a:r>
+            <a:r>
+              <a:rPr lang="zh-CN" altLang="en-US" sz="2400" dirty="0"/>
+              <a:t> </a:t>
+            </a:r>
+            <a:r>
+              <a:rPr lang="en-US" altLang="zh-CN" sz="2400" dirty="0"/>
+              <a:t>Engineer</a:t>
+            </a:r>
+            <a:endParaRPr lang="en-US" sz="2400" dirty="0"/>
+          </a:p>
+        </p:txBody>
+      </p:sp>
+      <p:sp>
+        <p:nvSpPr>
+          <p:cNvPr id="3" name="Footer Placeholder 2">
+            <a:extLst>
+              <a:ext uri="{FF2B5EF4-FFF2-40B4-BE49-F238E27FC236}">
+                <a16:creationId xmlns:a16="http://schemas.microsoft.com/office/drawing/2014/main" id="{103AA5C0-482C-41E7-9502-4CDAAA424F75}"/>
+              </a:ext>
+            </a:extLst>
+          </p:cNvPr>
+          <p:cNvSpPr>
+            <a:spLocks noGrp="1"/>
+          </p:cNvSpPr>
+          <p:nvPr>
+            <p:ph type="ftr" sz="quarter" idx="11"/>
+          </p:nvPr>
+        </p:nvSpPr>
+        <p:spPr/>
+        <p:txBody>
+          <a:bodyPr/>
+          <a:lstStyle/>
+          <a:p>
+            <a:r>
+              <a:rPr lang="en-US"/>
+              <a:t>Zyanzoom Inc.</a:t>
+            </a:r>
+          </a:p>
+        </p:txBody>
+      </p:sp>
+    </p:spTree>
+    <p:extLst>
+      <p:ext uri="{BB962C8B-B14F-4D97-AF65-F5344CB8AC3E}">
+        <p14:creationId xmlns:p14="http://schemas.microsoft.com/office/powerpoint/2010/main" val="3596459377"/>
+      </p:ext>
+    </p:extLst>
+  </p:cSld>
+  <p:clrMapOvr>
+    <a:masterClrMapping/>
+  </p:clrMapOvr>
+</p:sld>
+</file>
+
+<file path=ppt/slides/slide18.xml><?xml version="1.0" encoding="utf-8"?>
+<p:sld xmlns:a="http://schemas.openxmlformats.org/drawingml/2006/main" xmlns:r="http://schemas.openxmlformats.org/officeDocument/2006/relationships" xmlns:p="http://schemas.openxmlformats.org/presentationml/2006/main">
+  <p:cSld>
+    <p:spTree>
+      <p:nvGrpSpPr>
+        <p:cNvPr id="1" name=""/>
+        <p:cNvGrpSpPr/>
+        <p:nvPr/>
+      </p:nvGrpSpPr>
+      <p:grpSpPr>
+        <a:xfrm>
+          <a:off x="0" y="0"/>
+          <a:ext cx="0" cy="0"/>
+          <a:chOff x="0" y="0"/>
+          <a:chExt cx="0" cy="0"/>
+        </a:xfrm>
+      </p:grpSpPr>
+      <p:sp>
+        <p:nvSpPr>
+          <p:cNvPr id="2" name="Title 1">
+            <a:extLst>
+              <a:ext uri="{FF2B5EF4-FFF2-40B4-BE49-F238E27FC236}">
+                <a16:creationId xmlns:a16="http://schemas.microsoft.com/office/drawing/2014/main" id="{FC6C5C9A-2A8A-C141-83F6-449B5157BA45}"/>
+              </a:ext>
+            </a:extLst>
+          </p:cNvPr>
+          <p:cNvSpPr>
+            <a:spLocks noGrp="1"/>
+          </p:cNvSpPr>
+          <p:nvPr>
+            <p:ph type="title"/>
+          </p:nvPr>
+        </p:nvSpPr>
+        <p:spPr/>
+        <p:txBody>
+          <a:bodyPr/>
+          <a:lstStyle/>
+          <a:p>
+            <a:r>
+              <a:rPr lang="en-US" altLang="zh-CN" dirty="0"/>
+              <a:t>Project</a:t>
+            </a:r>
+            <a:r>
+              <a:rPr lang="zh-CN" altLang="en-US" dirty="0"/>
+              <a:t> </a:t>
+            </a:r>
+            <a:r>
+              <a:rPr lang="en-US" altLang="zh-CN" dirty="0"/>
+              <a:t>Valuation</a:t>
+            </a:r>
+            <a:endParaRPr lang="en-US" dirty="0"/>
+          </a:p>
+        </p:txBody>
+      </p:sp>
+      <p:sp>
+        <p:nvSpPr>
+          <p:cNvPr id="3" name="Content Placeholder 2">
+            <a:extLst>
+              <a:ext uri="{FF2B5EF4-FFF2-40B4-BE49-F238E27FC236}">
+                <a16:creationId xmlns:a16="http://schemas.microsoft.com/office/drawing/2014/main" id="{4AFCA991-9DD3-8444-958A-8BB8DF0F6665}"/>
+              </a:ext>
+            </a:extLst>
+          </p:cNvPr>
+          <p:cNvSpPr>
+            <a:spLocks noGrp="1"/>
+          </p:cNvSpPr>
+          <p:nvPr>
+            <p:ph idx="1"/>
+          </p:nvPr>
+        </p:nvSpPr>
+        <p:spPr/>
+        <p:txBody>
+          <a:bodyPr/>
+          <a:lstStyle/>
+          <a:p>
+            <a:r>
+              <a:rPr lang="en-US" altLang="zh-CN" dirty="0"/>
+              <a:t>$20,000,000</a:t>
+            </a:r>
+            <a:endParaRPr lang="en-US" dirty="0"/>
+          </a:p>
+        </p:txBody>
+      </p:sp>
+      <p:sp>
+        <p:nvSpPr>
+          <p:cNvPr id="4" name="Footer Placeholder 3">
+            <a:extLst>
+              <a:ext uri="{FF2B5EF4-FFF2-40B4-BE49-F238E27FC236}">
+                <a16:creationId xmlns:a16="http://schemas.microsoft.com/office/drawing/2014/main" id="{255D65D0-2826-45B2-816B-FC140AE9ED90}"/>
+              </a:ext>
+            </a:extLst>
+          </p:cNvPr>
+          <p:cNvSpPr>
+            <a:spLocks noGrp="1"/>
+          </p:cNvSpPr>
+          <p:nvPr>
+            <p:ph type="ftr" sz="quarter" idx="11"/>
+          </p:nvPr>
+        </p:nvSpPr>
+        <p:spPr/>
+        <p:txBody>
+          <a:bodyPr/>
+          <a:lstStyle/>
+          <a:p>
+            <a:r>
+              <a:rPr lang="en-US"/>
+              <a:t>Zyanzoom Inc.</a:t>
+            </a:r>
+          </a:p>
+        </p:txBody>
+      </p:sp>
+    </p:spTree>
+    <p:extLst>
+      <p:ext uri="{BB962C8B-B14F-4D97-AF65-F5344CB8AC3E}">
+        <p14:creationId xmlns:p14="http://schemas.microsoft.com/office/powerpoint/2010/main" val="1798639833"/>
+      </p:ext>
+    </p:extLst>
+  </p:cSld>
+  <p:clrMapOvr>
+    <a:masterClrMapping/>
+  </p:clrMapOvr>
+</p:sld>
+</file>
+
+<file path=ppt/slides/slide19.xml><?xml version="1.0" encoding="utf-8"?>
+<p:sld xmlns:a="http://schemas.openxmlformats.org/drawingml/2006/main" xmlns:r="http://schemas.openxmlformats.org/officeDocument/2006/relationships" xmlns:p="http://schemas.openxmlformats.org/presentationml/2006/main">
+  <p:cSld>
+    <p:spTree>
+      <p:nvGrpSpPr>
+        <p:cNvPr id="1" name=""/>
+        <p:cNvGrpSpPr/>
+        <p:nvPr/>
+      </p:nvGrpSpPr>
+      <p:grpSpPr>
+        <a:xfrm>
+          <a:off x="0" y="0"/>
+          <a:ext cx="0" cy="0"/>
+          <a:chOff x="0" y="0"/>
+          <a:chExt cx="0" cy="0"/>
+        </a:xfrm>
+      </p:grpSpPr>
+      <p:sp>
+        <p:nvSpPr>
+          <p:cNvPr id="2" name="Title 1">
+            <a:extLst>
+              <a:ext uri="{FF2B5EF4-FFF2-40B4-BE49-F238E27FC236}">
                 <a16:creationId xmlns:a16="http://schemas.microsoft.com/office/drawing/2014/main" id="{6A4B0818-7CD0-5249-B9AF-F48E3D0F3EEF}"/>
               </a:ext>
             </a:extLst>
@@ -5475,6 +7320,34 @@
               <a:t> </a:t>
             </a:r>
             <a:endParaRPr lang="en-US" dirty="0"/>
+          </a:p>
+        </p:txBody>
+      </p:sp>
+      <p:sp>
+        <p:nvSpPr>
+          <p:cNvPr id="4" name="Footer Placeholder 3">
+            <a:extLst>
+              <a:ext uri="{FF2B5EF4-FFF2-40B4-BE49-F238E27FC236}">
+                <a16:creationId xmlns:a16="http://schemas.microsoft.com/office/drawing/2014/main" id="{C247459B-DC11-4B38-A059-0BDAE4073104}"/>
+              </a:ext>
+            </a:extLst>
+          </p:cNvPr>
+          <p:cNvSpPr>
+            <a:spLocks noGrp="1"/>
+          </p:cNvSpPr>
+          <p:nvPr>
+            <p:ph type="ftr" sz="quarter" idx="11"/>
+          </p:nvPr>
+        </p:nvSpPr>
+        <p:spPr/>
+        <p:txBody>
+          <a:bodyPr/>
+          <a:lstStyle/>
+          <a:p>
+            <a:r>
+              <a:rPr lang="en-US"/>
+              <a:t>Zyanzoom Inc.</a:t>
+            </a:r>
           </a:p>
         </p:txBody>
       </p:sp>
@@ -5733,10 +7606,150 @@
           </a:p>
         </p:txBody>
       </p:sp>
+      <p:sp>
+        <p:nvSpPr>
+          <p:cNvPr id="3" name="Footer Placeholder 2">
+            <a:extLst>
+              <a:ext uri="{FF2B5EF4-FFF2-40B4-BE49-F238E27FC236}">
+                <a16:creationId xmlns:a16="http://schemas.microsoft.com/office/drawing/2014/main" id="{131F8F7D-D996-4429-A5B6-4A9BCA2550AC}"/>
+              </a:ext>
+            </a:extLst>
+          </p:cNvPr>
+          <p:cNvSpPr>
+            <a:spLocks noGrp="1"/>
+          </p:cNvSpPr>
+          <p:nvPr>
+            <p:ph type="ftr" sz="quarter" idx="11"/>
+          </p:nvPr>
+        </p:nvSpPr>
+        <p:spPr/>
+        <p:txBody>
+          <a:bodyPr/>
+          <a:lstStyle/>
+          <a:p>
+            <a:r>
+              <a:rPr lang="en-US"/>
+              <a:t>Zyanzoom Inc.</a:t>
+            </a:r>
+          </a:p>
+        </p:txBody>
+      </p:sp>
     </p:spTree>
     <p:extLst>
       <p:ext uri="{BB962C8B-B14F-4D97-AF65-F5344CB8AC3E}">
         <p14:creationId xmlns:p14="http://schemas.microsoft.com/office/powerpoint/2010/main" val="2670240968"/>
+      </p:ext>
+    </p:extLst>
+  </p:cSld>
+  <p:clrMapOvr>
+    <a:masterClrMapping/>
+  </p:clrMapOvr>
+</p:sld>
+</file>
+
+<file path=ppt/slides/slide20.xml><?xml version="1.0" encoding="utf-8"?>
+<p:sld xmlns:a="http://schemas.openxmlformats.org/drawingml/2006/main" xmlns:r="http://schemas.openxmlformats.org/officeDocument/2006/relationships" xmlns:p="http://schemas.openxmlformats.org/presentationml/2006/main">
+  <p:cSld>
+    <p:spTree>
+      <p:nvGrpSpPr>
+        <p:cNvPr id="1" name=""/>
+        <p:cNvGrpSpPr/>
+        <p:nvPr/>
+      </p:nvGrpSpPr>
+      <p:grpSpPr>
+        <a:xfrm>
+          <a:off x="0" y="0"/>
+          <a:ext cx="0" cy="0"/>
+          <a:chOff x="0" y="0"/>
+          <a:chExt cx="0" cy="0"/>
+        </a:xfrm>
+      </p:grpSpPr>
+      <p:sp>
+        <p:nvSpPr>
+          <p:cNvPr id="2" name="Title 1">
+            <a:extLst>
+              <a:ext uri="{FF2B5EF4-FFF2-40B4-BE49-F238E27FC236}">
+                <a16:creationId xmlns:a16="http://schemas.microsoft.com/office/drawing/2014/main" id="{C98B46D7-1E98-49D5-AF2A-B87B01DD468E}"/>
+              </a:ext>
+            </a:extLst>
+          </p:cNvPr>
+          <p:cNvSpPr>
+            <a:spLocks noGrp="1"/>
+          </p:cNvSpPr>
+          <p:nvPr>
+            <p:ph type="title"/>
+          </p:nvPr>
+        </p:nvSpPr>
+        <p:spPr/>
+        <p:txBody>
+          <a:bodyPr/>
+          <a:lstStyle/>
+          <a:p>
+            <a:r>
+              <a:rPr lang="en-US" altLang="zh-CN" dirty="0"/>
+              <a:t>Roadmap</a:t>
+            </a:r>
+            <a:endParaRPr lang="en-CA" dirty="0"/>
+          </a:p>
+        </p:txBody>
+      </p:sp>
+      <p:sp>
+        <p:nvSpPr>
+          <p:cNvPr id="3" name="Content Placeholder 2">
+            <a:extLst>
+              <a:ext uri="{FF2B5EF4-FFF2-40B4-BE49-F238E27FC236}">
+                <a16:creationId xmlns:a16="http://schemas.microsoft.com/office/drawing/2014/main" id="{185A9B5A-5BD0-4F76-B5D2-A768FB21B43B}"/>
+              </a:ext>
+            </a:extLst>
+          </p:cNvPr>
+          <p:cNvSpPr>
+            <a:spLocks noGrp="1"/>
+          </p:cNvSpPr>
+          <p:nvPr>
+            <p:ph idx="1"/>
+          </p:nvPr>
+        </p:nvSpPr>
+        <p:spPr/>
+        <p:txBody>
+          <a:bodyPr/>
+          <a:lstStyle/>
+          <a:p>
+            <a:endParaRPr lang="en-CA"/>
+          </a:p>
+        </p:txBody>
+      </p:sp>
+      <p:sp>
+        <p:nvSpPr>
+          <p:cNvPr id="4" name="Footer Placeholder 3">
+            <a:extLst>
+              <a:ext uri="{FF2B5EF4-FFF2-40B4-BE49-F238E27FC236}">
+                <a16:creationId xmlns:a16="http://schemas.microsoft.com/office/drawing/2014/main" id="{20F19815-145A-466E-9927-02229983F8B1}"/>
+              </a:ext>
+            </a:extLst>
+          </p:cNvPr>
+          <p:cNvSpPr>
+            <a:spLocks noGrp="1"/>
+          </p:cNvSpPr>
+          <p:nvPr>
+            <p:ph type="ftr" sz="quarter" idx="11"/>
+          </p:nvPr>
+        </p:nvSpPr>
+        <p:spPr/>
+        <p:txBody>
+          <a:bodyPr/>
+          <a:lstStyle/>
+          <a:p>
+            <a:r>
+              <a:rPr lang="en-US"/>
+              <a:t>Zyanzoom Inc.</a:t>
+            </a:r>
+          </a:p>
+        </p:txBody>
+      </p:sp>
+    </p:spTree>
+    <p:extLst>
+      <p:ext uri="{BB962C8B-B14F-4D97-AF65-F5344CB8AC3E}">
+        <p14:creationId xmlns:p14="http://schemas.microsoft.com/office/powerpoint/2010/main" val="3275896453"/>
       </p:ext>
     </p:extLst>
   </p:cSld>
@@ -5973,6 +7986,34 @@
               <a:t>Complicated</a:t>
             </a:r>
             <a:endParaRPr lang="en-US" sz="2400" dirty="0"/>
+          </a:p>
+        </p:txBody>
+      </p:sp>
+      <p:sp>
+        <p:nvSpPr>
+          <p:cNvPr id="3" name="Footer Placeholder 2">
+            <a:extLst>
+              <a:ext uri="{FF2B5EF4-FFF2-40B4-BE49-F238E27FC236}">
+                <a16:creationId xmlns:a16="http://schemas.microsoft.com/office/drawing/2014/main" id="{A62C29A2-6AF8-4D04-BB8C-99B665F69C04}"/>
+              </a:ext>
+            </a:extLst>
+          </p:cNvPr>
+          <p:cNvSpPr>
+            <a:spLocks noGrp="1"/>
+          </p:cNvSpPr>
+          <p:nvPr>
+            <p:ph type="ftr" sz="quarter" idx="11"/>
+          </p:nvPr>
+        </p:nvSpPr>
+        <p:spPr/>
+        <p:txBody>
+          <a:bodyPr/>
+          <a:lstStyle/>
+          <a:p>
+            <a:r>
+              <a:rPr lang="en-US"/>
+              <a:t>Zyanzoom Inc.</a:t>
+            </a:r>
           </a:p>
         </p:txBody>
       </p:sp>
@@ -6049,8 +8090,8 @@
         </p:nvSpPr>
         <p:spPr>
           <a:xfrm>
-            <a:off x="4184362" y="2895744"/>
-            <a:ext cx="1394869" cy="461665"/>
+            <a:off x="5511800" y="5018360"/>
+            <a:ext cx="1268039" cy="461665"/>
           </a:xfrm>
           <a:prstGeom prst="rect">
             <a:avLst/>
@@ -6064,9 +8105,10 @@
           <a:lstStyle/>
           <a:p>
             <a:r>
-              <a:rPr lang="en-US" sz="2400" dirty="0"/>
-              <a:t>Customer</a:t>
-            </a:r>
+              <a:rPr lang="en-US" altLang="zh-CN" sz="2400" dirty="0"/>
+              <a:t>Resident</a:t>
+            </a:r>
+            <a:endParaRPr lang="en-US" sz="2400" dirty="0"/>
           </a:p>
         </p:txBody>
       </p:sp>
@@ -6084,8 +8126,8 @@
         </p:nvSpPr>
         <p:spPr>
           <a:xfrm>
-            <a:off x="3497763" y="4095864"/>
-            <a:ext cx="2772618" cy="461665"/>
+            <a:off x="1783451" y="2735674"/>
+            <a:ext cx="3192669" cy="461665"/>
           </a:xfrm>
           <a:prstGeom prst="rect">
             <a:avLst/>
@@ -6099,12 +8141,8 @@
           <a:lstStyle/>
           <a:p>
             <a:r>
-              <a:rPr lang="en-US" altLang="zh-CN" sz="2400" dirty="0"/>
-              <a:t>Post</a:t>
-            </a:r>
-            <a:r>
-              <a:rPr lang="zh-CN" altLang="en-US" sz="2400" dirty="0"/>
-              <a:t> </a:t>
+              <a:rPr lang="en-CA" altLang="zh-CN" sz="2400" dirty="0"/>
+              <a:t>Delivery </a:t>
             </a:r>
             <a:r>
               <a:rPr lang="en-US" altLang="zh-CN" sz="2400" dirty="0"/>
@@ -6128,8 +8166,8 @@
         </p:nvSpPr>
         <p:spPr>
           <a:xfrm>
-            <a:off x="7041863" y="4150495"/>
-            <a:ext cx="2553007" cy="461665"/>
+            <a:off x="7429826" y="2735674"/>
+            <a:ext cx="4448590" cy="461665"/>
           </a:xfrm>
           <a:prstGeom prst="rect">
             <a:avLst/>
@@ -6144,9 +8182,281 @@
           <a:p>
             <a:r>
               <a:rPr lang="en-US" altLang="zh-CN" sz="2400" dirty="0"/>
-              <a:t>Security(Company)</a:t>
+              <a:t>Property Management (Company)</a:t>
             </a:r>
             <a:endParaRPr lang="en-US" sz="2400" dirty="0"/>
+          </a:p>
+        </p:txBody>
+      </p:sp>
+      <p:cxnSp>
+        <p:nvCxnSpPr>
+          <p:cNvPr id="19" name="Straight Arrow Connector 18">
+            <a:extLst>
+              <a:ext uri="{FF2B5EF4-FFF2-40B4-BE49-F238E27FC236}">
+                <a16:creationId xmlns:a16="http://schemas.microsoft.com/office/drawing/2014/main" id="{2BB443F8-A271-4BA1-9BA5-DC03D27F28A2}"/>
+              </a:ext>
+            </a:extLst>
+          </p:cNvPr>
+          <p:cNvCxnSpPr/>
+          <p:nvPr/>
+        </p:nvCxnSpPr>
+        <p:spPr>
+          <a:xfrm>
+            <a:off x="5096933" y="3149600"/>
+            <a:ext cx="2091267" cy="0"/>
+          </a:xfrm>
+          <a:prstGeom prst="straightConnector1">
+            <a:avLst/>
+          </a:prstGeom>
+          <a:ln>
+            <a:tailEnd type="triangle"/>
+          </a:ln>
+        </p:spPr>
+        <p:style>
+          <a:lnRef idx="1">
+            <a:schemeClr val="accent1"/>
+          </a:lnRef>
+          <a:fillRef idx="0">
+            <a:schemeClr val="accent1"/>
+          </a:fillRef>
+          <a:effectRef idx="0">
+            <a:schemeClr val="accent1"/>
+          </a:effectRef>
+          <a:fontRef idx="minor">
+            <a:schemeClr val="tx1"/>
+          </a:fontRef>
+        </p:style>
+      </p:cxnSp>
+      <p:cxnSp>
+        <p:nvCxnSpPr>
+          <p:cNvPr id="20" name="Straight Arrow Connector 19">
+            <a:extLst>
+              <a:ext uri="{FF2B5EF4-FFF2-40B4-BE49-F238E27FC236}">
+                <a16:creationId xmlns:a16="http://schemas.microsoft.com/office/drawing/2014/main" id="{D24BE827-B52A-42C5-A04F-8E5DEE1BFA43}"/>
+              </a:ext>
+            </a:extLst>
+          </p:cNvPr>
+          <p:cNvCxnSpPr>
+            <a:cxnSpLocks/>
+          </p:cNvCxnSpPr>
+          <p:nvPr/>
+        </p:nvCxnSpPr>
+        <p:spPr>
+          <a:xfrm>
+            <a:off x="4203699" y="3572933"/>
+            <a:ext cx="1308101" cy="1268593"/>
+          </a:xfrm>
+          <a:prstGeom prst="straightConnector1">
+            <a:avLst/>
+          </a:prstGeom>
+          <a:ln>
+            <a:tailEnd type="triangle"/>
+          </a:ln>
+        </p:spPr>
+        <p:style>
+          <a:lnRef idx="1">
+            <a:schemeClr val="accent1"/>
+          </a:lnRef>
+          <a:fillRef idx="0">
+            <a:schemeClr val="accent1"/>
+          </a:fillRef>
+          <a:effectRef idx="0">
+            <a:schemeClr val="accent1"/>
+          </a:effectRef>
+          <a:fontRef idx="minor">
+            <a:schemeClr val="tx1"/>
+          </a:fontRef>
+        </p:style>
+      </p:cxnSp>
+      <p:cxnSp>
+        <p:nvCxnSpPr>
+          <p:cNvPr id="21" name="Straight Arrow Connector 20">
+            <a:extLst>
+              <a:ext uri="{FF2B5EF4-FFF2-40B4-BE49-F238E27FC236}">
+                <a16:creationId xmlns:a16="http://schemas.microsoft.com/office/drawing/2014/main" id="{391CC854-A465-47A5-93A6-A6FD6CFB1C5A}"/>
+              </a:ext>
+            </a:extLst>
+          </p:cNvPr>
+          <p:cNvCxnSpPr>
+            <a:cxnSpLocks/>
+          </p:cNvCxnSpPr>
+          <p:nvPr/>
+        </p:nvCxnSpPr>
+        <p:spPr>
+          <a:xfrm rot="10800000">
+            <a:off x="4442882" y="3360564"/>
+            <a:ext cx="1308101" cy="1268593"/>
+          </a:xfrm>
+          <a:prstGeom prst="straightConnector1">
+            <a:avLst/>
+          </a:prstGeom>
+          <a:ln>
+            <a:tailEnd type="triangle"/>
+          </a:ln>
+        </p:spPr>
+        <p:style>
+          <a:lnRef idx="1">
+            <a:schemeClr val="accent1"/>
+          </a:lnRef>
+          <a:fillRef idx="0">
+            <a:schemeClr val="accent1"/>
+          </a:fillRef>
+          <a:effectRef idx="0">
+            <a:schemeClr val="accent1"/>
+          </a:effectRef>
+          <a:fontRef idx="minor">
+            <a:schemeClr val="tx1"/>
+          </a:fontRef>
+        </p:style>
+      </p:cxnSp>
+      <p:cxnSp>
+        <p:nvCxnSpPr>
+          <p:cNvPr id="22" name="Straight Arrow Connector 21">
+            <a:extLst>
+              <a:ext uri="{FF2B5EF4-FFF2-40B4-BE49-F238E27FC236}">
+                <a16:creationId xmlns:a16="http://schemas.microsoft.com/office/drawing/2014/main" id="{62F3243A-13F1-4148-9AFC-6691EA80502E}"/>
+              </a:ext>
+            </a:extLst>
+          </p:cNvPr>
+          <p:cNvCxnSpPr>
+            <a:cxnSpLocks/>
+          </p:cNvCxnSpPr>
+          <p:nvPr/>
+        </p:nvCxnSpPr>
+        <p:spPr>
+          <a:xfrm rot="10800000">
+            <a:off x="5096933" y="2847641"/>
+            <a:ext cx="2091267" cy="0"/>
+          </a:xfrm>
+          <a:prstGeom prst="straightConnector1">
+            <a:avLst/>
+          </a:prstGeom>
+          <a:ln>
+            <a:tailEnd type="triangle"/>
+          </a:ln>
+        </p:spPr>
+        <p:style>
+          <a:lnRef idx="1">
+            <a:schemeClr val="accent1"/>
+          </a:lnRef>
+          <a:fillRef idx="0">
+            <a:schemeClr val="accent1"/>
+          </a:fillRef>
+          <a:effectRef idx="0">
+            <a:schemeClr val="accent1"/>
+          </a:effectRef>
+          <a:fontRef idx="minor">
+            <a:schemeClr val="tx1"/>
+          </a:fontRef>
+        </p:style>
+      </p:cxnSp>
+      <p:cxnSp>
+        <p:nvCxnSpPr>
+          <p:cNvPr id="23" name="Straight Arrow Connector 22">
+            <a:extLst>
+              <a:ext uri="{FF2B5EF4-FFF2-40B4-BE49-F238E27FC236}">
+                <a16:creationId xmlns:a16="http://schemas.microsoft.com/office/drawing/2014/main" id="{F6A54F5E-AB3F-4DBC-B5E9-97CB910919A9}"/>
+              </a:ext>
+            </a:extLst>
+          </p:cNvPr>
+          <p:cNvCxnSpPr>
+            <a:cxnSpLocks/>
+          </p:cNvCxnSpPr>
+          <p:nvPr/>
+        </p:nvCxnSpPr>
+        <p:spPr>
+          <a:xfrm rot="5400000">
+            <a:off x="6541589" y="3380318"/>
+            <a:ext cx="1308101" cy="1268593"/>
+          </a:xfrm>
+          <a:prstGeom prst="straightConnector1">
+            <a:avLst/>
+          </a:prstGeom>
+          <a:ln>
+            <a:tailEnd type="triangle"/>
+          </a:ln>
+        </p:spPr>
+        <p:style>
+          <a:lnRef idx="1">
+            <a:schemeClr val="accent1"/>
+          </a:lnRef>
+          <a:fillRef idx="0">
+            <a:schemeClr val="accent1"/>
+          </a:fillRef>
+          <a:effectRef idx="0">
+            <a:schemeClr val="accent1"/>
+          </a:effectRef>
+          <a:fontRef idx="minor">
+            <a:schemeClr val="tx1"/>
+          </a:fontRef>
+        </p:style>
+      </p:cxnSp>
+      <p:cxnSp>
+        <p:nvCxnSpPr>
+          <p:cNvPr id="24" name="Straight Arrow Connector 23">
+            <a:extLst>
+              <a:ext uri="{FF2B5EF4-FFF2-40B4-BE49-F238E27FC236}">
+                <a16:creationId xmlns:a16="http://schemas.microsoft.com/office/drawing/2014/main" id="{FBC93180-5241-45AB-A239-8159A258F210}"/>
+              </a:ext>
+            </a:extLst>
+          </p:cNvPr>
+          <p:cNvCxnSpPr>
+            <a:cxnSpLocks/>
+          </p:cNvCxnSpPr>
+          <p:nvPr/>
+        </p:nvCxnSpPr>
+        <p:spPr>
+          <a:xfrm rot="16200000">
+            <a:off x="6775776" y="3556602"/>
+            <a:ext cx="1308101" cy="1268593"/>
+          </a:xfrm>
+          <a:prstGeom prst="straightConnector1">
+            <a:avLst/>
+          </a:prstGeom>
+          <a:ln>
+            <a:tailEnd type="triangle"/>
+          </a:ln>
+        </p:spPr>
+        <p:style>
+          <a:lnRef idx="1">
+            <a:schemeClr val="accent1"/>
+          </a:lnRef>
+          <a:fillRef idx="0">
+            <a:schemeClr val="accent1"/>
+          </a:fillRef>
+          <a:effectRef idx="0">
+            <a:schemeClr val="accent1"/>
+          </a:effectRef>
+          <a:fontRef idx="minor">
+            <a:schemeClr val="tx1"/>
+          </a:fontRef>
+        </p:style>
+      </p:cxnSp>
+      <p:sp>
+        <p:nvSpPr>
+          <p:cNvPr id="3" name="Footer Placeholder 2">
+            <a:extLst>
+              <a:ext uri="{FF2B5EF4-FFF2-40B4-BE49-F238E27FC236}">
+                <a16:creationId xmlns:a16="http://schemas.microsoft.com/office/drawing/2014/main" id="{836D4ABA-3741-4884-B329-276F1D661EFE}"/>
+              </a:ext>
+            </a:extLst>
+          </p:cNvPr>
+          <p:cNvSpPr>
+            <a:spLocks noGrp="1"/>
+          </p:cNvSpPr>
+          <p:nvPr>
+            <p:ph type="ftr" sz="quarter" idx="11"/>
+          </p:nvPr>
+        </p:nvSpPr>
+        <p:spPr/>
+        <p:txBody>
+          <a:bodyPr/>
+          <a:lstStyle/>
+          <a:p>
+            <a:r>
+              <a:rPr lang="en-US"/>
+              <a:t>Zyanzoom Inc.</a:t>
+            </a:r>
           </a:p>
         </p:txBody>
       </p:sp>
@@ -6354,6 +8664,34 @@
           </a:p>
         </p:txBody>
       </p:sp>
+      <p:sp>
+        <p:nvSpPr>
+          <p:cNvPr id="3" name="Footer Placeholder 2">
+            <a:extLst>
+              <a:ext uri="{FF2B5EF4-FFF2-40B4-BE49-F238E27FC236}">
+                <a16:creationId xmlns:a16="http://schemas.microsoft.com/office/drawing/2014/main" id="{8FDF34D6-FB77-43BA-AD86-534F976716B1}"/>
+              </a:ext>
+            </a:extLst>
+          </p:cNvPr>
+          <p:cNvSpPr>
+            <a:spLocks noGrp="1"/>
+          </p:cNvSpPr>
+          <p:nvPr>
+            <p:ph type="ftr" sz="quarter" idx="11"/>
+          </p:nvPr>
+        </p:nvSpPr>
+        <p:spPr/>
+        <p:txBody>
+          <a:bodyPr/>
+          <a:lstStyle/>
+          <a:p>
+            <a:r>
+              <a:rPr lang="en-US"/>
+              <a:t>Zyanzoom Inc.</a:t>
+            </a:r>
+          </a:p>
+        </p:txBody>
+      </p:sp>
     </p:spTree>
     <p:extLst>
       <p:ext uri="{BB962C8B-B14F-4D97-AF65-F5344CB8AC3E}">
@@ -6919,6 +9257,34 @@
           </a:p>
         </p:txBody>
       </p:sp>
+      <p:sp>
+        <p:nvSpPr>
+          <p:cNvPr id="2" name="Footer Placeholder 1">
+            <a:extLst>
+              <a:ext uri="{FF2B5EF4-FFF2-40B4-BE49-F238E27FC236}">
+                <a16:creationId xmlns:a16="http://schemas.microsoft.com/office/drawing/2014/main" id="{7B6EE665-3A39-451A-8210-899274849CFC}"/>
+              </a:ext>
+            </a:extLst>
+          </p:cNvPr>
+          <p:cNvSpPr>
+            <a:spLocks noGrp="1"/>
+          </p:cNvSpPr>
+          <p:nvPr>
+            <p:ph type="ftr" sz="quarter" idx="11"/>
+          </p:nvPr>
+        </p:nvSpPr>
+        <p:spPr/>
+        <p:txBody>
+          <a:bodyPr/>
+          <a:lstStyle/>
+          <a:p>
+            <a:r>
+              <a:rPr lang="en-US"/>
+              <a:t>Zyanzoom Inc.</a:t>
+            </a:r>
+          </a:p>
+        </p:txBody>
+      </p:sp>
     </p:spTree>
     <p:extLst>
       <p:ext uri="{BB962C8B-B14F-4D97-AF65-F5344CB8AC3E}">
@@ -7062,6 +9428,34 @@
           </a:p>
         </p:txBody>
       </p:sp>
+      <p:sp>
+        <p:nvSpPr>
+          <p:cNvPr id="2" name="Footer Placeholder 1">
+            <a:extLst>
+              <a:ext uri="{FF2B5EF4-FFF2-40B4-BE49-F238E27FC236}">
+                <a16:creationId xmlns:a16="http://schemas.microsoft.com/office/drawing/2014/main" id="{105ADD36-4722-4E44-94F6-7B7C087E2104}"/>
+              </a:ext>
+            </a:extLst>
+          </p:cNvPr>
+          <p:cNvSpPr>
+            <a:spLocks noGrp="1"/>
+          </p:cNvSpPr>
+          <p:nvPr>
+            <p:ph type="ftr" sz="quarter" idx="11"/>
+          </p:nvPr>
+        </p:nvSpPr>
+        <p:spPr/>
+        <p:txBody>
+          <a:bodyPr/>
+          <a:lstStyle/>
+          <a:p>
+            <a:r>
+              <a:rPr lang="en-US"/>
+              <a:t>Zyanzoom Inc.</a:t>
+            </a:r>
+          </a:p>
+        </p:txBody>
+      </p:sp>
     </p:spTree>
     <p:extLst>
       <p:ext uri="{BB962C8B-B14F-4D97-AF65-F5344CB8AC3E}">
@@ -7261,6 +9655,34 @@
           </a:p>
         </p:txBody>
       </p:sp>
+      <p:sp>
+        <p:nvSpPr>
+          <p:cNvPr id="2" name="Footer Placeholder 1">
+            <a:extLst>
+              <a:ext uri="{FF2B5EF4-FFF2-40B4-BE49-F238E27FC236}">
+                <a16:creationId xmlns:a16="http://schemas.microsoft.com/office/drawing/2014/main" id="{0CDBE9F4-C4BA-466C-9EFD-F0A4EFCE45D8}"/>
+              </a:ext>
+            </a:extLst>
+          </p:cNvPr>
+          <p:cNvSpPr>
+            <a:spLocks noGrp="1"/>
+          </p:cNvSpPr>
+          <p:nvPr>
+            <p:ph type="ftr" sz="quarter" idx="11"/>
+          </p:nvPr>
+        </p:nvSpPr>
+        <p:spPr/>
+        <p:txBody>
+          <a:bodyPr/>
+          <a:lstStyle/>
+          <a:p>
+            <a:r>
+              <a:rPr lang="en-US"/>
+              <a:t>Zyanzoom Inc.</a:t>
+            </a:r>
+          </a:p>
+        </p:txBody>
+      </p:sp>
     </p:spTree>
     <p:extLst>
       <p:ext uri="{BB962C8B-B14F-4D97-AF65-F5344CB8AC3E}">
@@ -7571,6 +9993,34 @@
               <a:buChar char="•"/>
             </a:pPr>
             <a:endParaRPr lang="en-US" sz="2800" dirty="0"/>
+          </a:p>
+        </p:txBody>
+      </p:sp>
+      <p:sp>
+        <p:nvSpPr>
+          <p:cNvPr id="2" name="Footer Placeholder 1">
+            <a:extLst>
+              <a:ext uri="{FF2B5EF4-FFF2-40B4-BE49-F238E27FC236}">
+                <a16:creationId xmlns:a16="http://schemas.microsoft.com/office/drawing/2014/main" id="{2D1FD04C-CADC-4CEE-B4EA-3CF991D3E4FE}"/>
+              </a:ext>
+            </a:extLst>
+          </p:cNvPr>
+          <p:cNvSpPr>
+            <a:spLocks noGrp="1"/>
+          </p:cNvSpPr>
+          <p:nvPr>
+            <p:ph type="ftr" sz="quarter" idx="11"/>
+          </p:nvPr>
+        </p:nvSpPr>
+        <p:spPr/>
+        <p:txBody>
+          <a:bodyPr/>
+          <a:lstStyle/>
+          <a:p>
+            <a:r>
+              <a:rPr lang="en-US"/>
+              <a:t>Zyanzoom Inc.</a:t>
+            </a:r>
           </a:p>
         </p:txBody>
       </p:sp>
@@ -7880,4 +10330,299 @@
     </a:ext>
   </a:extLst>
 </a:theme>
+</file>
+
+<file path=ppt/theme/theme2.xml><?xml version="1.0" encoding="utf-8"?>
+<a:theme xmlns:a="http://schemas.openxmlformats.org/drawingml/2006/main" name="Office Theme">
+  <a:themeElements>
+    <a:clrScheme name="Office">
+      <a:dk1>
+        <a:sysClr val="windowText" lastClr="000000"/>
+      </a:dk1>
+      <a:lt1>
+        <a:sysClr val="window" lastClr="FFFFFF"/>
+      </a:lt1>
+      <a:dk2>
+        <a:srgbClr val="44546A"/>
+      </a:dk2>
+      <a:lt2>
+        <a:srgbClr val="E7E6E6"/>
+      </a:lt2>
+      <a:accent1>
+        <a:srgbClr val="4472C4"/>
+      </a:accent1>
+      <a:accent2>
+        <a:srgbClr val="ED7D31"/>
+      </a:accent2>
+      <a:accent3>
+        <a:srgbClr val="A5A5A5"/>
+      </a:accent3>
+      <a:accent4>
+        <a:srgbClr val="FFC000"/>
+      </a:accent4>
+      <a:accent5>
+        <a:srgbClr val="5B9BD5"/>
+      </a:accent5>
+      <a:accent6>
+        <a:srgbClr val="70AD47"/>
+      </a:accent6>
+      <a:hlink>
+        <a:srgbClr val="0563C1"/>
+      </a:hlink>
+      <a:folHlink>
+        <a:srgbClr val="954F72"/>
+      </a:folHlink>
+    </a:clrScheme>
+    <a:fontScheme name="Office">
+      <a:majorFont>
+        <a:latin typeface="Calibri Light" panose="020F0302020204030204"/>
+        <a:ea typeface=""/>
+        <a:cs typeface=""/>
+        <a:font script="Jpan" typeface="游ゴシック Light"/>
+        <a:font script="Hang" typeface="맑은 고딕"/>
+        <a:font script="Hans" typeface="等线 Light"/>
+        <a:font script="Hant" typeface="新細明體"/>
+        <a:font script="Arab" typeface="Times New Roman"/>
+        <a:font script="Hebr" typeface="Times New Roman"/>
+        <a:font script="Thai" typeface="Angsana New"/>
+        <a:font script="Ethi" typeface="Nyala"/>
+        <a:font script="Beng" typeface="Vrinda"/>
+        <a:font script="Gujr" typeface="Shruti"/>
+        <a:font script="Khmr" typeface="MoolBoran"/>
+        <a:font script="Knda" typeface="Tunga"/>
+        <a:font script="Guru" typeface="Raavi"/>
+        <a:font script="Cans" typeface="Euphemia"/>
+        <a:font script="Cher" typeface="Plantagenet Cherokee"/>
+        <a:font script="Yiii" typeface="Microsoft Yi Baiti"/>
+        <a:font script="Tibt" typeface="Microsoft Himalaya"/>
+        <a:font script="Thaa" typeface="MV Boli"/>
+        <a:font script="Deva" typeface="Mangal"/>
+        <a:font script="Telu" typeface="Gautami"/>
+        <a:font script="Taml" typeface="Latha"/>
+        <a:font script="Syrc" typeface="Estrangelo Edessa"/>
+        <a:font script="Orya" typeface="Kalinga"/>
+        <a:font script="Mlym" typeface="Kartika"/>
+        <a:font script="Laoo" typeface="DokChampa"/>
+        <a:font script="Sinh" typeface="Iskoola Pota"/>
+        <a:font script="Mong" typeface="Mongolian Baiti"/>
+        <a:font script="Viet" typeface="Times New Roman"/>
+        <a:font script="Uigh" typeface="Microsoft Uighur"/>
+        <a:font script="Geor" typeface="Sylfaen"/>
+        <a:font script="Armn" typeface="Arial"/>
+        <a:font script="Bugi" typeface="Leelawadee UI"/>
+        <a:font script="Bopo" typeface="Microsoft JhengHei"/>
+        <a:font script="Java" typeface="Javanese Text"/>
+        <a:font script="Lisu" typeface="Segoe UI"/>
+        <a:font script="Mymr" typeface="Myanmar Text"/>
+        <a:font script="Nkoo" typeface="Ebrima"/>
+        <a:font script="Olck" typeface="Nirmala UI"/>
+        <a:font script="Osma" typeface="Ebrima"/>
+        <a:font script="Phag" typeface="Phagspa"/>
+        <a:font script="Syrn" typeface="Estrangelo Edessa"/>
+        <a:font script="Syrj" typeface="Estrangelo Edessa"/>
+        <a:font script="Syre" typeface="Estrangelo Edessa"/>
+        <a:font script="Sora" typeface="Nirmala UI"/>
+        <a:font script="Tale" typeface="Microsoft Tai Le"/>
+        <a:font script="Talu" typeface="Microsoft New Tai Lue"/>
+        <a:font script="Tfng" typeface="Ebrima"/>
+      </a:majorFont>
+      <a:minorFont>
+        <a:latin typeface="Calibri" panose="020F0502020204030204"/>
+        <a:ea typeface=""/>
+        <a:cs typeface=""/>
+        <a:font script="Jpan" typeface="游ゴシック"/>
+        <a:font script="Hang" typeface="맑은 고딕"/>
+        <a:font script="Hans" typeface="等线"/>
+        <a:font script="Hant" typeface="新細明體"/>
+        <a:font script="Arab" typeface="Arial"/>
+        <a:font script="Hebr" typeface="Arial"/>
+        <a:font script="Thai" typeface="Cordia New"/>
+        <a:font script="Ethi" typeface="Nyala"/>
+        <a:font script="Beng" typeface="Vrinda"/>
+        <a:font script="Gujr" typeface="Shruti"/>
+        <a:font script="Khmr" typeface="DaunPenh"/>
+        <a:font script="Knda" typeface="Tunga"/>
+        <a:font script="Guru" typeface="Raavi"/>
+        <a:font script="Cans" typeface="Euphemia"/>
+        <a:font script="Cher" typeface="Plantagenet Cherokee"/>
+        <a:font script="Yiii" typeface="Microsoft Yi Baiti"/>
+        <a:font script="Tibt" typeface="Microsoft Himalaya"/>
+        <a:font script="Thaa" typeface="MV Boli"/>
+        <a:font script="Deva" typeface="Mangal"/>
+        <a:font script="Telu" typeface="Gautami"/>
+        <a:font script="Taml" typeface="Latha"/>
+        <a:font script="Syrc" typeface="Estrangelo Edessa"/>
+        <a:font script="Orya" typeface="Kalinga"/>
+        <a:font script="Mlym" typeface="Kartika"/>
+        <a:font script="Laoo" typeface="DokChampa"/>
+        <a:font script="Sinh" typeface="Iskoola Pota"/>
+        <a:font script="Mong" typeface="Mongolian Baiti"/>
+        <a:font script="Viet" typeface="Arial"/>
+        <a:font script="Uigh" typeface="Microsoft Uighur"/>
+        <a:font script="Geor" typeface="Sylfaen"/>
+        <a:font script="Armn" typeface="Arial"/>
+        <a:font script="Bugi" typeface="Leelawadee UI"/>
+        <a:font script="Bopo" typeface="Microsoft JhengHei"/>
+        <a:font script="Java" typeface="Javanese Text"/>
+        <a:font script="Lisu" typeface="Segoe UI"/>
+        <a:font script="Mymr" typeface="Myanmar Text"/>
+        <a:font script="Nkoo" typeface="Ebrima"/>
+        <a:font script="Olck" typeface="Nirmala UI"/>
+        <a:font script="Osma" typeface="Ebrima"/>
+        <a:font script="Phag" typeface="Phagspa"/>
+        <a:font script="Syrn" typeface="Estrangelo Edessa"/>
+        <a:font script="Syrj" typeface="Estrangelo Edessa"/>
+        <a:font script="Syre" typeface="Estrangelo Edessa"/>
+        <a:font script="Sora" typeface="Nirmala UI"/>
+        <a:font script="Tale" typeface="Microsoft Tai Le"/>
+        <a:font script="Talu" typeface="Microsoft New Tai Lue"/>
+        <a:font script="Tfng" typeface="Ebrima"/>
+      </a:minorFont>
+    </a:fontScheme>
+    <a:fmtScheme name="Office">
+      <a:fillStyleLst>
+        <a:solidFill>
+          <a:schemeClr val="phClr"/>
+        </a:solidFill>
+        <a:gradFill rotWithShape="1">
+          <a:gsLst>
+            <a:gs pos="0">
+              <a:schemeClr val="phClr">
+                <a:lumMod val="110000"/>
+                <a:satMod val="105000"/>
+                <a:tint val="67000"/>
+              </a:schemeClr>
+            </a:gs>
+            <a:gs pos="50000">
+              <a:schemeClr val="phClr">
+                <a:lumMod val="105000"/>
+                <a:satMod val="103000"/>
+                <a:tint val="73000"/>
+              </a:schemeClr>
+            </a:gs>
+            <a:gs pos="100000">
+              <a:schemeClr val="phClr">
+                <a:lumMod val="105000"/>
+                <a:satMod val="109000"/>
+                <a:tint val="81000"/>
+              </a:schemeClr>
+            </a:gs>
+          </a:gsLst>
+          <a:lin ang="5400000" scaled="0"/>
+        </a:gradFill>
+        <a:gradFill rotWithShape="1">
+          <a:gsLst>
+            <a:gs pos="0">
+              <a:schemeClr val="phClr">
+                <a:satMod val="103000"/>
+                <a:lumMod val="102000"/>
+                <a:tint val="94000"/>
+              </a:schemeClr>
+            </a:gs>
+            <a:gs pos="50000">
+              <a:schemeClr val="phClr">
+                <a:satMod val="110000"/>
+                <a:lumMod val="100000"/>
+                <a:shade val="100000"/>
+              </a:schemeClr>
+            </a:gs>
+            <a:gs pos="100000">
+              <a:schemeClr val="phClr">
+                <a:lumMod val="99000"/>
+                <a:satMod val="120000"/>
+                <a:shade val="78000"/>
+              </a:schemeClr>
+            </a:gs>
+          </a:gsLst>
+          <a:lin ang="5400000" scaled="0"/>
+        </a:gradFill>
+      </a:fillStyleLst>
+      <a:lnStyleLst>
+        <a:ln w="6350" cap="flat" cmpd="sng" algn="ctr">
+          <a:solidFill>
+            <a:schemeClr val="phClr"/>
+          </a:solidFill>
+          <a:prstDash val="solid"/>
+          <a:miter lim="800000"/>
+        </a:ln>
+        <a:ln w="12700" cap="flat" cmpd="sng" algn="ctr">
+          <a:solidFill>
+            <a:schemeClr val="phClr"/>
+          </a:solidFill>
+          <a:prstDash val="solid"/>
+          <a:miter lim="800000"/>
+        </a:ln>
+        <a:ln w="19050" cap="flat" cmpd="sng" algn="ctr">
+          <a:solidFill>
+            <a:schemeClr val="phClr"/>
+          </a:solidFill>
+          <a:prstDash val="solid"/>
+          <a:miter lim="800000"/>
+        </a:ln>
+      </a:lnStyleLst>
+      <a:effectStyleLst>
+        <a:effectStyle>
+          <a:effectLst/>
+        </a:effectStyle>
+        <a:effectStyle>
+          <a:effectLst/>
+        </a:effectStyle>
+        <a:effectStyle>
+          <a:effectLst>
+            <a:outerShdw blurRad="57150" dist="19050" dir="5400000" algn="ctr" rotWithShape="0">
+              <a:srgbClr val="000000">
+                <a:alpha val="63000"/>
+              </a:srgbClr>
+            </a:outerShdw>
+          </a:effectLst>
+        </a:effectStyle>
+      </a:effectStyleLst>
+      <a:bgFillStyleLst>
+        <a:solidFill>
+          <a:schemeClr val="phClr"/>
+        </a:solidFill>
+        <a:solidFill>
+          <a:schemeClr val="phClr">
+            <a:tint val="95000"/>
+            <a:satMod val="170000"/>
+          </a:schemeClr>
+        </a:solidFill>
+        <a:gradFill rotWithShape="1">
+          <a:gsLst>
+            <a:gs pos="0">
+              <a:schemeClr val="phClr">
+                <a:tint val="93000"/>
+                <a:satMod val="150000"/>
+                <a:shade val="98000"/>
+                <a:lumMod val="102000"/>
+              </a:schemeClr>
+            </a:gs>
+            <a:gs pos="50000">
+              <a:schemeClr val="phClr">
+                <a:tint val="98000"/>
+                <a:satMod val="130000"/>
+                <a:shade val="90000"/>
+                <a:lumMod val="103000"/>
+              </a:schemeClr>
+            </a:gs>
+            <a:gs pos="100000">
+              <a:schemeClr val="phClr">
+                <a:shade val="63000"/>
+                <a:satMod val="120000"/>
+              </a:schemeClr>
+            </a:gs>
+          </a:gsLst>
+          <a:lin ang="5400000" scaled="0"/>
+        </a:gradFill>
+      </a:bgFillStyleLst>
+    </a:fmtScheme>
+  </a:themeElements>
+  <a:objectDefaults/>
+  <a:extraClrSchemeLst/>
+  <a:extLst>
+    <a:ext uri="{05A4C25C-085E-4340-85A3-A5531E510DB2}">
+      <thm15:themeFamily xmlns:thm15="http://schemas.microsoft.com/office/thememl/2012/main" name="Office Theme" id="{62F939B6-93AF-4DB8-9C6B-D6C7DFDC589F}" vid="{4A3C46E8-61CC-4603-A589-7422A47A8E4A}"/>
+    </a:ext>
+  </a:extLst>
+</a:theme>
 </file>
--- a/SmartLocker.pptx
+++ b/SmartLocker.pptx
@@ -5,7 +5,7 @@
     <p:sldMasterId id="2147483648" r:id="rId1"/>
   </p:sldMasterIdLst>
   <p:notesMasterIdLst>
-    <p:notesMasterId r:id="rId22"/>
+    <p:notesMasterId r:id="rId21"/>
   </p:notesMasterIdLst>
   <p:sldIdLst>
     <p:sldId id="256" r:id="rId2"/>
@@ -18,16 +18,15 @@
     <p:sldId id="263" r:id="rId9"/>
     <p:sldId id="264" r:id="rId10"/>
     <p:sldId id="265" r:id="rId11"/>
-    <p:sldId id="266" r:id="rId12"/>
-    <p:sldId id="267" r:id="rId13"/>
-    <p:sldId id="274" r:id="rId14"/>
-    <p:sldId id="273" r:id="rId15"/>
-    <p:sldId id="275" r:id="rId16"/>
-    <p:sldId id="269" r:id="rId17"/>
-    <p:sldId id="270" r:id="rId18"/>
-    <p:sldId id="271" r:id="rId19"/>
-    <p:sldId id="272" r:id="rId20"/>
-    <p:sldId id="276" r:id="rId21"/>
+    <p:sldId id="267" r:id="rId12"/>
+    <p:sldId id="274" r:id="rId13"/>
+    <p:sldId id="273" r:id="rId14"/>
+    <p:sldId id="275" r:id="rId15"/>
+    <p:sldId id="269" r:id="rId16"/>
+    <p:sldId id="270" r:id="rId17"/>
+    <p:sldId id="271" r:id="rId18"/>
+    <p:sldId id="272" r:id="rId19"/>
+    <p:sldId id="276" r:id="rId20"/>
   </p:sldIdLst>
   <p:sldSz cx="12192000" cy="6858000"/>
   <p:notesSz cx="6858000" cy="9144000"/>
@@ -216,7 +215,7 @@
           <a:p>
             <a:fld id="{49ECEA03-AE2F-4576-8568-ACA2CAE51CB2}" type="datetimeFigureOut">
               <a:rPr lang="en-CA" smtClean="0"/>
-              <a:t>2019-11-17</a:t>
+              <a:t>2019-11-18</a:t>
             </a:fld>
             <a:endParaRPr lang="en-CA"/>
           </a:p>
@@ -577,7 +576,7 @@
           <a:p>
             <a:fld id="{573E00DB-8491-2847-B6D5-BBE9026170DE}" type="slidenum">
               <a:rPr lang="en-US" smtClean="0"/>
-              <a:t>15</a:t>
+              <a:t>14</a:t>
             </a:fld>
             <a:endParaRPr lang="en-US"/>
           </a:p>
@@ -743,7 +742,7 @@
           <a:p>
             <a:fld id="{F04C4F80-C90B-4C3C-AC24-5BC3D53BDD5C}" type="datetime1">
               <a:rPr lang="en-US" smtClean="0"/>
-              <a:t>11/17/2019</a:t>
+              <a:t>11/18/2019</a:t>
             </a:fld>
             <a:endParaRPr lang="en-US"/>
           </a:p>
@@ -944,7 +943,7 @@
           <a:p>
             <a:fld id="{0C5E390C-F36F-412B-8903-47F8F3AC4ABB}" type="datetime1">
               <a:rPr lang="en-US" smtClean="0"/>
-              <a:t>11/17/2019</a:t>
+              <a:t>11/18/2019</a:t>
             </a:fld>
             <a:endParaRPr lang="en-US"/>
           </a:p>
@@ -1155,7 +1154,7 @@
           <a:p>
             <a:fld id="{662F1776-499C-470D-97B2-29DF9A58B311}" type="datetime1">
               <a:rPr lang="en-US" smtClean="0"/>
-              <a:t>11/17/2019</a:t>
+              <a:t>11/18/2019</a:t>
             </a:fld>
             <a:endParaRPr lang="en-US"/>
           </a:p>
@@ -1356,7 +1355,7 @@
           <a:p>
             <a:fld id="{D1D65D00-D08E-487A-89D7-BA6C31F675C0}" type="datetime1">
               <a:rPr lang="en-US" smtClean="0"/>
-              <a:t>11/17/2019</a:t>
+              <a:t>11/18/2019</a:t>
             </a:fld>
             <a:endParaRPr lang="en-US"/>
           </a:p>
@@ -1634,7 +1633,7 @@
           <a:p>
             <a:fld id="{76468B94-4688-4174-8964-2DDA54322854}" type="datetime1">
               <a:rPr lang="en-US" smtClean="0"/>
-              <a:t>11/17/2019</a:t>
+              <a:t>11/18/2019</a:t>
             </a:fld>
             <a:endParaRPr lang="en-US"/>
           </a:p>
@@ -1902,7 +1901,7 @@
           <a:p>
             <a:fld id="{E220864D-A796-4884-A1CC-3EF609BBAC93}" type="datetime1">
               <a:rPr lang="en-US" smtClean="0"/>
-              <a:t>11/17/2019</a:t>
+              <a:t>11/18/2019</a:t>
             </a:fld>
             <a:endParaRPr lang="en-US"/>
           </a:p>
@@ -2317,7 +2316,7 @@
           <a:p>
             <a:fld id="{F007D1E3-8A09-4F6D-A956-6EB1DAAF7FCF}" type="datetime1">
               <a:rPr lang="en-US" smtClean="0"/>
-              <a:t>11/17/2019</a:t>
+              <a:t>11/18/2019</a:t>
             </a:fld>
             <a:endParaRPr lang="en-US"/>
           </a:p>
@@ -2461,7 +2460,7 @@
           <a:p>
             <a:fld id="{CB108C07-33C1-44B1-B1B3-81671B8937A3}" type="datetime1">
               <a:rPr lang="en-US" smtClean="0"/>
-              <a:t>11/17/2019</a:t>
+              <a:t>11/18/2019</a:t>
             </a:fld>
             <a:endParaRPr lang="en-US"/>
           </a:p>
@@ -2577,7 +2576,7 @@
           <a:p>
             <a:fld id="{EDD73641-E065-4EF5-B903-45E109014422}" type="datetime1">
               <a:rPr lang="en-US" smtClean="0"/>
-              <a:t>11/17/2019</a:t>
+              <a:t>11/18/2019</a:t>
             </a:fld>
             <a:endParaRPr lang="en-US"/>
           </a:p>
@@ -2891,7 +2890,7 @@
           <a:p>
             <a:fld id="{9FD49B57-5C99-48FA-A967-3CA3FD0489B8}" type="datetime1">
               <a:rPr lang="en-US" smtClean="0"/>
-              <a:t>11/17/2019</a:t>
+              <a:t>11/18/2019</a:t>
             </a:fld>
             <a:endParaRPr lang="en-US"/>
           </a:p>
@@ -3182,7 +3181,7 @@
           <a:p>
             <a:fld id="{60A96E27-0F25-485D-8857-8937B9601DE4}" type="datetime1">
               <a:rPr lang="en-US" smtClean="0"/>
-              <a:t>11/17/2019</a:t>
+              <a:t>11/18/2019</a:t>
             </a:fld>
             <a:endParaRPr lang="en-US"/>
           </a:p>
@@ -3426,7 +3425,7 @@
           <a:p>
             <a:fld id="{F4DDB43C-7B20-4BE9-9C9C-1F73A3F6F737}" type="datetime1">
               <a:rPr lang="en-US" smtClean="0"/>
-              <a:t>11/17/2019</a:t>
+              <a:t>11/18/2019</a:t>
             </a:fld>
             <a:endParaRPr lang="en-US"/>
           </a:p>
@@ -4392,114 +4391,6 @@
       </p:grpSpPr>
       <p:sp>
         <p:nvSpPr>
-          <p:cNvPr id="2" name="Title 1">
-            <a:extLst>
-              <a:ext uri="{FF2B5EF4-FFF2-40B4-BE49-F238E27FC236}">
-                <a16:creationId xmlns:a16="http://schemas.microsoft.com/office/drawing/2014/main" id="{24020A8F-F1AE-2046-B735-8037430DCD52}"/>
-              </a:ext>
-            </a:extLst>
-          </p:cNvPr>
-          <p:cNvSpPr>
-            <a:spLocks noGrp="1"/>
-          </p:cNvSpPr>
-          <p:nvPr>
-            <p:ph type="title"/>
-          </p:nvPr>
-        </p:nvSpPr>
-        <p:spPr/>
-        <p:txBody>
-          <a:bodyPr/>
-          <a:lstStyle/>
-          <a:p>
-            <a:endParaRPr lang="en-US"/>
-          </a:p>
-        </p:txBody>
-      </p:sp>
-      <p:sp>
-        <p:nvSpPr>
-          <p:cNvPr id="3" name="Content Placeholder 2">
-            <a:extLst>
-              <a:ext uri="{FF2B5EF4-FFF2-40B4-BE49-F238E27FC236}">
-                <a16:creationId xmlns:a16="http://schemas.microsoft.com/office/drawing/2014/main" id="{46B16DF8-8D7F-D34D-AE1A-8B6FD9683361}"/>
-              </a:ext>
-            </a:extLst>
-          </p:cNvPr>
-          <p:cNvSpPr>
-            <a:spLocks noGrp="1"/>
-          </p:cNvSpPr>
-          <p:nvPr>
-            <p:ph idx="1"/>
-          </p:nvPr>
-        </p:nvSpPr>
-        <p:spPr/>
-        <p:txBody>
-          <a:bodyPr/>
-          <a:lstStyle/>
-          <a:p>
-            <a:endParaRPr lang="en-US"/>
-          </a:p>
-        </p:txBody>
-      </p:sp>
-      <p:sp>
-        <p:nvSpPr>
-          <p:cNvPr id="4" name="Footer Placeholder 3">
-            <a:extLst>
-              <a:ext uri="{FF2B5EF4-FFF2-40B4-BE49-F238E27FC236}">
-                <a16:creationId xmlns:a16="http://schemas.microsoft.com/office/drawing/2014/main" id="{5817372F-D362-4930-BC96-F40A43AF5B51}"/>
-              </a:ext>
-            </a:extLst>
-          </p:cNvPr>
-          <p:cNvSpPr>
-            <a:spLocks noGrp="1"/>
-          </p:cNvSpPr>
-          <p:nvPr>
-            <p:ph type="ftr" sz="quarter" idx="11"/>
-          </p:nvPr>
-        </p:nvSpPr>
-        <p:spPr/>
-        <p:txBody>
-          <a:bodyPr/>
-          <a:lstStyle/>
-          <a:p>
-            <a:r>
-              <a:rPr lang="en-US"/>
-              <a:t>Zyanzoom Inc.</a:t>
-            </a:r>
-          </a:p>
-        </p:txBody>
-      </p:sp>
-    </p:spTree>
-    <p:extLst>
-      <p:ext uri="{BB962C8B-B14F-4D97-AF65-F5344CB8AC3E}">
-        <p14:creationId xmlns:p14="http://schemas.microsoft.com/office/powerpoint/2010/main" val="2963808012"/>
-      </p:ext>
-    </p:extLst>
-  </p:cSld>
-  <p:clrMapOvr>
-    <a:masterClrMapping/>
-  </p:clrMapOvr>
-</p:sld>
-</file>
-
-<file path=ppt/slides/slide12.xml><?xml version="1.0" encoding="utf-8"?>
-<p:sld xmlns:a="http://schemas.openxmlformats.org/drawingml/2006/main" xmlns:r="http://schemas.openxmlformats.org/officeDocument/2006/relationships" xmlns:p="http://schemas.openxmlformats.org/presentationml/2006/main">
-  <p:cSld>
-    <p:spTree>
-      <p:nvGrpSpPr>
-        <p:cNvPr id="1" name=""/>
-        <p:cNvGrpSpPr/>
-        <p:nvPr/>
-      </p:nvGrpSpPr>
-      <p:grpSpPr>
-        <a:xfrm>
-          <a:off x="0" y="0"/>
-          <a:ext cx="0" cy="0"/>
-          <a:chOff x="0" y="0"/>
-          <a:chExt cx="0" cy="0"/>
-        </a:xfrm>
-      </p:grpSpPr>
-      <p:sp>
-        <p:nvSpPr>
           <p:cNvPr id="4" name="TextBox 3">
             <a:extLst>
               <a:ext uri="{FF2B5EF4-FFF2-40B4-BE49-F238E27FC236}">
@@ -5071,7 +4962,7 @@
 </p:sld>
 </file>
 
-<file path=ppt/slides/slide13.xml><?xml version="1.0" encoding="utf-8"?>
+<file path=ppt/slides/slide12.xml><?xml version="1.0" encoding="utf-8"?>
 <p:sld xmlns:a="http://schemas.openxmlformats.org/drawingml/2006/main" xmlns:r="http://schemas.openxmlformats.org/officeDocument/2006/relationships" xmlns:p="http://schemas.openxmlformats.org/presentationml/2006/main">
   <p:cSld>
     <p:spTree>
@@ -5979,7 +5870,7 @@
 </p:sld>
 </file>
 
-<file path=ppt/slides/slide14.xml><?xml version="1.0" encoding="utf-8"?>
+<file path=ppt/slides/slide13.xml><?xml version="1.0" encoding="utf-8"?>
 <p:sld xmlns:a="http://schemas.openxmlformats.org/drawingml/2006/main" xmlns:r="http://schemas.openxmlformats.org/officeDocument/2006/relationships" xmlns:p="http://schemas.openxmlformats.org/presentationml/2006/main">
   <p:cSld>
     <p:spTree>
@@ -6292,6 +6183,237 @@
     <p:extLst>
       <p:ext uri="{BB962C8B-B14F-4D97-AF65-F5344CB8AC3E}">
         <p14:creationId xmlns:p14="http://schemas.microsoft.com/office/powerpoint/2010/main" val="2035662622"/>
+      </p:ext>
+    </p:extLst>
+  </p:cSld>
+  <p:clrMapOvr>
+    <a:masterClrMapping/>
+  </p:clrMapOvr>
+</p:sld>
+</file>
+
+<file path=ppt/slides/slide14.xml><?xml version="1.0" encoding="utf-8"?>
+<p:sld xmlns:a="http://schemas.openxmlformats.org/drawingml/2006/main" xmlns:r="http://schemas.openxmlformats.org/officeDocument/2006/relationships" xmlns:p="http://schemas.openxmlformats.org/presentationml/2006/main">
+  <p:cSld>
+    <p:spTree>
+      <p:nvGrpSpPr>
+        <p:cNvPr id="1" name=""/>
+        <p:cNvGrpSpPr/>
+        <p:nvPr/>
+      </p:nvGrpSpPr>
+      <p:grpSpPr>
+        <a:xfrm>
+          <a:off x="0" y="0"/>
+          <a:ext cx="0" cy="0"/>
+          <a:chOff x="0" y="0"/>
+          <a:chExt cx="0" cy="0"/>
+        </a:xfrm>
+      </p:grpSpPr>
+      <p:sp>
+        <p:nvSpPr>
+          <p:cNvPr id="2" name="Title 1">
+            <a:extLst>
+              <a:ext uri="{FF2B5EF4-FFF2-40B4-BE49-F238E27FC236}">
+                <a16:creationId xmlns:a16="http://schemas.microsoft.com/office/drawing/2014/main" id="{74D1C97C-FB57-D446-BD7F-D371A204F438}"/>
+              </a:ext>
+            </a:extLst>
+          </p:cNvPr>
+          <p:cNvSpPr>
+            <a:spLocks noGrp="1"/>
+          </p:cNvSpPr>
+          <p:nvPr>
+            <p:ph type="title"/>
+          </p:nvPr>
+        </p:nvSpPr>
+        <p:spPr/>
+        <p:txBody>
+          <a:bodyPr/>
+          <a:lstStyle/>
+          <a:p>
+            <a:r>
+              <a:rPr lang="en-CA" altLang="zh-CN" dirty="0"/>
+              <a:t>Competitor Analysis</a:t>
+            </a:r>
+            <a:endParaRPr lang="en-US" dirty="0"/>
+          </a:p>
+        </p:txBody>
+      </p:sp>
+      <p:sp>
+        <p:nvSpPr>
+          <p:cNvPr id="4" name="TextBox 3">
+            <a:extLst>
+              <a:ext uri="{FF2B5EF4-FFF2-40B4-BE49-F238E27FC236}">
+                <a16:creationId xmlns:a16="http://schemas.microsoft.com/office/drawing/2014/main" id="{777A76A4-B382-BB42-A046-1E32C7893C96}"/>
+              </a:ext>
+            </a:extLst>
+          </p:cNvPr>
+          <p:cNvSpPr txBox="1"/>
+          <p:nvPr/>
+        </p:nvSpPr>
+        <p:spPr>
+          <a:xfrm>
+            <a:off x="1978702" y="2248525"/>
+            <a:ext cx="3269741" cy="369332"/>
+          </a:xfrm>
+          <a:prstGeom prst="rect">
+            <a:avLst/>
+          </a:prstGeom>
+          <a:noFill/>
+        </p:spPr>
+        <p:txBody>
+          <a:bodyPr wrap="none" rtlCol="0">
+            <a:spAutoFit/>
+          </a:bodyPr>
+          <a:lstStyle/>
+          <a:p>
+            <a:r>
+              <a:rPr lang="en-US" dirty="0"/>
+              <a:t>Smart</a:t>
+            </a:r>
+            <a:r>
+              <a:rPr lang="zh-CN" altLang="en-US" dirty="0"/>
+              <a:t> </a:t>
+            </a:r>
+            <a:r>
+              <a:rPr lang="en-US" altLang="zh-CN" dirty="0"/>
+              <a:t>locker:</a:t>
+            </a:r>
+            <a:r>
+              <a:rPr lang="zh-CN" altLang="en-US" dirty="0"/>
+              <a:t> </a:t>
+            </a:r>
+            <a:r>
+              <a:rPr lang="en-US" altLang="zh-CN" dirty="0"/>
+              <a:t>Amazon</a:t>
+            </a:r>
+            <a:r>
+              <a:rPr lang="zh-CN" altLang="en-US" dirty="0"/>
+              <a:t> </a:t>
+            </a:r>
+            <a:r>
+              <a:rPr lang="en-US" altLang="zh-CN" dirty="0"/>
+              <a:t>hub</a:t>
+            </a:r>
+            <a:r>
+              <a:rPr lang="zh-CN" altLang="en-US" dirty="0"/>
+              <a:t> </a:t>
+            </a:r>
+            <a:r>
+              <a:rPr lang="en-US" altLang="zh-CN" dirty="0"/>
+              <a:t>locker</a:t>
+            </a:r>
+            <a:endParaRPr lang="en-US" dirty="0"/>
+          </a:p>
+        </p:txBody>
+      </p:sp>
+      <p:sp>
+        <p:nvSpPr>
+          <p:cNvPr id="5" name="TextBox 4">
+            <a:extLst>
+              <a:ext uri="{FF2B5EF4-FFF2-40B4-BE49-F238E27FC236}">
+                <a16:creationId xmlns:a16="http://schemas.microsoft.com/office/drawing/2014/main" id="{AB462E8D-4229-A448-B456-05C27185E847}"/>
+              </a:ext>
+            </a:extLst>
+          </p:cNvPr>
+          <p:cNvSpPr txBox="1"/>
+          <p:nvPr/>
+        </p:nvSpPr>
+        <p:spPr>
+          <a:xfrm>
+            <a:off x="1978702" y="3059668"/>
+            <a:ext cx="4092723" cy="369332"/>
+          </a:xfrm>
+          <a:prstGeom prst="rect">
+            <a:avLst/>
+          </a:prstGeom>
+          <a:noFill/>
+        </p:spPr>
+        <p:txBody>
+          <a:bodyPr wrap="none" rtlCol="0">
+            <a:spAutoFit/>
+          </a:bodyPr>
+          <a:lstStyle/>
+          <a:p>
+            <a:r>
+              <a:rPr lang="en-US" altLang="zh-CN" dirty="0"/>
+              <a:t>Traditional</a:t>
+            </a:r>
+            <a:r>
+              <a:rPr lang="zh-CN" altLang="en-US" dirty="0"/>
+              <a:t> </a:t>
+            </a:r>
+            <a:r>
+              <a:rPr lang="en-US" altLang="zh-CN" dirty="0"/>
+              <a:t>locker:</a:t>
+            </a:r>
+            <a:r>
+              <a:rPr lang="zh-CN" altLang="en-US" dirty="0"/>
+              <a:t> </a:t>
+            </a:r>
+            <a:r>
+              <a:rPr lang="en-US" altLang="zh-CN" dirty="0"/>
+              <a:t>Canada</a:t>
+            </a:r>
+            <a:r>
+              <a:rPr lang="zh-CN" altLang="en-US" dirty="0"/>
+              <a:t> </a:t>
+            </a:r>
+            <a:r>
+              <a:rPr lang="en-US" altLang="zh-CN" dirty="0"/>
+              <a:t>post</a:t>
+            </a:r>
+            <a:r>
+              <a:rPr lang="zh-CN" altLang="en-US" dirty="0"/>
+              <a:t> </a:t>
+            </a:r>
+            <a:r>
+              <a:rPr lang="en-US" altLang="zh-CN" dirty="0"/>
+              <a:t>parcel</a:t>
+            </a:r>
+            <a:r>
+              <a:rPr lang="zh-CN" altLang="en-US" dirty="0"/>
+              <a:t> </a:t>
+            </a:r>
+            <a:r>
+              <a:rPr lang="en-US" altLang="zh-CN" dirty="0"/>
+              <a:t>box</a:t>
+            </a:r>
+            <a:endParaRPr lang="en-US" dirty="0"/>
+          </a:p>
+        </p:txBody>
+      </p:sp>
+      <p:sp>
+        <p:nvSpPr>
+          <p:cNvPr id="3" name="Footer Placeholder 2">
+            <a:extLst>
+              <a:ext uri="{FF2B5EF4-FFF2-40B4-BE49-F238E27FC236}">
+                <a16:creationId xmlns:a16="http://schemas.microsoft.com/office/drawing/2014/main" id="{12E6747E-4084-4F78-B8A5-1202C5DC6AD0}"/>
+              </a:ext>
+            </a:extLst>
+          </p:cNvPr>
+          <p:cNvSpPr>
+            <a:spLocks noGrp="1"/>
+          </p:cNvSpPr>
+          <p:nvPr>
+            <p:ph type="ftr" sz="quarter" idx="11"/>
+          </p:nvPr>
+        </p:nvSpPr>
+        <p:spPr/>
+        <p:txBody>
+          <a:bodyPr/>
+          <a:lstStyle/>
+          <a:p>
+            <a:r>
+              <a:rPr lang="en-US"/>
+              <a:t>Zyanzoom Inc.</a:t>
+            </a:r>
+          </a:p>
+        </p:txBody>
+      </p:sp>
+    </p:spTree>
+    <p:extLst>
+      <p:ext uri="{BB962C8B-B14F-4D97-AF65-F5344CB8AC3E}">
+        <p14:creationId xmlns:p14="http://schemas.microsoft.com/office/powerpoint/2010/main" val="340897898"/>
       </p:ext>
     </p:extLst>
   </p:cSld>
@@ -6323,7 +6445,7 @@
           <p:cNvPr id="2" name="Title 1">
             <a:extLst>
               <a:ext uri="{FF2B5EF4-FFF2-40B4-BE49-F238E27FC236}">
-                <a16:creationId xmlns:a16="http://schemas.microsoft.com/office/drawing/2014/main" id="{74D1C97C-FB57-D446-BD7F-D371A204F438}"/>
+                <a16:creationId xmlns:a16="http://schemas.microsoft.com/office/drawing/2014/main" id="{566604A8-3D8C-BC42-B40D-B61A6B2D03E4}"/>
               </a:ext>
             </a:extLst>
           </p:cNvPr>
@@ -6340,44 +6462,8 @@
           <a:lstStyle/>
           <a:p>
             <a:r>
-              <a:rPr lang="en-CA" altLang="zh-CN" dirty="0"/>
-              <a:t>Competitor Analysis</a:t>
-            </a:r>
-            <a:endParaRPr lang="en-US" dirty="0"/>
-          </a:p>
-        </p:txBody>
-      </p:sp>
-      <p:sp>
-        <p:nvSpPr>
-          <p:cNvPr id="4" name="TextBox 3">
-            <a:extLst>
-              <a:ext uri="{FF2B5EF4-FFF2-40B4-BE49-F238E27FC236}">
-                <a16:creationId xmlns:a16="http://schemas.microsoft.com/office/drawing/2014/main" id="{777A76A4-B382-BB42-A046-1E32C7893C96}"/>
-              </a:ext>
-            </a:extLst>
-          </p:cNvPr>
-          <p:cNvSpPr txBox="1"/>
-          <p:nvPr/>
-        </p:nvSpPr>
-        <p:spPr>
-          <a:xfrm>
-            <a:off x="1978702" y="2248525"/>
-            <a:ext cx="3269741" cy="369332"/>
-          </a:xfrm>
-          <a:prstGeom prst="rect">
-            <a:avLst/>
-          </a:prstGeom>
-          <a:noFill/>
-        </p:spPr>
-        <p:txBody>
-          <a:bodyPr wrap="none" rtlCol="0">
-            <a:spAutoFit/>
-          </a:bodyPr>
-          <a:lstStyle/>
-          <a:p>
-            <a:r>
-              <a:rPr lang="en-US" dirty="0"/>
-              <a:t>Smart</a:t>
+              <a:rPr lang="en-US" altLang="zh-CN" dirty="0"/>
+              <a:t>Why</a:t>
             </a:r>
             <a:r>
               <a:rPr lang="zh-CN" altLang="en-US" dirty="0"/>
@@ -6385,7 +6471,42 @@
             </a:r>
             <a:r>
               <a:rPr lang="en-US" altLang="zh-CN" dirty="0"/>
-              <a:t>locker:</a:t>
+              <a:t>us</a:t>
+            </a:r>
+            <a:endParaRPr lang="en-US" dirty="0"/>
+          </a:p>
+        </p:txBody>
+      </p:sp>
+      <p:sp>
+        <p:nvSpPr>
+          <p:cNvPr id="3" name="Content Placeholder 2">
+            <a:extLst>
+              <a:ext uri="{FF2B5EF4-FFF2-40B4-BE49-F238E27FC236}">
+                <a16:creationId xmlns:a16="http://schemas.microsoft.com/office/drawing/2014/main" id="{D300F68D-1353-7847-927D-A538E5276CC9}"/>
+              </a:ext>
+            </a:extLst>
+          </p:cNvPr>
+          <p:cNvSpPr>
+            <a:spLocks noGrp="1"/>
+          </p:cNvSpPr>
+          <p:nvPr>
+            <p:ph idx="1"/>
+          </p:nvPr>
+        </p:nvSpPr>
+        <p:spPr/>
+        <p:txBody>
+          <a:bodyPr/>
+          <a:lstStyle/>
+          <a:p>
+            <a:r>
+              <a:rPr lang="en-US" altLang="zh-CN" dirty="0"/>
+              <a:t>Experience</a:t>
+            </a:r>
+          </a:p>
+          <a:p>
+            <a:r>
+              <a:rPr lang="en-US" altLang="zh-CN" dirty="0"/>
+              <a:t>Skill</a:t>
             </a:r>
             <a:r>
               <a:rPr lang="zh-CN" altLang="en-US" dirty="0"/>
@@ -6393,7 +6514,13 @@
             </a:r>
             <a:r>
               <a:rPr lang="en-US" altLang="zh-CN" dirty="0"/>
-              <a:t>Amazon</a:t>
+              <a:t>set</a:t>
+            </a:r>
+          </a:p>
+          <a:p>
+            <a:r>
+              <a:rPr lang="en-US" dirty="0"/>
+              <a:t>Problem</a:t>
             </a:r>
             <a:r>
               <a:rPr lang="zh-CN" altLang="en-US" dirty="0"/>
@@ -6401,7 +6528,7 @@
             </a:r>
             <a:r>
               <a:rPr lang="en-US" altLang="zh-CN" dirty="0"/>
-              <a:t>hub</a:t>
+              <a:t>Solving</a:t>
             </a:r>
             <a:r>
               <a:rPr lang="zh-CN" altLang="en-US" dirty="0"/>
@@ -6409,7 +6536,7 @@
             </a:r>
             <a:r>
               <a:rPr lang="en-US" altLang="zh-CN" dirty="0"/>
-              <a:t>locker</a:t>
+              <a:t>skills</a:t>
             </a:r>
             <a:endParaRPr lang="en-US" dirty="0"/>
           </a:p>
@@ -6417,86 +6544,10 @@
       </p:sp>
       <p:sp>
         <p:nvSpPr>
-          <p:cNvPr id="5" name="TextBox 4">
-            <a:extLst>
-              <a:ext uri="{FF2B5EF4-FFF2-40B4-BE49-F238E27FC236}">
-                <a16:creationId xmlns:a16="http://schemas.microsoft.com/office/drawing/2014/main" id="{AB462E8D-4229-A448-B456-05C27185E847}"/>
-              </a:ext>
-            </a:extLst>
-          </p:cNvPr>
-          <p:cNvSpPr txBox="1"/>
-          <p:nvPr/>
-        </p:nvSpPr>
-        <p:spPr>
-          <a:xfrm>
-            <a:off x="1978702" y="3059668"/>
-            <a:ext cx="4092723" cy="369332"/>
-          </a:xfrm>
-          <a:prstGeom prst="rect">
-            <a:avLst/>
-          </a:prstGeom>
-          <a:noFill/>
-        </p:spPr>
-        <p:txBody>
-          <a:bodyPr wrap="none" rtlCol="0">
-            <a:spAutoFit/>
-          </a:bodyPr>
-          <a:lstStyle/>
-          <a:p>
-            <a:r>
-              <a:rPr lang="en-US" altLang="zh-CN" dirty="0"/>
-              <a:t>Traditional</a:t>
-            </a:r>
-            <a:r>
-              <a:rPr lang="zh-CN" altLang="en-US" dirty="0"/>
-              <a:t> </a:t>
-            </a:r>
-            <a:r>
-              <a:rPr lang="en-US" altLang="zh-CN" dirty="0"/>
-              <a:t>locker:</a:t>
-            </a:r>
-            <a:r>
-              <a:rPr lang="zh-CN" altLang="en-US" dirty="0"/>
-              <a:t> </a:t>
-            </a:r>
-            <a:r>
-              <a:rPr lang="en-US" altLang="zh-CN" dirty="0"/>
-              <a:t>Canada</a:t>
-            </a:r>
-            <a:r>
-              <a:rPr lang="zh-CN" altLang="en-US" dirty="0"/>
-              <a:t> </a:t>
-            </a:r>
-            <a:r>
-              <a:rPr lang="en-US" altLang="zh-CN" dirty="0"/>
-              <a:t>post</a:t>
-            </a:r>
-            <a:r>
-              <a:rPr lang="zh-CN" altLang="en-US" dirty="0"/>
-              <a:t> </a:t>
-            </a:r>
-            <a:r>
-              <a:rPr lang="en-US" altLang="zh-CN" dirty="0"/>
-              <a:t>parcel</a:t>
-            </a:r>
-            <a:r>
-              <a:rPr lang="zh-CN" altLang="en-US" dirty="0"/>
-              <a:t> </a:t>
-            </a:r>
-            <a:r>
-              <a:rPr lang="en-US" altLang="zh-CN" dirty="0"/>
-              <a:t>box</a:t>
-            </a:r>
-            <a:endParaRPr lang="en-US" dirty="0"/>
-          </a:p>
-        </p:txBody>
-      </p:sp>
-      <p:sp>
-        <p:nvSpPr>
-          <p:cNvPr id="3" name="Footer Placeholder 2">
-            <a:extLst>
-              <a:ext uri="{FF2B5EF4-FFF2-40B4-BE49-F238E27FC236}">
-                <a16:creationId xmlns:a16="http://schemas.microsoft.com/office/drawing/2014/main" id="{12E6747E-4084-4F78-B8A5-1202C5DC6AD0}"/>
+          <p:cNvPr id="4" name="Footer Placeholder 3">
+            <a:extLst>
+              <a:ext uri="{FF2B5EF4-FFF2-40B4-BE49-F238E27FC236}">
+                <a16:creationId xmlns:a16="http://schemas.microsoft.com/office/drawing/2014/main" id="{DF4724A3-A9A9-4CB9-8585-09BB7AF2F39F}"/>
               </a:ext>
             </a:extLst>
           </p:cNvPr>
@@ -6522,7 +6573,7 @@
     </p:spTree>
     <p:extLst>
       <p:ext uri="{BB962C8B-B14F-4D97-AF65-F5344CB8AC3E}">
-        <p14:creationId xmlns:p14="http://schemas.microsoft.com/office/powerpoint/2010/main" val="340897898"/>
+        <p14:creationId xmlns:p14="http://schemas.microsoft.com/office/powerpoint/2010/main" val="1768983473"/>
       </p:ext>
     </p:extLst>
   </p:cSld>
@@ -6554,7 +6605,7 @@
           <p:cNvPr id="2" name="Title 1">
             <a:extLst>
               <a:ext uri="{FF2B5EF4-FFF2-40B4-BE49-F238E27FC236}">
-                <a16:creationId xmlns:a16="http://schemas.microsoft.com/office/drawing/2014/main" id="{566604A8-3D8C-BC42-B40D-B61A6B2D03E4}"/>
+                <a16:creationId xmlns:a16="http://schemas.microsoft.com/office/drawing/2014/main" id="{45E30AB7-F504-0E45-BA5B-C41B9CD5278D}"/>
               </a:ext>
             </a:extLst>
           </p:cNvPr>
@@ -6565,98 +6616,310 @@
             <p:ph type="title"/>
           </p:nvPr>
         </p:nvSpPr>
-        <p:spPr/>
+        <p:spPr>
+          <a:xfrm>
+            <a:off x="838200" y="365125"/>
+            <a:ext cx="10515600" cy="1325563"/>
+          </a:xfrm>
+        </p:spPr>
         <p:txBody>
           <a:bodyPr/>
           <a:lstStyle/>
           <a:p>
             <a:r>
               <a:rPr lang="en-US" altLang="zh-CN" dirty="0"/>
-              <a:t>Why</a:t>
-            </a:r>
-            <a:r>
-              <a:rPr lang="zh-CN" altLang="en-US" dirty="0"/>
+              <a:t>Team</a:t>
+            </a:r>
+            <a:endParaRPr lang="en-US" dirty="0"/>
+          </a:p>
+        </p:txBody>
+      </p:sp>
+      <p:sp>
+        <p:nvSpPr>
+          <p:cNvPr id="4" name="TextBox 3">
+            <a:extLst>
+              <a:ext uri="{FF2B5EF4-FFF2-40B4-BE49-F238E27FC236}">
+                <a16:creationId xmlns:a16="http://schemas.microsoft.com/office/drawing/2014/main" id="{1EC8930C-24BD-1648-A3EE-2E66E5D5278B}"/>
+              </a:ext>
+            </a:extLst>
+          </p:cNvPr>
+          <p:cNvSpPr txBox="1"/>
+          <p:nvPr/>
+        </p:nvSpPr>
+        <p:spPr>
+          <a:xfrm>
+            <a:off x="1766727" y="2468430"/>
+            <a:ext cx="1038169" cy="461665"/>
+          </a:xfrm>
+          <a:prstGeom prst="rect">
+            <a:avLst/>
+          </a:prstGeom>
+          <a:noFill/>
+        </p:spPr>
+        <p:txBody>
+          <a:bodyPr wrap="none" rtlCol="0">
+            <a:spAutoFit/>
+          </a:bodyPr>
+          <a:lstStyle/>
+          <a:p>
+            <a:r>
+              <a:rPr lang="en-US" altLang="zh-CN" sz="2400" dirty="0"/>
+              <a:t>Li Yang</a:t>
+            </a:r>
+            <a:endParaRPr lang="en-US" sz="2400" dirty="0"/>
+          </a:p>
+        </p:txBody>
+      </p:sp>
+      <p:sp>
+        <p:nvSpPr>
+          <p:cNvPr id="5" name="TextBox 4">
+            <a:extLst>
+              <a:ext uri="{FF2B5EF4-FFF2-40B4-BE49-F238E27FC236}">
+                <a16:creationId xmlns:a16="http://schemas.microsoft.com/office/drawing/2014/main" id="{6A6707E6-2B5D-4843-9C9F-771CCCC9FFD9}"/>
+              </a:ext>
+            </a:extLst>
+          </p:cNvPr>
+          <p:cNvSpPr txBox="1"/>
+          <p:nvPr/>
+        </p:nvSpPr>
+        <p:spPr>
+          <a:xfrm>
+            <a:off x="1766727" y="3158304"/>
+            <a:ext cx="1964127" cy="461665"/>
+          </a:xfrm>
+          <a:prstGeom prst="rect">
+            <a:avLst/>
+          </a:prstGeom>
+          <a:noFill/>
+        </p:spPr>
+        <p:txBody>
+          <a:bodyPr wrap="none" rtlCol="0">
+            <a:spAutoFit/>
+          </a:bodyPr>
+          <a:lstStyle/>
+          <a:p>
+            <a:r>
+              <a:rPr lang="en-US" altLang="zh-CN" sz="2400" dirty="0" err="1"/>
+              <a:t>Lingyan</a:t>
+            </a:r>
+            <a:r>
+              <a:rPr lang="zh-CN" altLang="en-US" sz="2400" dirty="0"/>
               <a:t> </a:t>
             </a:r>
             <a:r>
-              <a:rPr lang="en-US" altLang="zh-CN" dirty="0"/>
-              <a:t>us</a:t>
-            </a:r>
-            <a:endParaRPr lang="en-US" dirty="0"/>
-          </a:p>
-        </p:txBody>
-      </p:sp>
-      <p:sp>
-        <p:nvSpPr>
-          <p:cNvPr id="3" name="Content Placeholder 2">
-            <a:extLst>
-              <a:ext uri="{FF2B5EF4-FFF2-40B4-BE49-F238E27FC236}">
-                <a16:creationId xmlns:a16="http://schemas.microsoft.com/office/drawing/2014/main" id="{D300F68D-1353-7847-927D-A538E5276CC9}"/>
-              </a:ext>
-            </a:extLst>
-          </p:cNvPr>
-          <p:cNvSpPr>
-            <a:spLocks noGrp="1"/>
-          </p:cNvSpPr>
-          <p:nvPr>
-            <p:ph idx="1"/>
-          </p:nvPr>
-        </p:nvSpPr>
-        <p:spPr/>
-        <p:txBody>
-          <a:bodyPr/>
-          <a:lstStyle/>
-          <a:p>
-            <a:r>
-              <a:rPr lang="en-US" altLang="zh-CN" dirty="0"/>
-              <a:t>Experience</a:t>
-            </a:r>
-          </a:p>
-          <a:p>
-            <a:r>
-              <a:rPr lang="en-US" altLang="zh-CN" dirty="0"/>
-              <a:t>Skill</a:t>
-            </a:r>
-            <a:r>
-              <a:rPr lang="zh-CN" altLang="en-US" dirty="0"/>
+              <a:rPr lang="en-US" altLang="zh-CN" sz="2400" dirty="0"/>
+              <a:t>Zhang</a:t>
+            </a:r>
+            <a:endParaRPr lang="en-US" sz="2400" dirty="0"/>
+          </a:p>
+        </p:txBody>
+      </p:sp>
+      <p:sp>
+        <p:nvSpPr>
+          <p:cNvPr id="6" name="TextBox 5">
+            <a:extLst>
+              <a:ext uri="{FF2B5EF4-FFF2-40B4-BE49-F238E27FC236}">
+                <a16:creationId xmlns:a16="http://schemas.microsoft.com/office/drawing/2014/main" id="{4353E80A-1D02-D548-BE58-96C22B372898}"/>
+              </a:ext>
+            </a:extLst>
+          </p:cNvPr>
+          <p:cNvSpPr txBox="1"/>
+          <p:nvPr/>
+        </p:nvSpPr>
+        <p:spPr>
+          <a:xfrm>
+            <a:off x="1766727" y="1778556"/>
+            <a:ext cx="1959896" cy="461665"/>
+          </a:xfrm>
+          <a:prstGeom prst="rect">
+            <a:avLst/>
+          </a:prstGeom>
+          <a:noFill/>
+        </p:spPr>
+        <p:txBody>
+          <a:bodyPr wrap="none" rtlCol="0">
+            <a:spAutoFit/>
+          </a:bodyPr>
+          <a:lstStyle/>
+          <a:p>
+            <a:r>
+              <a:rPr lang="en-US" altLang="zh-CN" sz="2400" dirty="0"/>
+              <a:t>Xudong</a:t>
+            </a:r>
+            <a:r>
+              <a:rPr lang="zh-CN" altLang="en-US" sz="2400" dirty="0"/>
               <a:t> </a:t>
             </a:r>
             <a:r>
-              <a:rPr lang="en-US" altLang="zh-CN" dirty="0"/>
-              <a:t>set</a:t>
-            </a:r>
-          </a:p>
-          <a:p>
-            <a:r>
-              <a:rPr lang="en-US" dirty="0"/>
-              <a:t>Problem</a:t>
-            </a:r>
-            <a:r>
-              <a:rPr lang="zh-CN" altLang="en-US" dirty="0"/>
+              <a:rPr lang="en-US" altLang="zh-CN" sz="2400" dirty="0"/>
+              <a:t>Zhang</a:t>
+            </a:r>
+            <a:endParaRPr lang="en-US" sz="2400" dirty="0"/>
+          </a:p>
+        </p:txBody>
+      </p:sp>
+      <p:sp>
+        <p:nvSpPr>
+          <p:cNvPr id="9" name="TextBox 8">
+            <a:extLst>
+              <a:ext uri="{FF2B5EF4-FFF2-40B4-BE49-F238E27FC236}">
+                <a16:creationId xmlns:a16="http://schemas.microsoft.com/office/drawing/2014/main" id="{B450E0E8-062C-744C-B386-328D8E489764}"/>
+              </a:ext>
+            </a:extLst>
+          </p:cNvPr>
+          <p:cNvSpPr txBox="1"/>
+          <p:nvPr/>
+        </p:nvSpPr>
+        <p:spPr>
+          <a:xfrm>
+            <a:off x="4772561" y="3158304"/>
+            <a:ext cx="3739742" cy="461665"/>
+          </a:xfrm>
+          <a:prstGeom prst="rect">
+            <a:avLst/>
+          </a:prstGeom>
+          <a:noFill/>
+        </p:spPr>
+        <p:txBody>
+          <a:bodyPr wrap="none" rtlCol="0">
+            <a:spAutoFit/>
+          </a:bodyPr>
+          <a:lstStyle/>
+          <a:p>
+            <a:r>
+              <a:rPr lang="en-CA" altLang="zh-CN" sz="2400" dirty="0"/>
+              <a:t>Former </a:t>
+            </a:r>
+            <a:r>
+              <a:rPr lang="en-US" altLang="zh-CN" sz="2400" dirty="0"/>
+              <a:t>Nokia sales manager</a:t>
+            </a:r>
+            <a:endParaRPr lang="en-US" sz="2400" dirty="0"/>
+          </a:p>
+        </p:txBody>
+      </p:sp>
+      <p:sp>
+        <p:nvSpPr>
+          <p:cNvPr id="10" name="TextBox 9">
+            <a:extLst>
+              <a:ext uri="{FF2B5EF4-FFF2-40B4-BE49-F238E27FC236}">
+                <a16:creationId xmlns:a16="http://schemas.microsoft.com/office/drawing/2014/main" id="{D548B07C-4538-8342-9E78-DDD5389B8EE5}"/>
+              </a:ext>
+            </a:extLst>
+          </p:cNvPr>
+          <p:cNvSpPr txBox="1"/>
+          <p:nvPr/>
+        </p:nvSpPr>
+        <p:spPr>
+          <a:xfrm>
+            <a:off x="4772561" y="2468429"/>
+            <a:ext cx="3626506" cy="461665"/>
+          </a:xfrm>
+          <a:prstGeom prst="rect">
+            <a:avLst/>
+          </a:prstGeom>
+          <a:noFill/>
+        </p:spPr>
+        <p:txBody>
+          <a:bodyPr wrap="none" rtlCol="0">
+            <a:spAutoFit/>
+          </a:bodyPr>
+          <a:lstStyle/>
+          <a:p>
+            <a:r>
+              <a:rPr lang="en-US" altLang="zh-CN" sz="2400" dirty="0"/>
+              <a:t>Amazon</a:t>
+            </a:r>
+            <a:r>
+              <a:rPr lang="zh-CN" altLang="en-US" sz="2400" dirty="0"/>
               <a:t> </a:t>
             </a:r>
             <a:r>
-              <a:rPr lang="en-US" altLang="zh-CN" dirty="0"/>
-              <a:t>Solving</a:t>
-            </a:r>
-            <a:r>
-              <a:rPr lang="zh-CN" altLang="en-US" dirty="0"/>
+              <a:rPr lang="en-US" altLang="zh-CN" sz="2400" dirty="0"/>
+              <a:t>Software</a:t>
+            </a:r>
+            <a:r>
+              <a:rPr lang="zh-CN" altLang="en-US" sz="2400" dirty="0"/>
               <a:t> </a:t>
             </a:r>
             <a:r>
-              <a:rPr lang="en-US" altLang="zh-CN" dirty="0"/>
-              <a:t>skills</a:t>
-            </a:r>
-            <a:endParaRPr lang="en-US" dirty="0"/>
-          </a:p>
-        </p:txBody>
-      </p:sp>
-      <p:sp>
-        <p:nvSpPr>
-          <p:cNvPr id="4" name="Footer Placeholder 3">
-            <a:extLst>
-              <a:ext uri="{FF2B5EF4-FFF2-40B4-BE49-F238E27FC236}">
-                <a16:creationId xmlns:a16="http://schemas.microsoft.com/office/drawing/2014/main" id="{DF4724A3-A9A9-4CB9-8585-09BB7AF2F39F}"/>
+              <a:rPr lang="en-US" altLang="zh-CN" sz="2400" dirty="0"/>
+              <a:t>Engineer</a:t>
+            </a:r>
+            <a:r>
+              <a:rPr lang="zh-CN" altLang="en-US" sz="2400" dirty="0"/>
+              <a:t> </a:t>
+            </a:r>
+            <a:endParaRPr lang="en-US" sz="2400" dirty="0"/>
+          </a:p>
+        </p:txBody>
+      </p:sp>
+      <p:sp>
+        <p:nvSpPr>
+          <p:cNvPr id="11" name="TextBox 10">
+            <a:extLst>
+              <a:ext uri="{FF2B5EF4-FFF2-40B4-BE49-F238E27FC236}">
+                <a16:creationId xmlns:a16="http://schemas.microsoft.com/office/drawing/2014/main" id="{73AA1193-178B-1541-882F-50E79AFDF42B}"/>
+              </a:ext>
+            </a:extLst>
+          </p:cNvPr>
+          <p:cNvSpPr txBox="1"/>
+          <p:nvPr/>
+        </p:nvSpPr>
+        <p:spPr>
+          <a:xfrm>
+            <a:off x="4772561" y="1778554"/>
+            <a:ext cx="4814651" cy="461665"/>
+          </a:xfrm>
+          <a:prstGeom prst="rect">
+            <a:avLst/>
+          </a:prstGeom>
+          <a:noFill/>
+        </p:spPr>
+        <p:txBody>
+          <a:bodyPr wrap="none" rtlCol="0">
+            <a:spAutoFit/>
+          </a:bodyPr>
+          <a:lstStyle/>
+          <a:p>
+            <a:r>
+              <a:rPr lang="en-US" sz="2400" dirty="0"/>
+              <a:t>Moody’s</a:t>
+            </a:r>
+            <a:r>
+              <a:rPr lang="zh-CN" altLang="en-US" sz="2400" dirty="0"/>
+              <a:t> </a:t>
+            </a:r>
+            <a:r>
+              <a:rPr lang="en-US" altLang="zh-CN" sz="2400" dirty="0"/>
+              <a:t>Analytics</a:t>
+            </a:r>
+            <a:r>
+              <a:rPr lang="zh-CN" altLang="en-US" sz="2400" dirty="0"/>
+              <a:t> </a:t>
+            </a:r>
+            <a:r>
+              <a:rPr lang="en-US" altLang="zh-CN" sz="2400" dirty="0"/>
+              <a:t>Software</a:t>
+            </a:r>
+            <a:r>
+              <a:rPr lang="zh-CN" altLang="en-US" sz="2400" dirty="0"/>
+              <a:t> </a:t>
+            </a:r>
+            <a:r>
+              <a:rPr lang="en-US" altLang="zh-CN" sz="2400" dirty="0"/>
+              <a:t>Engineer</a:t>
+            </a:r>
+            <a:endParaRPr lang="en-US" sz="2400" dirty="0"/>
+          </a:p>
+        </p:txBody>
+      </p:sp>
+      <p:sp>
+        <p:nvSpPr>
+          <p:cNvPr id="3" name="Footer Placeholder 2">
+            <a:extLst>
+              <a:ext uri="{FF2B5EF4-FFF2-40B4-BE49-F238E27FC236}">
+                <a16:creationId xmlns:a16="http://schemas.microsoft.com/office/drawing/2014/main" id="{103AA5C0-482C-41E7-9502-4CDAAA424F75}"/>
               </a:ext>
             </a:extLst>
           </p:cNvPr>
@@ -6682,7 +6945,7 @@
     </p:spTree>
     <p:extLst>
       <p:ext uri="{BB962C8B-B14F-4D97-AF65-F5344CB8AC3E}">
-        <p14:creationId xmlns:p14="http://schemas.microsoft.com/office/powerpoint/2010/main" val="1768983473"/>
+        <p14:creationId xmlns:p14="http://schemas.microsoft.com/office/powerpoint/2010/main" val="3596459377"/>
       </p:ext>
     </p:extLst>
   </p:cSld>
@@ -6714,7 +6977,7 @@
           <p:cNvPr id="2" name="Title 1">
             <a:extLst>
               <a:ext uri="{FF2B5EF4-FFF2-40B4-BE49-F238E27FC236}">
-                <a16:creationId xmlns:a16="http://schemas.microsoft.com/office/drawing/2014/main" id="{45E30AB7-F504-0E45-BA5B-C41B9CD5278D}"/>
+                <a16:creationId xmlns:a16="http://schemas.microsoft.com/office/drawing/2014/main" id="{FC6C5C9A-2A8A-C141-83F6-449B5157BA45}"/>
               </a:ext>
             </a:extLst>
           </p:cNvPr>
@@ -6725,19 +6988,22 @@
             <p:ph type="title"/>
           </p:nvPr>
         </p:nvSpPr>
-        <p:spPr>
-          <a:xfrm>
-            <a:off x="838200" y="365125"/>
-            <a:ext cx="10515600" cy="1325563"/>
-          </a:xfrm>
-        </p:spPr>
+        <p:spPr/>
         <p:txBody>
           <a:bodyPr/>
           <a:lstStyle/>
           <a:p>
             <a:r>
               <a:rPr lang="en-US" altLang="zh-CN" dirty="0"/>
-              <a:t>Team</a:t>
+              <a:t>Project</a:t>
+            </a:r>
+            <a:r>
+              <a:rPr lang="zh-CN" altLang="en-US" dirty="0"/>
+              <a:t> </a:t>
+            </a:r>
+            <a:r>
+              <a:rPr lang="en-US" altLang="zh-CN" dirty="0"/>
+              <a:t>Valuation</a:t>
             </a:r>
             <a:endParaRPr lang="en-US" dirty="0"/>
           </a:p>
@@ -6745,294 +7011,39 @@
       </p:sp>
       <p:sp>
         <p:nvSpPr>
-          <p:cNvPr id="4" name="TextBox 3">
-            <a:extLst>
-              <a:ext uri="{FF2B5EF4-FFF2-40B4-BE49-F238E27FC236}">
-                <a16:creationId xmlns:a16="http://schemas.microsoft.com/office/drawing/2014/main" id="{1EC8930C-24BD-1648-A3EE-2E66E5D5278B}"/>
-              </a:ext>
-            </a:extLst>
-          </p:cNvPr>
-          <p:cNvSpPr txBox="1"/>
-          <p:nvPr/>
-        </p:nvSpPr>
-        <p:spPr>
-          <a:xfrm>
-            <a:off x="1766727" y="2468430"/>
-            <a:ext cx="1038169" cy="461665"/>
-          </a:xfrm>
-          <a:prstGeom prst="rect">
-            <a:avLst/>
-          </a:prstGeom>
-          <a:noFill/>
-        </p:spPr>
-        <p:txBody>
-          <a:bodyPr wrap="none" rtlCol="0">
-            <a:spAutoFit/>
-          </a:bodyPr>
-          <a:lstStyle/>
-          <a:p>
-            <a:r>
-              <a:rPr lang="en-US" altLang="zh-CN" sz="2400" dirty="0"/>
-              <a:t>Yang</a:t>
-            </a:r>
-            <a:r>
-              <a:rPr lang="zh-CN" altLang="en-US" sz="2400" dirty="0"/>
-              <a:t> </a:t>
-            </a:r>
-            <a:r>
-              <a:rPr lang="en-US" altLang="zh-CN" sz="2400" dirty="0"/>
-              <a:t>Li</a:t>
-            </a:r>
-            <a:endParaRPr lang="en-US" sz="2400" dirty="0"/>
-          </a:p>
-        </p:txBody>
-      </p:sp>
-      <p:sp>
-        <p:nvSpPr>
-          <p:cNvPr id="5" name="TextBox 4">
-            <a:extLst>
-              <a:ext uri="{FF2B5EF4-FFF2-40B4-BE49-F238E27FC236}">
-                <a16:creationId xmlns:a16="http://schemas.microsoft.com/office/drawing/2014/main" id="{6A6707E6-2B5D-4843-9C9F-771CCCC9FFD9}"/>
-              </a:ext>
-            </a:extLst>
-          </p:cNvPr>
-          <p:cNvSpPr txBox="1"/>
-          <p:nvPr/>
-        </p:nvSpPr>
-        <p:spPr>
-          <a:xfrm>
-            <a:off x="1766727" y="3158304"/>
-            <a:ext cx="1964127" cy="461665"/>
-          </a:xfrm>
-          <a:prstGeom prst="rect">
-            <a:avLst/>
-          </a:prstGeom>
-          <a:noFill/>
-        </p:spPr>
-        <p:txBody>
-          <a:bodyPr wrap="none" rtlCol="0">
-            <a:spAutoFit/>
-          </a:bodyPr>
-          <a:lstStyle/>
-          <a:p>
-            <a:r>
-              <a:rPr lang="en-US" altLang="zh-CN" sz="2400" dirty="0" err="1"/>
-              <a:t>Lingyan</a:t>
-            </a:r>
-            <a:r>
-              <a:rPr lang="zh-CN" altLang="en-US" sz="2400" dirty="0"/>
-              <a:t> </a:t>
-            </a:r>
-            <a:r>
-              <a:rPr lang="en-US" altLang="zh-CN" sz="2400" dirty="0"/>
-              <a:t>Zhang</a:t>
-            </a:r>
-            <a:endParaRPr lang="en-US" sz="2400" dirty="0"/>
-          </a:p>
-        </p:txBody>
-      </p:sp>
-      <p:sp>
-        <p:nvSpPr>
-          <p:cNvPr id="6" name="TextBox 5">
-            <a:extLst>
-              <a:ext uri="{FF2B5EF4-FFF2-40B4-BE49-F238E27FC236}">
-                <a16:creationId xmlns:a16="http://schemas.microsoft.com/office/drawing/2014/main" id="{4353E80A-1D02-D548-BE58-96C22B372898}"/>
-              </a:ext>
-            </a:extLst>
-          </p:cNvPr>
-          <p:cNvSpPr txBox="1"/>
-          <p:nvPr/>
-        </p:nvSpPr>
-        <p:spPr>
-          <a:xfrm>
-            <a:off x="1766727" y="1778556"/>
-            <a:ext cx="1959896" cy="461665"/>
-          </a:xfrm>
-          <a:prstGeom prst="rect">
-            <a:avLst/>
-          </a:prstGeom>
-          <a:noFill/>
-        </p:spPr>
-        <p:txBody>
-          <a:bodyPr wrap="none" rtlCol="0">
-            <a:spAutoFit/>
-          </a:bodyPr>
-          <a:lstStyle/>
-          <a:p>
-            <a:r>
-              <a:rPr lang="en-US" altLang="zh-CN" sz="2400" dirty="0"/>
-              <a:t>Xudong</a:t>
-            </a:r>
-            <a:r>
-              <a:rPr lang="zh-CN" altLang="en-US" sz="2400" dirty="0"/>
-              <a:t> </a:t>
-            </a:r>
-            <a:r>
-              <a:rPr lang="en-US" altLang="zh-CN" sz="2400" dirty="0"/>
-              <a:t>Zhang</a:t>
-            </a:r>
-            <a:endParaRPr lang="en-US" sz="2400" dirty="0"/>
-          </a:p>
-        </p:txBody>
-      </p:sp>
-      <p:sp>
-        <p:nvSpPr>
-          <p:cNvPr id="9" name="TextBox 8">
-            <a:extLst>
-              <a:ext uri="{FF2B5EF4-FFF2-40B4-BE49-F238E27FC236}">
-                <a16:creationId xmlns:a16="http://schemas.microsoft.com/office/drawing/2014/main" id="{B450E0E8-062C-744C-B386-328D8E489764}"/>
-              </a:ext>
-            </a:extLst>
-          </p:cNvPr>
-          <p:cNvSpPr txBox="1"/>
-          <p:nvPr/>
-        </p:nvSpPr>
-        <p:spPr>
-          <a:xfrm>
-            <a:off x="4772561" y="3158304"/>
-            <a:ext cx="2646878" cy="461665"/>
-          </a:xfrm>
-          <a:prstGeom prst="rect">
-            <a:avLst/>
-          </a:prstGeom>
-          <a:noFill/>
-        </p:spPr>
-        <p:txBody>
-          <a:bodyPr wrap="none" rtlCol="0">
-            <a:spAutoFit/>
-          </a:bodyPr>
-          <a:lstStyle/>
-          <a:p>
-            <a:r>
-              <a:rPr lang="zh-CN" altLang="en-US" sz="2400" dirty="0"/>
-              <a:t>前诺基亚销售经理</a:t>
-            </a:r>
-            <a:endParaRPr lang="en-US" sz="2400" dirty="0"/>
-          </a:p>
-        </p:txBody>
-      </p:sp>
-      <p:sp>
-        <p:nvSpPr>
-          <p:cNvPr id="10" name="TextBox 9">
-            <a:extLst>
-              <a:ext uri="{FF2B5EF4-FFF2-40B4-BE49-F238E27FC236}">
-                <a16:creationId xmlns:a16="http://schemas.microsoft.com/office/drawing/2014/main" id="{D548B07C-4538-8342-9E78-DDD5389B8EE5}"/>
-              </a:ext>
-            </a:extLst>
-          </p:cNvPr>
-          <p:cNvSpPr txBox="1"/>
-          <p:nvPr/>
-        </p:nvSpPr>
-        <p:spPr>
-          <a:xfrm>
-            <a:off x="4772561" y="2468429"/>
-            <a:ext cx="3626506" cy="461665"/>
-          </a:xfrm>
-          <a:prstGeom prst="rect">
-            <a:avLst/>
-          </a:prstGeom>
-          <a:noFill/>
-        </p:spPr>
-        <p:txBody>
-          <a:bodyPr wrap="none" rtlCol="0">
-            <a:spAutoFit/>
-          </a:bodyPr>
-          <a:lstStyle/>
-          <a:p>
-            <a:r>
-              <a:rPr lang="en-US" altLang="zh-CN" sz="2400" dirty="0"/>
-              <a:t>Amazon</a:t>
-            </a:r>
-            <a:r>
-              <a:rPr lang="zh-CN" altLang="en-US" sz="2400" dirty="0"/>
-              <a:t> </a:t>
-            </a:r>
-            <a:r>
-              <a:rPr lang="en-US" altLang="zh-CN" sz="2400" dirty="0"/>
-              <a:t>Software</a:t>
-            </a:r>
-            <a:r>
-              <a:rPr lang="zh-CN" altLang="en-US" sz="2400" dirty="0"/>
-              <a:t> </a:t>
-            </a:r>
-            <a:r>
-              <a:rPr lang="en-US" altLang="zh-CN" sz="2400" dirty="0"/>
-              <a:t>Engineer</a:t>
-            </a:r>
-            <a:r>
-              <a:rPr lang="zh-CN" altLang="en-US" sz="2400" dirty="0"/>
-              <a:t> </a:t>
-            </a:r>
-            <a:endParaRPr lang="en-US" sz="2400" dirty="0"/>
-          </a:p>
-        </p:txBody>
-      </p:sp>
-      <p:sp>
-        <p:nvSpPr>
-          <p:cNvPr id="11" name="TextBox 10">
-            <a:extLst>
-              <a:ext uri="{FF2B5EF4-FFF2-40B4-BE49-F238E27FC236}">
-                <a16:creationId xmlns:a16="http://schemas.microsoft.com/office/drawing/2014/main" id="{73AA1193-178B-1541-882F-50E79AFDF42B}"/>
-              </a:ext>
-            </a:extLst>
-          </p:cNvPr>
-          <p:cNvSpPr txBox="1"/>
-          <p:nvPr/>
-        </p:nvSpPr>
-        <p:spPr>
-          <a:xfrm>
-            <a:off x="4772561" y="1778554"/>
-            <a:ext cx="4814651" cy="461665"/>
-          </a:xfrm>
-          <a:prstGeom prst="rect">
-            <a:avLst/>
-          </a:prstGeom>
-          <a:noFill/>
-        </p:spPr>
-        <p:txBody>
-          <a:bodyPr wrap="none" rtlCol="0">
-            <a:spAutoFit/>
-          </a:bodyPr>
-          <a:lstStyle/>
-          <a:p>
-            <a:r>
-              <a:rPr lang="en-US" sz="2400" dirty="0"/>
-              <a:t>Moody’s</a:t>
-            </a:r>
-            <a:r>
-              <a:rPr lang="zh-CN" altLang="en-US" sz="2400" dirty="0"/>
-              <a:t> </a:t>
-            </a:r>
-            <a:r>
-              <a:rPr lang="en-US" altLang="zh-CN" sz="2400" dirty="0"/>
-              <a:t>Analytics</a:t>
-            </a:r>
-            <a:r>
-              <a:rPr lang="zh-CN" altLang="en-US" sz="2400" dirty="0"/>
-              <a:t> </a:t>
-            </a:r>
-            <a:r>
-              <a:rPr lang="en-US" altLang="zh-CN" sz="2400" dirty="0"/>
-              <a:t>Software</a:t>
-            </a:r>
-            <a:r>
-              <a:rPr lang="zh-CN" altLang="en-US" sz="2400" dirty="0"/>
-              <a:t> </a:t>
-            </a:r>
-            <a:r>
-              <a:rPr lang="en-US" altLang="zh-CN" sz="2400" dirty="0"/>
-              <a:t>Engineer</a:t>
-            </a:r>
-            <a:endParaRPr lang="en-US" sz="2400" dirty="0"/>
-          </a:p>
-        </p:txBody>
-      </p:sp>
-      <p:sp>
-        <p:nvSpPr>
-          <p:cNvPr id="3" name="Footer Placeholder 2">
-            <a:extLst>
-              <a:ext uri="{FF2B5EF4-FFF2-40B4-BE49-F238E27FC236}">
-                <a16:creationId xmlns:a16="http://schemas.microsoft.com/office/drawing/2014/main" id="{103AA5C0-482C-41E7-9502-4CDAAA424F75}"/>
+          <p:cNvPr id="3" name="Content Placeholder 2">
+            <a:extLst>
+              <a:ext uri="{FF2B5EF4-FFF2-40B4-BE49-F238E27FC236}">
+                <a16:creationId xmlns:a16="http://schemas.microsoft.com/office/drawing/2014/main" id="{4AFCA991-9DD3-8444-958A-8BB8DF0F6665}"/>
+              </a:ext>
+            </a:extLst>
+          </p:cNvPr>
+          <p:cNvSpPr>
+            <a:spLocks noGrp="1"/>
+          </p:cNvSpPr>
+          <p:nvPr>
+            <p:ph idx="1"/>
+          </p:nvPr>
+        </p:nvSpPr>
+        <p:spPr/>
+        <p:txBody>
+          <a:bodyPr/>
+          <a:lstStyle/>
+          <a:p>
+            <a:r>
+              <a:rPr lang="en-US" altLang="zh-CN" dirty="0"/>
+              <a:t>$20,000,000</a:t>
+            </a:r>
+            <a:endParaRPr lang="en-US" dirty="0"/>
+          </a:p>
+        </p:txBody>
+      </p:sp>
+      <p:sp>
+        <p:nvSpPr>
+          <p:cNvPr id="4" name="Footer Placeholder 3">
+            <a:extLst>
+              <a:ext uri="{FF2B5EF4-FFF2-40B4-BE49-F238E27FC236}">
+                <a16:creationId xmlns:a16="http://schemas.microsoft.com/office/drawing/2014/main" id="{255D65D0-2826-45B2-816B-FC140AE9ED90}"/>
               </a:ext>
             </a:extLst>
           </p:cNvPr>
@@ -7058,7 +7069,7 @@
     </p:spTree>
     <p:extLst>
       <p:ext uri="{BB962C8B-B14F-4D97-AF65-F5344CB8AC3E}">
-        <p14:creationId xmlns:p14="http://schemas.microsoft.com/office/powerpoint/2010/main" val="3596459377"/>
+        <p14:creationId xmlns:p14="http://schemas.microsoft.com/office/powerpoint/2010/main" val="1798639833"/>
       </p:ext>
     </p:extLst>
   </p:cSld>
@@ -7090,7 +7101,7 @@
           <p:cNvPr id="2" name="Title 1">
             <a:extLst>
               <a:ext uri="{FF2B5EF4-FFF2-40B4-BE49-F238E27FC236}">
-                <a16:creationId xmlns:a16="http://schemas.microsoft.com/office/drawing/2014/main" id="{FC6C5C9A-2A8A-C141-83F6-449B5157BA45}"/>
+                <a16:creationId xmlns:a16="http://schemas.microsoft.com/office/drawing/2014/main" id="{6A4B0818-7CD0-5249-B9AF-F48E3D0F3EEF}"/>
               </a:ext>
             </a:extLst>
           </p:cNvPr>
@@ -7108,7 +7119,7 @@
           <a:p>
             <a:r>
               <a:rPr lang="en-US" altLang="zh-CN" dirty="0"/>
-              <a:t>Project</a:t>
+              <a:t>Funding</a:t>
             </a:r>
             <a:r>
               <a:rPr lang="zh-CN" altLang="en-US" dirty="0"/>
@@ -7116,7 +7127,7 @@
             </a:r>
             <a:r>
               <a:rPr lang="en-US" altLang="zh-CN" dirty="0"/>
-              <a:t>Valuation</a:t>
+              <a:t>Requirement</a:t>
             </a:r>
             <a:endParaRPr lang="en-US" dirty="0"/>
           </a:p>
@@ -7127,7 +7138,7 @@
           <p:cNvPr id="3" name="Content Placeholder 2">
             <a:extLst>
               <a:ext uri="{FF2B5EF4-FFF2-40B4-BE49-F238E27FC236}">
-                <a16:creationId xmlns:a16="http://schemas.microsoft.com/office/drawing/2014/main" id="{4AFCA991-9DD3-8444-958A-8BB8DF0F6665}"/>
+                <a16:creationId xmlns:a16="http://schemas.microsoft.com/office/drawing/2014/main" id="{E3C77BF4-44BD-6142-8B85-0D96D0040905}"/>
               </a:ext>
             </a:extLst>
           </p:cNvPr>
@@ -7144,8 +7155,56 @@
           <a:lstStyle/>
           <a:p>
             <a:r>
+              <a:rPr lang="en-US" dirty="0"/>
+              <a:t>Software</a:t>
+            </a:r>
+            <a:r>
+              <a:rPr lang="zh-CN" altLang="en-US" dirty="0"/>
+              <a:t> </a:t>
+            </a:r>
+            <a:r>
               <a:rPr lang="en-US" altLang="zh-CN" dirty="0"/>
-              <a:t>$20,000,000</a:t>
+              <a:t>development</a:t>
+            </a:r>
+          </a:p>
+          <a:p>
+            <a:r>
+              <a:rPr lang="en-US" altLang="zh-CN" dirty="0"/>
+              <a:t>Marketing/</a:t>
+            </a:r>
+            <a:r>
+              <a:rPr lang="zh-CN" altLang="en-US" dirty="0"/>
+              <a:t> </a:t>
+            </a:r>
+            <a:r>
+              <a:rPr lang="en-US" altLang="zh-CN" dirty="0"/>
+              <a:t>Business</a:t>
+            </a:r>
+            <a:r>
+              <a:rPr lang="zh-CN" altLang="en-US" dirty="0"/>
+              <a:t> </a:t>
+            </a:r>
+            <a:r>
+              <a:rPr lang="en-US" altLang="zh-CN" dirty="0"/>
+              <a:t>corporation</a:t>
+            </a:r>
+          </a:p>
+          <a:p>
+            <a:r>
+              <a:rPr lang="en-US" altLang="zh-CN" dirty="0"/>
+              <a:t>Hardware</a:t>
+            </a:r>
+            <a:r>
+              <a:rPr lang="zh-CN" altLang="en-US" dirty="0"/>
+              <a:t> </a:t>
+            </a:r>
+            <a:r>
+              <a:rPr lang="en-US" altLang="zh-CN" dirty="0"/>
+              <a:t>setup</a:t>
+            </a:r>
+            <a:r>
+              <a:rPr lang="zh-CN" altLang="en-US" dirty="0"/>
+              <a:t> </a:t>
             </a:r>
             <a:endParaRPr lang="en-US" dirty="0"/>
           </a:p>
@@ -7156,7 +7215,7 @@
           <p:cNvPr id="4" name="Footer Placeholder 3">
             <a:extLst>
               <a:ext uri="{FF2B5EF4-FFF2-40B4-BE49-F238E27FC236}">
-                <a16:creationId xmlns:a16="http://schemas.microsoft.com/office/drawing/2014/main" id="{255D65D0-2826-45B2-816B-FC140AE9ED90}"/>
+                <a16:creationId xmlns:a16="http://schemas.microsoft.com/office/drawing/2014/main" id="{C247459B-DC11-4B38-A059-0BDAE4073104}"/>
               </a:ext>
             </a:extLst>
           </p:cNvPr>
@@ -7182,7 +7241,7 @@
     </p:spTree>
     <p:extLst>
       <p:ext uri="{BB962C8B-B14F-4D97-AF65-F5344CB8AC3E}">
-        <p14:creationId xmlns:p14="http://schemas.microsoft.com/office/powerpoint/2010/main" val="1798639833"/>
+        <p14:creationId xmlns:p14="http://schemas.microsoft.com/office/powerpoint/2010/main" val="4098082016"/>
       </p:ext>
     </p:extLst>
   </p:cSld>
@@ -7214,7 +7273,7 @@
           <p:cNvPr id="2" name="Title 1">
             <a:extLst>
               <a:ext uri="{FF2B5EF4-FFF2-40B4-BE49-F238E27FC236}">
-                <a16:creationId xmlns:a16="http://schemas.microsoft.com/office/drawing/2014/main" id="{6A4B0818-7CD0-5249-B9AF-F48E3D0F3EEF}"/>
+                <a16:creationId xmlns:a16="http://schemas.microsoft.com/office/drawing/2014/main" id="{C98B46D7-1E98-49D5-AF2A-B87B01DD468E}"/>
               </a:ext>
             </a:extLst>
           </p:cNvPr>
@@ -7232,94 +7291,9 @@
           <a:p>
             <a:r>
               <a:rPr lang="en-US" altLang="zh-CN" dirty="0"/>
-              <a:t>Funding</a:t>
-            </a:r>
-            <a:r>
-              <a:rPr lang="zh-CN" altLang="en-US" dirty="0"/>
-              <a:t> </a:t>
-            </a:r>
-            <a:r>
-              <a:rPr lang="en-US" altLang="zh-CN" dirty="0"/>
-              <a:t>Requirement</a:t>
-            </a:r>
-            <a:endParaRPr lang="en-US" dirty="0"/>
-          </a:p>
-        </p:txBody>
-      </p:sp>
-      <p:sp>
-        <p:nvSpPr>
-          <p:cNvPr id="3" name="Content Placeholder 2">
-            <a:extLst>
-              <a:ext uri="{FF2B5EF4-FFF2-40B4-BE49-F238E27FC236}">
-                <a16:creationId xmlns:a16="http://schemas.microsoft.com/office/drawing/2014/main" id="{E3C77BF4-44BD-6142-8B85-0D96D0040905}"/>
-              </a:ext>
-            </a:extLst>
-          </p:cNvPr>
-          <p:cNvSpPr>
-            <a:spLocks noGrp="1"/>
-          </p:cNvSpPr>
-          <p:nvPr>
-            <p:ph idx="1"/>
-          </p:nvPr>
-        </p:nvSpPr>
-        <p:spPr/>
-        <p:txBody>
-          <a:bodyPr/>
-          <a:lstStyle/>
-          <a:p>
-            <a:r>
-              <a:rPr lang="en-US" dirty="0"/>
-              <a:t>Software</a:t>
-            </a:r>
-            <a:r>
-              <a:rPr lang="zh-CN" altLang="en-US" dirty="0"/>
-              <a:t> </a:t>
-            </a:r>
-            <a:r>
-              <a:rPr lang="en-US" altLang="zh-CN" dirty="0"/>
-              <a:t>development</a:t>
-            </a:r>
-          </a:p>
-          <a:p>
-            <a:r>
-              <a:rPr lang="en-US" altLang="zh-CN" dirty="0"/>
-              <a:t>Marketing/</a:t>
-            </a:r>
-            <a:r>
-              <a:rPr lang="zh-CN" altLang="en-US" dirty="0"/>
-              <a:t> </a:t>
-            </a:r>
-            <a:r>
-              <a:rPr lang="en-US" altLang="zh-CN" dirty="0"/>
-              <a:t>Business</a:t>
-            </a:r>
-            <a:r>
-              <a:rPr lang="zh-CN" altLang="en-US" dirty="0"/>
-              <a:t> </a:t>
-            </a:r>
-            <a:r>
-              <a:rPr lang="en-US" altLang="zh-CN" dirty="0"/>
-              <a:t>corporation</a:t>
-            </a:r>
-          </a:p>
-          <a:p>
-            <a:r>
-              <a:rPr lang="en-US" altLang="zh-CN" dirty="0"/>
-              <a:t>Hardware</a:t>
-            </a:r>
-            <a:r>
-              <a:rPr lang="zh-CN" altLang="en-US" dirty="0"/>
-              <a:t> </a:t>
-            </a:r>
-            <a:r>
-              <a:rPr lang="en-US" altLang="zh-CN" dirty="0"/>
-              <a:t>setup</a:t>
-            </a:r>
-            <a:r>
-              <a:rPr lang="zh-CN" altLang="en-US" dirty="0"/>
-              <a:t> </a:t>
-            </a:r>
-            <a:endParaRPr lang="en-US" dirty="0"/>
+              <a:t>Roadmap</a:t>
+            </a:r>
+            <a:endParaRPr lang="en-CA" dirty="0"/>
           </a:p>
         </p:txBody>
       </p:sp>
@@ -7328,7 +7302,7 @@
           <p:cNvPr id="4" name="Footer Placeholder 3">
             <a:extLst>
               <a:ext uri="{FF2B5EF4-FFF2-40B4-BE49-F238E27FC236}">
-                <a16:creationId xmlns:a16="http://schemas.microsoft.com/office/drawing/2014/main" id="{C247459B-DC11-4B38-A059-0BDAE4073104}"/>
+                <a16:creationId xmlns:a16="http://schemas.microsoft.com/office/drawing/2014/main" id="{20F19815-145A-466E-9927-02229983F8B1}"/>
               </a:ext>
             </a:extLst>
           </p:cNvPr>
@@ -7351,10 +7325,486 @@
           </a:p>
         </p:txBody>
       </p:sp>
+      <p:graphicFrame>
+        <p:nvGraphicFramePr>
+          <p:cNvPr id="6" name="Table 6">
+            <a:extLst>
+              <a:ext uri="{FF2B5EF4-FFF2-40B4-BE49-F238E27FC236}">
+                <a16:creationId xmlns:a16="http://schemas.microsoft.com/office/drawing/2014/main" id="{D5EA153C-AB31-4C2B-AD3B-DAD1C3BA4EB5}"/>
+              </a:ext>
+            </a:extLst>
+          </p:cNvPr>
+          <p:cNvGraphicFramePr>
+            <a:graphicFrameLocks noGrp="1"/>
+          </p:cNvGraphicFramePr>
+          <p:nvPr>
+            <p:extLst>
+              <p:ext uri="{D42A27DB-BD31-4B8C-83A1-F6EECF244321}">
+                <p14:modId xmlns:p14="http://schemas.microsoft.com/office/powerpoint/2010/main" val="2079071167"/>
+              </p:ext>
+            </p:extLst>
+          </p:nvPr>
+        </p:nvGraphicFramePr>
+        <p:xfrm>
+          <a:off x="2506272" y="2205117"/>
+          <a:ext cx="6773335" cy="2870200"/>
+        </p:xfrm>
+        <a:graphic>
+          <a:graphicData uri="http://schemas.openxmlformats.org/drawingml/2006/table">
+            <a:tbl>
+              <a:tblPr firstRow="1" bandRow="1">
+                <a:tableStyleId>{5C22544A-7EE6-4342-B048-85BDC9FD1C3A}</a:tableStyleId>
+              </a:tblPr>
+              <a:tblGrid>
+                <a:gridCol w="879479">
+                  <a:extLst>
+                    <a:ext uri="{9D8B030D-6E8A-4147-A177-3AD203B41FA5}">
+                      <a16:colId xmlns:a16="http://schemas.microsoft.com/office/drawing/2014/main" val="212508000"/>
+                    </a:ext>
+                  </a:extLst>
+                </a:gridCol>
+                <a:gridCol w="1575487">
+                  <a:extLst>
+                    <a:ext uri="{9D8B030D-6E8A-4147-A177-3AD203B41FA5}">
+                      <a16:colId xmlns:a16="http://schemas.microsoft.com/office/drawing/2014/main" val="2895807560"/>
+                    </a:ext>
+                  </a:extLst>
+                </a:gridCol>
+                <a:gridCol w="1609035">
+                  <a:extLst>
+                    <a:ext uri="{9D8B030D-6E8A-4147-A177-3AD203B41FA5}">
+                      <a16:colId xmlns:a16="http://schemas.microsoft.com/office/drawing/2014/main" val="1597722578"/>
+                    </a:ext>
+                  </a:extLst>
+                </a:gridCol>
+                <a:gridCol w="1354667">
+                  <a:extLst>
+                    <a:ext uri="{9D8B030D-6E8A-4147-A177-3AD203B41FA5}">
+                      <a16:colId xmlns:a16="http://schemas.microsoft.com/office/drawing/2014/main" val="1050989810"/>
+                    </a:ext>
+                  </a:extLst>
+                </a:gridCol>
+                <a:gridCol w="1354667">
+                  <a:extLst>
+                    <a:ext uri="{9D8B030D-6E8A-4147-A177-3AD203B41FA5}">
+                      <a16:colId xmlns:a16="http://schemas.microsoft.com/office/drawing/2014/main" val="2993346508"/>
+                    </a:ext>
+                  </a:extLst>
+                </a:gridCol>
+              </a:tblGrid>
+              <a:tr h="370840">
+                <a:tc>
+                  <a:txBody>
+                    <a:bodyPr/>
+                    <a:lstStyle/>
+                    <a:p>
+                      <a:pPr marL="0" marR="0" lvl="0" indent="0" algn="l" defTabSz="914400" rtl="0" eaLnBrk="1" fontAlgn="auto" latinLnBrk="0" hangingPunct="1">
+                        <a:lnSpc>
+                          <a:spcPct val="100000"/>
+                        </a:lnSpc>
+                        <a:spcBef>
+                          <a:spcPts val="0"/>
+                        </a:spcBef>
+                        <a:spcAft>
+                          <a:spcPts val="0"/>
+                        </a:spcAft>
+                        <a:buClrTx/>
+                        <a:buSzTx/>
+                        <a:buFontTx/>
+                        <a:buNone/>
+                        <a:tabLst/>
+                        <a:defRPr/>
+                      </a:pPr>
+                      <a:r>
+                        <a:rPr lang="en-CA" dirty="0"/>
+                        <a:t>Phase</a:t>
+                      </a:r>
+                    </a:p>
+                    <a:p>
+                      <a:endParaRPr lang="en-CA" dirty="0"/>
+                    </a:p>
+                  </a:txBody>
+                  <a:tcPr/>
+                </a:tc>
+                <a:tc>
+                  <a:txBody>
+                    <a:bodyPr/>
+                    <a:lstStyle/>
+                    <a:p>
+                      <a:r>
+                        <a:rPr lang="en-CA" dirty="0"/>
+                        <a:t>Target</a:t>
+                      </a:r>
+                    </a:p>
+                  </a:txBody>
+                  <a:tcPr/>
+                </a:tc>
+                <a:tc>
+                  <a:txBody>
+                    <a:bodyPr/>
+                    <a:lstStyle/>
+                    <a:p>
+                      <a:r>
+                        <a:rPr lang="en-CA" dirty="0"/>
+                        <a:t>Capital Requirement </a:t>
+                      </a:r>
+                      <a:r>
+                        <a:rPr lang="en-CA" sz="1400" b="0" dirty="0"/>
+                        <a:t>(Canadian dollar)</a:t>
+                      </a:r>
+                    </a:p>
+                  </a:txBody>
+                  <a:tcPr/>
+                </a:tc>
+                <a:tc>
+                  <a:txBody>
+                    <a:bodyPr/>
+                    <a:lstStyle/>
+                    <a:p>
+                      <a:r>
+                        <a:rPr lang="en-CA" dirty="0"/>
+                        <a:t>Locker amount</a:t>
+                      </a:r>
+                    </a:p>
+                  </a:txBody>
+                  <a:tcPr/>
+                </a:tc>
+                <a:tc>
+                  <a:txBody>
+                    <a:bodyPr/>
+                    <a:lstStyle/>
+                    <a:p>
+                      <a:r>
+                        <a:rPr lang="en-CA" dirty="0"/>
+                        <a:t>Time</a:t>
+                      </a:r>
+                      <a:r>
+                        <a:rPr lang="en-CA" sz="1400" b="0" dirty="0"/>
+                        <a:t>(Year)</a:t>
+                      </a:r>
+                    </a:p>
+                  </a:txBody>
+                  <a:tcPr/>
+                </a:tc>
+                <a:extLst>
+                  <a:ext uri="{0D108BD9-81ED-4DB2-BD59-A6C34878D82A}">
+                    <a16:rowId xmlns:a16="http://schemas.microsoft.com/office/drawing/2014/main" val="3645519164"/>
+                  </a:ext>
+                </a:extLst>
+              </a:tr>
+              <a:tr h="370840">
+                <a:tc>
+                  <a:txBody>
+                    <a:bodyPr/>
+                    <a:lstStyle/>
+                    <a:p>
+                      <a:r>
+                        <a:rPr lang="en-CA" dirty="0"/>
+                        <a:t>1</a:t>
+                      </a:r>
+                    </a:p>
+                  </a:txBody>
+                  <a:tcPr/>
+                </a:tc>
+                <a:tc>
+                  <a:txBody>
+                    <a:bodyPr/>
+                    <a:lstStyle/>
+                    <a:p>
+                      <a:r>
+                        <a:rPr lang="en-CA" altLang="zh-CN" sz="1000" dirty="0"/>
+                        <a:t>Complete</a:t>
+                      </a:r>
+                      <a:r>
+                        <a:rPr lang="zh-CN" altLang="en-US" sz="1000" dirty="0"/>
+                        <a:t> </a:t>
+                      </a:r>
+                      <a:r>
+                        <a:rPr lang="en-CA" altLang="zh-CN" sz="1000" dirty="0"/>
+                        <a:t>software development,</a:t>
+                      </a:r>
+                      <a:r>
+                        <a:rPr lang="zh-CN" altLang="en-US" sz="1000" dirty="0"/>
+                        <a:t> </a:t>
+                      </a:r>
+                      <a:r>
+                        <a:rPr lang="en-CA" altLang="zh-CN" sz="1000" dirty="0"/>
+                        <a:t>smart locker soft launch</a:t>
+                      </a:r>
+                      <a:endParaRPr lang="en-CA" sz="1000" dirty="0"/>
+                    </a:p>
+                  </a:txBody>
+                  <a:tcPr/>
+                </a:tc>
+                <a:tc>
+                  <a:txBody>
+                    <a:bodyPr/>
+                    <a:lstStyle/>
+                    <a:p>
+                      <a:r>
+                        <a:rPr lang="en-CA" dirty="0"/>
+                        <a:t>2M</a:t>
+                      </a:r>
+                    </a:p>
+                  </a:txBody>
+                  <a:tcPr/>
+                </a:tc>
+                <a:tc>
+                  <a:txBody>
+                    <a:bodyPr/>
+                    <a:lstStyle/>
+                    <a:p>
+                      <a:r>
+                        <a:rPr lang="en-CA" dirty="0"/>
+                        <a:t>100</a:t>
+                      </a:r>
+                    </a:p>
+                  </a:txBody>
+                  <a:tcPr/>
+                </a:tc>
+                <a:tc>
+                  <a:txBody>
+                    <a:bodyPr/>
+                    <a:lstStyle/>
+                    <a:p>
+                      <a:r>
+                        <a:rPr lang="en-CA" dirty="0"/>
+                        <a:t>2~3</a:t>
+                      </a:r>
+                    </a:p>
+                  </a:txBody>
+                  <a:tcPr/>
+                </a:tc>
+                <a:extLst>
+                  <a:ext uri="{0D108BD9-81ED-4DB2-BD59-A6C34878D82A}">
+                    <a16:rowId xmlns:a16="http://schemas.microsoft.com/office/drawing/2014/main" val="1043772236"/>
+                  </a:ext>
+                </a:extLst>
+              </a:tr>
+              <a:tr h="370840">
+                <a:tc>
+                  <a:txBody>
+                    <a:bodyPr/>
+                    <a:lstStyle/>
+                    <a:p>
+                      <a:r>
+                        <a:rPr lang="en-CA" dirty="0"/>
+                        <a:t>2</a:t>
+                      </a:r>
+                    </a:p>
+                  </a:txBody>
+                  <a:tcPr/>
+                </a:tc>
+                <a:tc>
+                  <a:txBody>
+                    <a:bodyPr/>
+                    <a:lstStyle/>
+                    <a:p>
+                      <a:r>
+                        <a:rPr lang="en-CA" sz="1000" dirty="0"/>
+                        <a:t>Extend business corporation, verify profit model</a:t>
+                      </a:r>
+                    </a:p>
+                  </a:txBody>
+                  <a:tcPr/>
+                </a:tc>
+                <a:tc>
+                  <a:txBody>
+                    <a:bodyPr/>
+                    <a:lstStyle/>
+                    <a:p>
+                      <a:r>
+                        <a:rPr lang="en-CA" dirty="0"/>
+                        <a:t>200M</a:t>
+                      </a:r>
+                    </a:p>
+                  </a:txBody>
+                  <a:tcPr/>
+                </a:tc>
+                <a:tc>
+                  <a:txBody>
+                    <a:bodyPr/>
+                    <a:lstStyle/>
+                    <a:p>
+                      <a:r>
+                        <a:rPr lang="en-CA" dirty="0"/>
+                        <a:t>2k~10k</a:t>
+                      </a:r>
+                    </a:p>
+                  </a:txBody>
+                  <a:tcPr/>
+                </a:tc>
+                <a:tc>
+                  <a:txBody>
+                    <a:bodyPr/>
+                    <a:lstStyle/>
+                    <a:p>
+                      <a:r>
+                        <a:rPr lang="en-CA" dirty="0"/>
+                        <a:t>3~5</a:t>
+                      </a:r>
+                    </a:p>
+                  </a:txBody>
+                  <a:tcPr/>
+                </a:tc>
+                <a:extLst>
+                  <a:ext uri="{0D108BD9-81ED-4DB2-BD59-A6C34878D82A}">
+                    <a16:rowId xmlns:a16="http://schemas.microsoft.com/office/drawing/2014/main" val="1914715956"/>
+                  </a:ext>
+                </a:extLst>
+              </a:tr>
+              <a:tr h="370840">
+                <a:tc>
+                  <a:txBody>
+                    <a:bodyPr/>
+                    <a:lstStyle/>
+                    <a:p>
+                      <a:r>
+                        <a:rPr lang="en-CA" dirty="0"/>
+                        <a:t>3</a:t>
+                      </a:r>
+                    </a:p>
+                  </a:txBody>
+                  <a:tcPr/>
+                </a:tc>
+                <a:tc>
+                  <a:txBody>
+                    <a:bodyPr/>
+                    <a:lstStyle/>
+                    <a:p>
+                      <a:r>
+                        <a:rPr lang="en-CA" sz="1000" dirty="0"/>
+                        <a:t>Scale business</a:t>
+                      </a:r>
+                    </a:p>
+                  </a:txBody>
+                  <a:tcPr/>
+                </a:tc>
+                <a:tc>
+                  <a:txBody>
+                    <a:bodyPr/>
+                    <a:lstStyle/>
+                    <a:p>
+                      <a:r>
+                        <a:rPr lang="en-CA" dirty="0"/>
+                        <a:t>10B</a:t>
+                      </a:r>
+                    </a:p>
+                  </a:txBody>
+                  <a:tcPr/>
+                </a:tc>
+                <a:tc>
+                  <a:txBody>
+                    <a:bodyPr/>
+                    <a:lstStyle/>
+                    <a:p>
+                      <a:r>
+                        <a:rPr lang="en-CA" dirty="0"/>
+                        <a:t>1M</a:t>
+                      </a:r>
+                    </a:p>
+                  </a:txBody>
+                  <a:tcPr/>
+                </a:tc>
+                <a:tc>
+                  <a:txBody>
+                    <a:bodyPr/>
+                    <a:lstStyle/>
+                    <a:p>
+                      <a:r>
+                        <a:rPr lang="en-CA" dirty="0"/>
+                        <a:t>5~15</a:t>
+                      </a:r>
+                    </a:p>
+                  </a:txBody>
+                  <a:tcPr/>
+                </a:tc>
+                <a:extLst>
+                  <a:ext uri="{0D108BD9-81ED-4DB2-BD59-A6C34878D82A}">
+                    <a16:rowId xmlns:a16="http://schemas.microsoft.com/office/drawing/2014/main" val="4276589358"/>
+                  </a:ext>
+                </a:extLst>
+              </a:tr>
+              <a:tr h="370840">
+                <a:tc>
+                  <a:txBody>
+                    <a:bodyPr/>
+                    <a:lstStyle/>
+                    <a:p>
+                      <a:r>
+                        <a:rPr lang="en-CA" dirty="0"/>
+                        <a:t>4</a:t>
+                      </a:r>
+                    </a:p>
+                  </a:txBody>
+                  <a:tcPr/>
+                </a:tc>
+                <a:tc>
+                  <a:txBody>
+                    <a:bodyPr/>
+                    <a:lstStyle/>
+                    <a:p>
+                      <a:r>
+                        <a:rPr lang="en-CA" sz="1000" dirty="0"/>
+                        <a:t>Stabilize core business, extend business cases and relevant business</a:t>
+                      </a:r>
+                    </a:p>
+                  </a:txBody>
+                  <a:tcPr/>
+                </a:tc>
+                <a:tc>
+                  <a:txBody>
+                    <a:bodyPr/>
+                    <a:lstStyle/>
+                    <a:p>
+                      <a:r>
+                        <a:rPr lang="en-CA" dirty="0"/>
+                        <a:t>TBD</a:t>
+                      </a:r>
+                    </a:p>
+                  </a:txBody>
+                  <a:tcPr/>
+                </a:tc>
+                <a:tc>
+                  <a:txBody>
+                    <a:bodyPr/>
+                    <a:lstStyle/>
+                    <a:p>
+                      <a:r>
+                        <a:rPr lang="en-CA" dirty="0"/>
+                        <a:t>10M</a:t>
+                      </a:r>
+                    </a:p>
+                  </a:txBody>
+                  <a:tcPr/>
+                </a:tc>
+                <a:tc>
+                  <a:txBody>
+                    <a:bodyPr/>
+                    <a:lstStyle/>
+                    <a:p>
+                      <a:r>
+                        <a:rPr lang="en-CA" dirty="0"/>
+                        <a:t>10~20</a:t>
+                      </a:r>
+                    </a:p>
+                  </a:txBody>
+                  <a:tcPr/>
+                </a:tc>
+                <a:extLst>
+                  <a:ext uri="{0D108BD9-81ED-4DB2-BD59-A6C34878D82A}">
+                    <a16:rowId xmlns:a16="http://schemas.microsoft.com/office/drawing/2014/main" val="1514671649"/>
+                  </a:ext>
+                </a:extLst>
+              </a:tr>
+            </a:tbl>
+          </a:graphicData>
+        </a:graphic>
+      </p:graphicFrame>
     </p:spTree>
     <p:extLst>
       <p:ext uri="{BB962C8B-B14F-4D97-AF65-F5344CB8AC3E}">
-        <p14:creationId xmlns:p14="http://schemas.microsoft.com/office/powerpoint/2010/main" val="4098082016"/>
+        <p14:creationId xmlns:p14="http://schemas.microsoft.com/office/powerpoint/2010/main" val="3275896453"/>
       </p:ext>
     </p:extLst>
   </p:cSld>
@@ -7397,7 +7847,12 @@
             <p:ph type="title"/>
           </p:nvPr>
         </p:nvSpPr>
-        <p:spPr/>
+        <p:spPr>
+          <a:xfrm>
+            <a:off x="2376443" y="2627415"/>
+            <a:ext cx="2306652" cy="1325563"/>
+          </a:xfrm>
+        </p:spPr>
         <p:txBody>
           <a:bodyPr/>
           <a:lstStyle/>
@@ -7638,118 +8093,6 @@
     <p:extLst>
       <p:ext uri="{BB962C8B-B14F-4D97-AF65-F5344CB8AC3E}">
         <p14:creationId xmlns:p14="http://schemas.microsoft.com/office/powerpoint/2010/main" val="2670240968"/>
-      </p:ext>
-    </p:extLst>
-  </p:cSld>
-  <p:clrMapOvr>
-    <a:masterClrMapping/>
-  </p:clrMapOvr>
-</p:sld>
-</file>
-
-<file path=ppt/slides/slide20.xml><?xml version="1.0" encoding="utf-8"?>
-<p:sld xmlns:a="http://schemas.openxmlformats.org/drawingml/2006/main" xmlns:r="http://schemas.openxmlformats.org/officeDocument/2006/relationships" xmlns:p="http://schemas.openxmlformats.org/presentationml/2006/main">
-  <p:cSld>
-    <p:spTree>
-      <p:nvGrpSpPr>
-        <p:cNvPr id="1" name=""/>
-        <p:cNvGrpSpPr/>
-        <p:nvPr/>
-      </p:nvGrpSpPr>
-      <p:grpSpPr>
-        <a:xfrm>
-          <a:off x="0" y="0"/>
-          <a:ext cx="0" cy="0"/>
-          <a:chOff x="0" y="0"/>
-          <a:chExt cx="0" cy="0"/>
-        </a:xfrm>
-      </p:grpSpPr>
-      <p:sp>
-        <p:nvSpPr>
-          <p:cNvPr id="2" name="Title 1">
-            <a:extLst>
-              <a:ext uri="{FF2B5EF4-FFF2-40B4-BE49-F238E27FC236}">
-                <a16:creationId xmlns:a16="http://schemas.microsoft.com/office/drawing/2014/main" id="{C98B46D7-1E98-49D5-AF2A-B87B01DD468E}"/>
-              </a:ext>
-            </a:extLst>
-          </p:cNvPr>
-          <p:cNvSpPr>
-            <a:spLocks noGrp="1"/>
-          </p:cNvSpPr>
-          <p:nvPr>
-            <p:ph type="title"/>
-          </p:nvPr>
-        </p:nvSpPr>
-        <p:spPr/>
-        <p:txBody>
-          <a:bodyPr/>
-          <a:lstStyle/>
-          <a:p>
-            <a:r>
-              <a:rPr lang="en-US" altLang="zh-CN" dirty="0"/>
-              <a:t>Roadmap</a:t>
-            </a:r>
-            <a:endParaRPr lang="en-CA" dirty="0"/>
-          </a:p>
-        </p:txBody>
-      </p:sp>
-      <p:sp>
-        <p:nvSpPr>
-          <p:cNvPr id="3" name="Content Placeholder 2">
-            <a:extLst>
-              <a:ext uri="{FF2B5EF4-FFF2-40B4-BE49-F238E27FC236}">
-                <a16:creationId xmlns:a16="http://schemas.microsoft.com/office/drawing/2014/main" id="{185A9B5A-5BD0-4F76-B5D2-A768FB21B43B}"/>
-              </a:ext>
-            </a:extLst>
-          </p:cNvPr>
-          <p:cNvSpPr>
-            <a:spLocks noGrp="1"/>
-          </p:cNvSpPr>
-          <p:nvPr>
-            <p:ph idx="1"/>
-          </p:nvPr>
-        </p:nvSpPr>
-        <p:spPr/>
-        <p:txBody>
-          <a:bodyPr/>
-          <a:lstStyle/>
-          <a:p>
-            <a:endParaRPr lang="en-CA"/>
-          </a:p>
-        </p:txBody>
-      </p:sp>
-      <p:sp>
-        <p:nvSpPr>
-          <p:cNvPr id="4" name="Footer Placeholder 3">
-            <a:extLst>
-              <a:ext uri="{FF2B5EF4-FFF2-40B4-BE49-F238E27FC236}">
-                <a16:creationId xmlns:a16="http://schemas.microsoft.com/office/drawing/2014/main" id="{20F19815-145A-466E-9927-02229983F8B1}"/>
-              </a:ext>
-            </a:extLst>
-          </p:cNvPr>
-          <p:cNvSpPr>
-            <a:spLocks noGrp="1"/>
-          </p:cNvSpPr>
-          <p:nvPr>
-            <p:ph type="ftr" sz="quarter" idx="11"/>
-          </p:nvPr>
-        </p:nvSpPr>
-        <p:spPr/>
-        <p:txBody>
-          <a:bodyPr/>
-          <a:lstStyle/>
-          <a:p>
-            <a:r>
-              <a:rPr lang="en-US"/>
-              <a:t>Zyanzoom Inc.</a:t>
-            </a:r>
-          </a:p>
-        </p:txBody>
-      </p:sp>
-    </p:spTree>
-    <p:extLst>
-      <p:ext uri="{BB962C8B-B14F-4D97-AF65-F5344CB8AC3E}">
-        <p14:creationId xmlns:p14="http://schemas.microsoft.com/office/powerpoint/2010/main" val="3275896453"/>
       </p:ext>
     </p:extLst>
   </p:cSld>
@@ -7932,7 +8275,7 @@
         <p:spPr>
           <a:xfrm>
             <a:off x="7299038" y="3490948"/>
-            <a:ext cx="1003095" cy="461665"/>
+            <a:ext cx="3060966" cy="461665"/>
           </a:xfrm>
           <a:prstGeom prst="rect">
             <a:avLst/>
@@ -7946,10 +8289,10 @@
           <a:lstStyle/>
           <a:p>
             <a:r>
-              <a:rPr lang="en-US" altLang="zh-CN" sz="2400" dirty="0"/>
-              <a:t>Pickup</a:t>
-            </a:r>
-            <a:endParaRPr lang="en-US" sz="2400" dirty="0"/>
+              <a:rPr lang="en-US" altLang="zh-CN" sz="2400" b="1" dirty="0"/>
+              <a:t>Pickup Time Mismatch</a:t>
+            </a:r>
+            <a:endParaRPr lang="en-US" sz="2400" b="1" dirty="0"/>
           </a:p>
         </p:txBody>
       </p:sp>
